--- a/figures/statisticalLearning/supervisedLearningPrinciples/SupervisedLearningPrinciplesFigures.pptx
+++ b/figures/statisticalLearning/supervisedLearningPrinciples/SupervisedLearningPrinciplesFigures.pptx
@@ -158,10 +158,9 @@
           </a:lstStyle>
           <a:p>
             <a:r>
-              <a:rPr lang="en-US" smtClean="0"/>
+              <a:rPr lang="en-US"/>
               <a:t>Click to edit Master title style</a:t>
             </a:r>
-            <a:endParaRPr lang="en-US"/>
           </a:p>
         </p:txBody>
       </p:sp>
@@ -223,10 +222,9 @@
           </a:lstStyle>
           <a:p>
             <a:r>
-              <a:rPr lang="en-US" smtClean="0"/>
+              <a:rPr lang="en-US"/>
               <a:t>Click to edit Master subtitle style</a:t>
             </a:r>
-            <a:endParaRPr lang="en-US"/>
           </a:p>
         </p:txBody>
       </p:sp>
@@ -247,7 +245,7 @@
           <a:p>
             <a:fld id="{95A4E7F3-76DD-41A9-83EA-1E4A041F8B88}" type="datetimeFigureOut">
               <a:rPr lang="en-US" smtClean="0"/>
-              <a:t>9/1/2018</a:t>
+              <a:t>11/17/2019</a:t>
             </a:fld>
             <a:endParaRPr lang="en-US"/>
           </a:p>
@@ -341,10 +339,9 @@
           <a:lstStyle/>
           <a:p>
             <a:r>
-              <a:rPr lang="en-US" smtClean="0"/>
+              <a:rPr lang="en-US"/>
               <a:t>Click to edit Master title style</a:t>
             </a:r>
-            <a:endParaRPr lang="en-US"/>
           </a:p>
         </p:txBody>
       </p:sp>
@@ -365,38 +362,37 @@
           <a:p>
             <a:pPr lvl="0"/>
             <a:r>
-              <a:rPr lang="en-US" smtClean="0"/>
+              <a:rPr lang="en-US"/>
               <a:t>Click to edit Master text styles</a:t>
             </a:r>
           </a:p>
           <a:p>
             <a:pPr lvl="1"/>
             <a:r>
-              <a:rPr lang="en-US" smtClean="0"/>
+              <a:rPr lang="en-US"/>
               <a:t>Second level</a:t>
             </a:r>
           </a:p>
           <a:p>
             <a:pPr lvl="2"/>
             <a:r>
-              <a:rPr lang="en-US" smtClean="0"/>
+              <a:rPr lang="en-US"/>
               <a:t>Third level</a:t>
             </a:r>
           </a:p>
           <a:p>
             <a:pPr lvl="3"/>
             <a:r>
-              <a:rPr lang="en-US" smtClean="0"/>
+              <a:rPr lang="en-US"/>
               <a:t>Fourth level</a:t>
             </a:r>
           </a:p>
           <a:p>
             <a:pPr lvl="4"/>
             <a:r>
-              <a:rPr lang="en-US" smtClean="0"/>
+              <a:rPr lang="en-US"/>
               <a:t>Fifth level</a:t>
             </a:r>
-            <a:endParaRPr lang="en-US"/>
           </a:p>
         </p:txBody>
       </p:sp>
@@ -417,7 +413,7 @@
           <a:p>
             <a:fld id="{95A4E7F3-76DD-41A9-83EA-1E4A041F8B88}" type="datetimeFigureOut">
               <a:rPr lang="en-US" smtClean="0"/>
-              <a:t>9/1/2018</a:t>
+              <a:t>11/17/2019</a:t>
             </a:fld>
             <a:endParaRPr lang="en-US"/>
           </a:p>
@@ -516,10 +512,9 @@
           <a:lstStyle/>
           <a:p>
             <a:r>
-              <a:rPr lang="en-US" smtClean="0"/>
+              <a:rPr lang="en-US"/>
               <a:t>Click to edit Master title style</a:t>
             </a:r>
-            <a:endParaRPr lang="en-US"/>
           </a:p>
         </p:txBody>
       </p:sp>
@@ -545,38 +540,37 @@
           <a:p>
             <a:pPr lvl="0"/>
             <a:r>
-              <a:rPr lang="en-US" smtClean="0"/>
+              <a:rPr lang="en-US"/>
               <a:t>Click to edit Master text styles</a:t>
             </a:r>
           </a:p>
           <a:p>
             <a:pPr lvl="1"/>
             <a:r>
-              <a:rPr lang="en-US" smtClean="0"/>
+              <a:rPr lang="en-US"/>
               <a:t>Second level</a:t>
             </a:r>
           </a:p>
           <a:p>
             <a:pPr lvl="2"/>
             <a:r>
-              <a:rPr lang="en-US" smtClean="0"/>
+              <a:rPr lang="en-US"/>
               <a:t>Third level</a:t>
             </a:r>
           </a:p>
           <a:p>
             <a:pPr lvl="3"/>
             <a:r>
-              <a:rPr lang="en-US" smtClean="0"/>
+              <a:rPr lang="en-US"/>
               <a:t>Fourth level</a:t>
             </a:r>
           </a:p>
           <a:p>
             <a:pPr lvl="4"/>
             <a:r>
-              <a:rPr lang="en-US" smtClean="0"/>
+              <a:rPr lang="en-US"/>
               <a:t>Fifth level</a:t>
             </a:r>
-            <a:endParaRPr lang="en-US"/>
           </a:p>
         </p:txBody>
       </p:sp>
@@ -597,7 +591,7 @@
           <a:p>
             <a:fld id="{95A4E7F3-76DD-41A9-83EA-1E4A041F8B88}" type="datetimeFigureOut">
               <a:rPr lang="en-US" smtClean="0"/>
-              <a:t>9/1/2018</a:t>
+              <a:t>11/17/2019</a:t>
             </a:fld>
             <a:endParaRPr lang="en-US"/>
           </a:p>
@@ -691,10 +685,9 @@
           <a:lstStyle/>
           <a:p>
             <a:r>
-              <a:rPr lang="en-US" smtClean="0"/>
+              <a:rPr lang="en-US"/>
               <a:t>Click to edit Master title style</a:t>
             </a:r>
-            <a:endParaRPr lang="en-US"/>
           </a:p>
         </p:txBody>
       </p:sp>
@@ -715,38 +708,37 @@
           <a:p>
             <a:pPr lvl="0"/>
             <a:r>
-              <a:rPr lang="en-US" smtClean="0"/>
+              <a:rPr lang="en-US"/>
               <a:t>Click to edit Master text styles</a:t>
             </a:r>
           </a:p>
           <a:p>
             <a:pPr lvl="1"/>
             <a:r>
-              <a:rPr lang="en-US" smtClean="0"/>
+              <a:rPr lang="en-US"/>
               <a:t>Second level</a:t>
             </a:r>
           </a:p>
           <a:p>
             <a:pPr lvl="2"/>
             <a:r>
-              <a:rPr lang="en-US" smtClean="0"/>
+              <a:rPr lang="en-US"/>
               <a:t>Third level</a:t>
             </a:r>
           </a:p>
           <a:p>
             <a:pPr lvl="3"/>
             <a:r>
-              <a:rPr lang="en-US" smtClean="0"/>
+              <a:rPr lang="en-US"/>
               <a:t>Fourth level</a:t>
             </a:r>
           </a:p>
           <a:p>
             <a:pPr lvl="4"/>
             <a:r>
-              <a:rPr lang="en-US" smtClean="0"/>
+              <a:rPr lang="en-US"/>
               <a:t>Fifth level</a:t>
             </a:r>
-            <a:endParaRPr lang="en-US"/>
           </a:p>
         </p:txBody>
       </p:sp>
@@ -767,7 +759,7 @@
           <a:p>
             <a:fld id="{95A4E7F3-76DD-41A9-83EA-1E4A041F8B88}" type="datetimeFigureOut">
               <a:rPr lang="en-US" smtClean="0"/>
-              <a:t>9/1/2018</a:t>
+              <a:t>11/17/2019</a:t>
             </a:fld>
             <a:endParaRPr lang="en-US"/>
           </a:p>
@@ -870,10 +862,9 @@
           </a:lstStyle>
           <a:p>
             <a:r>
-              <a:rPr lang="en-US" smtClean="0"/>
+              <a:rPr lang="en-US"/>
               <a:t>Click to edit Master title style</a:t>
             </a:r>
-            <a:endParaRPr lang="en-US"/>
           </a:p>
         </p:txBody>
       </p:sp>
@@ -990,7 +981,7 @@
           <a:p>
             <a:pPr lvl="0"/>
             <a:r>
-              <a:rPr lang="en-US" smtClean="0"/>
+              <a:rPr lang="en-US"/>
               <a:t>Click to edit Master text styles</a:t>
             </a:r>
           </a:p>
@@ -1013,7 +1004,7 @@
           <a:p>
             <a:fld id="{95A4E7F3-76DD-41A9-83EA-1E4A041F8B88}" type="datetimeFigureOut">
               <a:rPr lang="en-US" smtClean="0"/>
-              <a:t>9/1/2018</a:t>
+              <a:t>11/17/2019</a:t>
             </a:fld>
             <a:endParaRPr lang="en-US"/>
           </a:p>
@@ -1107,10 +1098,9 @@
           <a:lstStyle/>
           <a:p>
             <a:r>
-              <a:rPr lang="en-US" smtClean="0"/>
+              <a:rPr lang="en-US"/>
               <a:t>Click to edit Master title style</a:t>
             </a:r>
-            <a:endParaRPr lang="en-US"/>
           </a:p>
         </p:txBody>
       </p:sp>
@@ -1136,38 +1126,37 @@
           <a:p>
             <a:pPr lvl="0"/>
             <a:r>
-              <a:rPr lang="en-US" smtClean="0"/>
+              <a:rPr lang="en-US"/>
               <a:t>Click to edit Master text styles</a:t>
             </a:r>
           </a:p>
           <a:p>
             <a:pPr lvl="1"/>
             <a:r>
-              <a:rPr lang="en-US" smtClean="0"/>
+              <a:rPr lang="en-US"/>
               <a:t>Second level</a:t>
             </a:r>
           </a:p>
           <a:p>
             <a:pPr lvl="2"/>
             <a:r>
-              <a:rPr lang="en-US" smtClean="0"/>
+              <a:rPr lang="en-US"/>
               <a:t>Third level</a:t>
             </a:r>
           </a:p>
           <a:p>
             <a:pPr lvl="3"/>
             <a:r>
-              <a:rPr lang="en-US" smtClean="0"/>
+              <a:rPr lang="en-US"/>
               <a:t>Fourth level</a:t>
             </a:r>
           </a:p>
           <a:p>
             <a:pPr lvl="4"/>
             <a:r>
-              <a:rPr lang="en-US" smtClean="0"/>
+              <a:rPr lang="en-US"/>
               <a:t>Fifth level</a:t>
             </a:r>
-            <a:endParaRPr lang="en-US"/>
           </a:p>
         </p:txBody>
       </p:sp>
@@ -1193,38 +1182,37 @@
           <a:p>
             <a:pPr lvl="0"/>
             <a:r>
-              <a:rPr lang="en-US" smtClean="0"/>
+              <a:rPr lang="en-US"/>
               <a:t>Click to edit Master text styles</a:t>
             </a:r>
           </a:p>
           <a:p>
             <a:pPr lvl="1"/>
             <a:r>
-              <a:rPr lang="en-US" smtClean="0"/>
+              <a:rPr lang="en-US"/>
               <a:t>Second level</a:t>
             </a:r>
           </a:p>
           <a:p>
             <a:pPr lvl="2"/>
             <a:r>
-              <a:rPr lang="en-US" smtClean="0"/>
+              <a:rPr lang="en-US"/>
               <a:t>Third level</a:t>
             </a:r>
           </a:p>
           <a:p>
             <a:pPr lvl="3"/>
             <a:r>
-              <a:rPr lang="en-US" smtClean="0"/>
+              <a:rPr lang="en-US"/>
               <a:t>Fourth level</a:t>
             </a:r>
           </a:p>
           <a:p>
             <a:pPr lvl="4"/>
             <a:r>
-              <a:rPr lang="en-US" smtClean="0"/>
+              <a:rPr lang="en-US"/>
               <a:t>Fifth level</a:t>
             </a:r>
-            <a:endParaRPr lang="en-US"/>
           </a:p>
         </p:txBody>
       </p:sp>
@@ -1245,7 +1233,7 @@
           <a:p>
             <a:fld id="{95A4E7F3-76DD-41A9-83EA-1E4A041F8B88}" type="datetimeFigureOut">
               <a:rPr lang="en-US" smtClean="0"/>
-              <a:t>9/1/2018</a:t>
+              <a:t>11/17/2019</a:t>
             </a:fld>
             <a:endParaRPr lang="en-US"/>
           </a:p>
@@ -1344,10 +1332,9 @@
           <a:lstStyle/>
           <a:p>
             <a:r>
-              <a:rPr lang="en-US" smtClean="0"/>
+              <a:rPr lang="en-US"/>
               <a:t>Click to edit Master title style</a:t>
             </a:r>
-            <a:endParaRPr lang="en-US"/>
           </a:p>
         </p:txBody>
       </p:sp>
@@ -1410,7 +1397,7 @@
           <a:p>
             <a:pPr lvl="0"/>
             <a:r>
-              <a:rPr lang="en-US" smtClean="0"/>
+              <a:rPr lang="en-US"/>
               <a:t>Click to edit Master text styles</a:t>
             </a:r>
           </a:p>
@@ -1438,38 +1425,37 @@
           <a:p>
             <a:pPr lvl="0"/>
             <a:r>
-              <a:rPr lang="en-US" smtClean="0"/>
+              <a:rPr lang="en-US"/>
               <a:t>Click to edit Master text styles</a:t>
             </a:r>
           </a:p>
           <a:p>
             <a:pPr lvl="1"/>
             <a:r>
-              <a:rPr lang="en-US" smtClean="0"/>
+              <a:rPr lang="en-US"/>
               <a:t>Second level</a:t>
             </a:r>
           </a:p>
           <a:p>
             <a:pPr lvl="2"/>
             <a:r>
-              <a:rPr lang="en-US" smtClean="0"/>
+              <a:rPr lang="en-US"/>
               <a:t>Third level</a:t>
             </a:r>
           </a:p>
           <a:p>
             <a:pPr lvl="3"/>
             <a:r>
-              <a:rPr lang="en-US" smtClean="0"/>
+              <a:rPr lang="en-US"/>
               <a:t>Fourth level</a:t>
             </a:r>
           </a:p>
           <a:p>
             <a:pPr lvl="4"/>
             <a:r>
-              <a:rPr lang="en-US" smtClean="0"/>
+              <a:rPr lang="en-US"/>
               <a:t>Fifth level</a:t>
             </a:r>
-            <a:endParaRPr lang="en-US"/>
           </a:p>
         </p:txBody>
       </p:sp>
@@ -1532,7 +1518,7 @@
           <a:p>
             <a:pPr lvl="0"/>
             <a:r>
-              <a:rPr lang="en-US" smtClean="0"/>
+              <a:rPr lang="en-US"/>
               <a:t>Click to edit Master text styles</a:t>
             </a:r>
           </a:p>
@@ -1560,38 +1546,37 @@
           <a:p>
             <a:pPr lvl="0"/>
             <a:r>
-              <a:rPr lang="en-US" smtClean="0"/>
+              <a:rPr lang="en-US"/>
               <a:t>Click to edit Master text styles</a:t>
             </a:r>
           </a:p>
           <a:p>
             <a:pPr lvl="1"/>
             <a:r>
-              <a:rPr lang="en-US" smtClean="0"/>
+              <a:rPr lang="en-US"/>
               <a:t>Second level</a:t>
             </a:r>
           </a:p>
           <a:p>
             <a:pPr lvl="2"/>
             <a:r>
-              <a:rPr lang="en-US" smtClean="0"/>
+              <a:rPr lang="en-US"/>
               <a:t>Third level</a:t>
             </a:r>
           </a:p>
           <a:p>
             <a:pPr lvl="3"/>
             <a:r>
-              <a:rPr lang="en-US" smtClean="0"/>
+              <a:rPr lang="en-US"/>
               <a:t>Fourth level</a:t>
             </a:r>
           </a:p>
           <a:p>
             <a:pPr lvl="4"/>
             <a:r>
-              <a:rPr lang="en-US" smtClean="0"/>
+              <a:rPr lang="en-US"/>
               <a:t>Fifth level</a:t>
             </a:r>
-            <a:endParaRPr lang="en-US"/>
           </a:p>
         </p:txBody>
       </p:sp>
@@ -1612,7 +1597,7 @@
           <a:p>
             <a:fld id="{95A4E7F3-76DD-41A9-83EA-1E4A041F8B88}" type="datetimeFigureOut">
               <a:rPr lang="en-US" smtClean="0"/>
-              <a:t>9/1/2018</a:t>
+              <a:t>11/17/2019</a:t>
             </a:fld>
             <a:endParaRPr lang="en-US"/>
           </a:p>
@@ -1706,10 +1691,9 @@
           <a:lstStyle/>
           <a:p>
             <a:r>
-              <a:rPr lang="en-US" smtClean="0"/>
+              <a:rPr lang="en-US"/>
               <a:t>Click to edit Master title style</a:t>
             </a:r>
-            <a:endParaRPr lang="en-US"/>
           </a:p>
         </p:txBody>
       </p:sp>
@@ -1730,7 +1714,7 @@
           <a:p>
             <a:fld id="{95A4E7F3-76DD-41A9-83EA-1E4A041F8B88}" type="datetimeFigureOut">
               <a:rPr lang="en-US" smtClean="0"/>
-              <a:t>9/1/2018</a:t>
+              <a:t>11/17/2019</a:t>
             </a:fld>
             <a:endParaRPr lang="en-US"/>
           </a:p>
@@ -1825,7 +1809,7 @@
           <a:p>
             <a:fld id="{95A4E7F3-76DD-41A9-83EA-1E4A041F8B88}" type="datetimeFigureOut">
               <a:rPr lang="en-US" smtClean="0"/>
-              <a:t>9/1/2018</a:t>
+              <a:t>11/17/2019</a:t>
             </a:fld>
             <a:endParaRPr lang="en-US"/>
           </a:p>
@@ -1928,10 +1912,9 @@
           </a:lstStyle>
           <a:p>
             <a:r>
-              <a:rPr lang="en-US" smtClean="0"/>
+              <a:rPr lang="en-US"/>
               <a:t>Click to edit Master title style</a:t>
             </a:r>
-            <a:endParaRPr lang="en-US"/>
           </a:p>
         </p:txBody>
       </p:sp>
@@ -1985,38 +1968,37 @@
           <a:p>
             <a:pPr lvl="0"/>
             <a:r>
-              <a:rPr lang="en-US" smtClean="0"/>
+              <a:rPr lang="en-US"/>
               <a:t>Click to edit Master text styles</a:t>
             </a:r>
           </a:p>
           <a:p>
             <a:pPr lvl="1"/>
             <a:r>
-              <a:rPr lang="en-US" smtClean="0"/>
+              <a:rPr lang="en-US"/>
               <a:t>Second level</a:t>
             </a:r>
           </a:p>
           <a:p>
             <a:pPr lvl="2"/>
             <a:r>
-              <a:rPr lang="en-US" smtClean="0"/>
+              <a:rPr lang="en-US"/>
               <a:t>Third level</a:t>
             </a:r>
           </a:p>
           <a:p>
             <a:pPr lvl="3"/>
             <a:r>
-              <a:rPr lang="en-US" smtClean="0"/>
+              <a:rPr lang="en-US"/>
               <a:t>Fourth level</a:t>
             </a:r>
           </a:p>
           <a:p>
             <a:pPr lvl="4"/>
             <a:r>
-              <a:rPr lang="en-US" smtClean="0"/>
+              <a:rPr lang="en-US"/>
               <a:t>Fifth level</a:t>
             </a:r>
-            <a:endParaRPr lang="en-US"/>
           </a:p>
         </p:txBody>
       </p:sp>
@@ -2079,7 +2061,7 @@
           <a:p>
             <a:pPr lvl="0"/>
             <a:r>
-              <a:rPr lang="en-US" smtClean="0"/>
+              <a:rPr lang="en-US"/>
               <a:t>Click to edit Master text styles</a:t>
             </a:r>
           </a:p>
@@ -2102,7 +2084,7 @@
           <a:p>
             <a:fld id="{95A4E7F3-76DD-41A9-83EA-1E4A041F8B88}" type="datetimeFigureOut">
               <a:rPr lang="en-US" smtClean="0"/>
-              <a:t>9/1/2018</a:t>
+              <a:t>11/17/2019</a:t>
             </a:fld>
             <a:endParaRPr lang="en-US"/>
           </a:p>
@@ -2205,10 +2187,9 @@
           </a:lstStyle>
           <a:p>
             <a:r>
-              <a:rPr lang="en-US" smtClean="0"/>
+              <a:rPr lang="en-US"/>
               <a:t>Click to edit Master title style</a:t>
             </a:r>
-            <a:endParaRPr lang="en-US"/>
           </a:p>
         </p:txBody>
       </p:sp>
@@ -2332,7 +2313,7 @@
           <a:p>
             <a:pPr lvl="0"/>
             <a:r>
-              <a:rPr lang="en-US" smtClean="0"/>
+              <a:rPr lang="en-US"/>
               <a:t>Click to edit Master text styles</a:t>
             </a:r>
           </a:p>
@@ -2355,7 +2336,7 @@
           <a:p>
             <a:fld id="{95A4E7F3-76DD-41A9-83EA-1E4A041F8B88}" type="datetimeFigureOut">
               <a:rPr lang="en-US" smtClean="0"/>
-              <a:t>9/1/2018</a:t>
+              <a:t>11/17/2019</a:t>
             </a:fld>
             <a:endParaRPr lang="en-US"/>
           </a:p>
@@ -2464,10 +2445,9 @@
           <a:lstStyle/>
           <a:p>
             <a:r>
-              <a:rPr lang="en-US" smtClean="0"/>
+              <a:rPr lang="en-US"/>
               <a:t>Click to edit Master title style</a:t>
             </a:r>
-            <a:endParaRPr lang="en-US"/>
           </a:p>
         </p:txBody>
       </p:sp>
@@ -2498,38 +2478,37 @@
           <a:p>
             <a:pPr lvl="0"/>
             <a:r>
-              <a:rPr lang="en-US" smtClean="0"/>
+              <a:rPr lang="en-US"/>
               <a:t>Click to edit Master text styles</a:t>
             </a:r>
           </a:p>
           <a:p>
             <a:pPr lvl="1"/>
             <a:r>
-              <a:rPr lang="en-US" smtClean="0"/>
+              <a:rPr lang="en-US"/>
               <a:t>Second level</a:t>
             </a:r>
           </a:p>
           <a:p>
             <a:pPr lvl="2"/>
             <a:r>
-              <a:rPr lang="en-US" smtClean="0"/>
+              <a:rPr lang="en-US"/>
               <a:t>Third level</a:t>
             </a:r>
           </a:p>
           <a:p>
             <a:pPr lvl="3"/>
             <a:r>
-              <a:rPr lang="en-US" smtClean="0"/>
+              <a:rPr lang="en-US"/>
               <a:t>Fourth level</a:t>
             </a:r>
           </a:p>
           <a:p>
             <a:pPr lvl="4"/>
             <a:r>
-              <a:rPr lang="en-US" smtClean="0"/>
+              <a:rPr lang="en-US"/>
               <a:t>Fifth level</a:t>
             </a:r>
-            <a:endParaRPr lang="en-US"/>
           </a:p>
         </p:txBody>
       </p:sp>
@@ -2568,7 +2547,7 @@
           <a:p>
             <a:fld id="{95A4E7F3-76DD-41A9-83EA-1E4A041F8B88}" type="datetimeFigureOut">
               <a:rPr lang="en-US" smtClean="0"/>
-              <a:t>9/1/2018</a:t>
+              <a:t>11/17/2019</a:t>
             </a:fld>
             <a:endParaRPr lang="en-US"/>
           </a:p>
@@ -7797,7 +7776,7 @@
         </p:nvSpPr>
         <p:spPr>
           <a:xfrm>
-            <a:off x="2232658" y="749736"/>
+            <a:off x="3172225" y="1026573"/>
             <a:ext cx="5623562" cy="4107590"/>
           </a:xfrm>
           <a:prstGeom prst="rect">
@@ -7837,8 +7816,8 @@
           </a:p>
         </p:txBody>
       </p:sp>
-      <mc:AlternateContent xmlns:mc="http://schemas.openxmlformats.org/markup-compatibility/2006" xmlns:a14="http://schemas.microsoft.com/office/drawing/2010/main">
-        <mc:Choice Requires="a14">
+      <mc:AlternateContent xmlns:mc="http://schemas.openxmlformats.org/markup-compatibility/2006">
+        <mc:Choice xmlns:a14="http://schemas.microsoft.com/office/drawing/2010/main" Requires="a14">
           <p:graphicFrame>
             <p:nvGraphicFramePr>
               <p:cNvPr id="2" name="Table 1"/>
@@ -7848,13 +7827,13 @@
               <p:nvPr>
                 <p:extLst>
                   <p:ext uri="{D42A27DB-BD31-4B8C-83A1-F6EECF244321}">
-                    <p14:modId xmlns:p14="http://schemas.microsoft.com/office/powerpoint/2010/main" val="1242534067"/>
+                    <p14:modId xmlns:p14="http://schemas.microsoft.com/office/powerpoint/2010/main" val="588618498"/>
                   </p:ext>
                 </p:extLst>
               </p:nvPr>
             </p:nvGraphicFramePr>
             <p:xfrm>
-              <a:off x="2232658" y="1992206"/>
+              <a:off x="3172225" y="2269043"/>
               <a:ext cx="5623562" cy="2865120"/>
             </p:xfrm>
             <a:graphic>
@@ -7864,12 +7843,48 @@
                     <a:tableStyleId>{5C22544A-7EE6-4342-B048-85BDC9FD1C3A}</a:tableStyleId>
                   </a:tblPr>
                   <a:tblGrid>
-                    <a:gridCol w="792482"/>
-                    <a:gridCol w="975360"/>
-                    <a:gridCol w="1043940"/>
-                    <a:gridCol w="556260"/>
-                    <a:gridCol w="1036320"/>
-                    <a:gridCol w="1219200"/>
+                    <a:gridCol w="792482">
+                      <a:extLst>
+                        <a:ext uri="{9D8B030D-6E8A-4147-A177-3AD203B41FA5}">
+                          <a16:colId xmlns:a16="http://schemas.microsoft.com/office/drawing/2014/main" val="20000"/>
+                        </a:ext>
+                      </a:extLst>
+                    </a:gridCol>
+                    <a:gridCol w="975360">
+                      <a:extLst>
+                        <a:ext uri="{9D8B030D-6E8A-4147-A177-3AD203B41FA5}">
+                          <a16:colId xmlns:a16="http://schemas.microsoft.com/office/drawing/2014/main" val="20001"/>
+                        </a:ext>
+                      </a:extLst>
+                    </a:gridCol>
+                    <a:gridCol w="1043940">
+                      <a:extLst>
+                        <a:ext uri="{9D8B030D-6E8A-4147-A177-3AD203B41FA5}">
+                          <a16:colId xmlns:a16="http://schemas.microsoft.com/office/drawing/2014/main" val="20002"/>
+                        </a:ext>
+                      </a:extLst>
+                    </a:gridCol>
+                    <a:gridCol w="556260">
+                      <a:extLst>
+                        <a:ext uri="{9D8B030D-6E8A-4147-A177-3AD203B41FA5}">
+                          <a16:colId xmlns:a16="http://schemas.microsoft.com/office/drawing/2014/main" val="20003"/>
+                        </a:ext>
+                      </a:extLst>
+                    </a:gridCol>
+                    <a:gridCol w="1036320">
+                      <a:extLst>
+                        <a:ext uri="{9D8B030D-6E8A-4147-A177-3AD203B41FA5}">
+                          <a16:colId xmlns:a16="http://schemas.microsoft.com/office/drawing/2014/main" val="20004"/>
+                        </a:ext>
+                      </a:extLst>
+                    </a:gridCol>
+                    <a:gridCol w="1219200">
+                      <a:extLst>
+                        <a:ext uri="{9D8B030D-6E8A-4147-A177-3AD203B41FA5}">
+                          <a16:colId xmlns:a16="http://schemas.microsoft.com/office/drawing/2014/main" val="20005"/>
+                        </a:ext>
+                      </a:extLst>
+                    </a:gridCol>
                   </a:tblGrid>
                   <a:tr h="370840">
                     <a:tc>
@@ -7879,10 +7894,9 @@
                         <a:p>
                           <a:pPr algn="ctr"/>
                           <a:r>
-                            <a:rPr lang="en-US" dirty="0" smtClean="0"/>
+                            <a:rPr lang="en-US" dirty="0"/>
                             <a:t>ID</a:t>
                           </a:r>
-                          <a:endParaRPr lang="en-US" dirty="0"/>
                         </a:p>
                       </a:txBody>
                       <a:tcPr anchor="ctr"/>
@@ -7894,10 +7908,9 @@
                         <a:p>
                           <a:pPr algn="ctr"/>
                           <a:r>
-                            <a:rPr lang="en-US" dirty="0" smtClean="0"/>
-                            <a:t>Home Owner</a:t>
+                            <a:rPr lang="en-US" dirty="0"/>
+                            <a:t>Home owner</a:t>
                           </a:r>
-                          <a:endParaRPr lang="en-US" dirty="0"/>
                         </a:p>
                       </a:txBody>
                       <a:tcPr anchor="ctr"/>
@@ -7909,10 +7922,9 @@
                         <a:p>
                           <a:pPr algn="ctr"/>
                           <a:r>
-                            <a:rPr lang="en-US" dirty="0" smtClean="0"/>
+                            <a:rPr lang="en-US" dirty="0"/>
                             <a:t>Marital Status</a:t>
                           </a:r>
-                          <a:endParaRPr lang="en-US" dirty="0"/>
                         </a:p>
                       </a:txBody>
                       <a:tcPr anchor="ctr"/>
@@ -7924,10 +7936,9 @@
                         <a:p>
                           <a:pPr algn="ctr"/>
                           <a:r>
-                            <a:rPr lang="en-US" dirty="0" smtClean="0"/>
+                            <a:rPr lang="en-US" dirty="0"/>
                             <a:t>Age</a:t>
                           </a:r>
-                          <a:endParaRPr lang="en-US" dirty="0"/>
                         </a:p>
                       </a:txBody>
                       <a:tcPr anchor="ctr"/>
@@ -7939,11 +7950,11 @@
                         <a:p>
                           <a:pPr algn="ctr"/>
                           <a:r>
-                            <a:rPr lang="en-US" altLang="zh-CN" dirty="0" smtClean="0"/>
+                            <a:rPr lang="en-US" altLang="zh-CN" dirty="0"/>
                             <a:t>Annual</a:t>
                           </a:r>
                           <a:r>
-                            <a:rPr lang="en-US" altLang="zh-CN" baseline="0" dirty="0" smtClean="0"/>
+                            <a:rPr lang="en-US" altLang="zh-CN" baseline="0" dirty="0"/>
                             <a:t> Income</a:t>
                           </a:r>
                           <a:endParaRPr lang="en-US" dirty="0"/>
@@ -7958,10 +7969,9 @@
                         <a:p>
                           <a:pPr algn="ctr"/>
                           <a:r>
-                            <a:rPr lang="en-US" dirty="0" smtClean="0"/>
+                            <a:rPr lang="en-US" dirty="0"/>
                             <a:t>Defaulted Borrower</a:t>
                           </a:r>
-                          <a:endParaRPr lang="en-US" dirty="0"/>
                         </a:p>
                       </a:txBody>
                       <a:tcPr anchor="ctr">
@@ -7970,6 +7980,11 @@
                         </a:solidFill>
                       </a:tcPr>
                     </a:tc>
+                    <a:extLst>
+                      <a:ext uri="{0D108BD9-81ED-4DB2-BD59-A6C34878D82A}">
+                        <a16:rowId xmlns:a16="http://schemas.microsoft.com/office/drawing/2014/main" val="10000"/>
+                      </a:ext>
+                    </a:extLst>
                   </a:tr>
                   <a:tr h="370840">
                     <a:tc>
@@ -7979,10 +7994,9 @@
                         <a:p>
                           <a:pPr algn="ctr"/>
                           <a:r>
-                            <a:rPr lang="en-US" dirty="0" smtClean="0"/>
+                            <a:rPr lang="en-US" dirty="0"/>
                             <a:t>1</a:t>
                           </a:r>
-                          <a:endParaRPr lang="en-US" dirty="0"/>
                         </a:p>
                       </a:txBody>
                       <a:tcPr/>
@@ -7994,10 +8008,9 @@
                         <a:p>
                           <a:pPr algn="ctr"/>
                           <a:r>
-                            <a:rPr lang="en-US" dirty="0" smtClean="0"/>
+                            <a:rPr lang="en-US" dirty="0"/>
                             <a:t>Yes</a:t>
                           </a:r>
-                          <a:endParaRPr lang="en-US" dirty="0"/>
                         </a:p>
                       </a:txBody>
                       <a:tcPr/>
@@ -8009,10 +8022,9 @@
                         <a:p>
                           <a:pPr algn="ctr"/>
                           <a:r>
-                            <a:rPr lang="en-US" dirty="0" smtClean="0"/>
+                            <a:rPr lang="en-US" dirty="0"/>
                             <a:t>Single</a:t>
                           </a:r>
-                          <a:endParaRPr lang="en-US" dirty="0"/>
                         </a:p>
                       </a:txBody>
                       <a:tcPr/>
@@ -8024,10 +8036,9 @@
                         <a:p>
                           <a:pPr algn="ctr"/>
                           <a:r>
-                            <a:rPr lang="en-US" dirty="0" smtClean="0"/>
+                            <a:rPr lang="en-US" dirty="0"/>
                             <a:t>20</a:t>
                           </a:r>
-                          <a:endParaRPr lang="en-US" dirty="0"/>
                         </a:p>
                       </a:txBody>
                       <a:tcPr/>
@@ -8039,10 +8050,9 @@
                         <a:p>
                           <a:pPr algn="ctr"/>
                           <a:r>
-                            <a:rPr lang="en-US" dirty="0" smtClean="0"/>
+                            <a:rPr lang="en-US" dirty="0"/>
                             <a:t>75K</a:t>
                           </a:r>
-                          <a:endParaRPr lang="en-US" dirty="0"/>
                         </a:p>
                       </a:txBody>
                       <a:tcPr/>
@@ -8054,14 +8064,18 @@
                         <a:p>
                           <a:pPr algn="ctr"/>
                           <a:r>
-                            <a:rPr lang="en-US" dirty="0" smtClean="0"/>
+                            <a:rPr lang="en-US" dirty="0"/>
                             <a:t>Yes</a:t>
                           </a:r>
-                          <a:endParaRPr lang="en-US" dirty="0"/>
                         </a:p>
                       </a:txBody>
                       <a:tcPr/>
                     </a:tc>
+                    <a:extLst>
+                      <a:ext uri="{0D108BD9-81ED-4DB2-BD59-A6C34878D82A}">
+                        <a16:rowId xmlns:a16="http://schemas.microsoft.com/office/drawing/2014/main" val="10001"/>
+                      </a:ext>
+                    </a:extLst>
                   </a:tr>
                   <a:tr h="370840">
                     <a:tc>
@@ -8071,7 +8085,7 @@
                         <a:p>
                           <a:pPr algn="ctr"/>
                           <a:r>
-                            <a:rPr lang="en-US" dirty="0" smtClean="0"/>
+                            <a:rPr lang="en-US" dirty="0"/>
                             <a:t>2</a:t>
                           </a:r>
                         </a:p>
@@ -8085,10 +8099,9 @@
                         <a:p>
                           <a:pPr algn="ctr"/>
                           <a:r>
-                            <a:rPr lang="en-US" dirty="0" smtClean="0"/>
+                            <a:rPr lang="en-US" dirty="0"/>
                             <a:t>No</a:t>
                           </a:r>
-                          <a:endParaRPr lang="en-US" dirty="0"/>
                         </a:p>
                       </a:txBody>
                       <a:tcPr/>
@@ -8100,10 +8113,9 @@
                         <a:p>
                           <a:pPr algn="ctr"/>
                           <a:r>
-                            <a:rPr lang="en-US" dirty="0" smtClean="0"/>
+                            <a:rPr lang="en-US" dirty="0"/>
                             <a:t>Married</a:t>
                           </a:r>
-                          <a:endParaRPr lang="en-US" dirty="0"/>
                         </a:p>
                       </a:txBody>
                       <a:tcPr/>
@@ -8115,10 +8127,9 @@
                         <a:p>
                           <a:pPr algn="ctr"/>
                           <a:r>
-                            <a:rPr lang="en-US" dirty="0" smtClean="0"/>
+                            <a:rPr lang="en-US" dirty="0"/>
                             <a:t>25</a:t>
                           </a:r>
-                          <a:endParaRPr lang="en-US" dirty="0"/>
                         </a:p>
                       </a:txBody>
                       <a:tcPr/>
@@ -8130,10 +8141,9 @@
                         <a:p>
                           <a:pPr algn="ctr"/>
                           <a:r>
-                            <a:rPr lang="en-US" dirty="0" smtClean="0"/>
+                            <a:rPr lang="en-US" dirty="0"/>
                             <a:t>100K</a:t>
                           </a:r>
-                          <a:endParaRPr lang="en-US" dirty="0"/>
                         </a:p>
                       </a:txBody>
                       <a:tcPr/>
@@ -8145,14 +8155,18 @@
                         <a:p>
                           <a:pPr algn="ctr"/>
                           <a:r>
-                            <a:rPr lang="en-US" dirty="0" smtClean="0"/>
+                            <a:rPr lang="en-US" dirty="0"/>
                             <a:t>No</a:t>
                           </a:r>
-                          <a:endParaRPr lang="en-US" dirty="0"/>
                         </a:p>
                       </a:txBody>
                       <a:tcPr/>
                     </a:tc>
+                    <a:extLst>
+                      <a:ext uri="{0D108BD9-81ED-4DB2-BD59-A6C34878D82A}">
+                        <a16:rowId xmlns:a16="http://schemas.microsoft.com/office/drawing/2014/main" val="10002"/>
+                      </a:ext>
+                    </a:extLst>
                   </a:tr>
                   <a:tr h="370840">
                     <a:tc>
@@ -8162,10 +8176,9 @@
                         <a:p>
                           <a:pPr algn="ctr"/>
                           <a:r>
-                            <a:rPr lang="en-US" dirty="0" smtClean="0"/>
+                            <a:rPr lang="en-US" dirty="0"/>
                             <a:t>3</a:t>
                           </a:r>
-                          <a:endParaRPr lang="en-US" dirty="0"/>
                         </a:p>
                       </a:txBody>
                       <a:tcPr/>
@@ -8177,10 +8190,9 @@
                         <a:p>
                           <a:pPr algn="ctr"/>
                           <a:r>
-                            <a:rPr lang="en-US" dirty="0" smtClean="0"/>
+                            <a:rPr lang="en-US" dirty="0"/>
                             <a:t>No</a:t>
                           </a:r>
-                          <a:endParaRPr lang="en-US" dirty="0"/>
                         </a:p>
                       </a:txBody>
                       <a:tcPr/>
@@ -8192,10 +8204,9 @@
                         <a:p>
                           <a:pPr algn="ctr"/>
                           <a:r>
-                            <a:rPr lang="en-US" dirty="0" smtClean="0"/>
+                            <a:rPr lang="en-US" dirty="0"/>
                             <a:t>Divorced</a:t>
                           </a:r>
-                          <a:endParaRPr lang="en-US" dirty="0"/>
                         </a:p>
                       </a:txBody>
                       <a:tcPr/>
@@ -8207,10 +8218,9 @@
                         <a:p>
                           <a:pPr algn="ctr"/>
                           <a:r>
-                            <a:rPr lang="en-US" dirty="0" smtClean="0"/>
+                            <a:rPr lang="en-US" dirty="0"/>
                             <a:t>35</a:t>
                           </a:r>
-                          <a:endParaRPr lang="en-US" dirty="0"/>
                         </a:p>
                       </a:txBody>
                       <a:tcPr/>
@@ -8222,10 +8232,9 @@
                         <a:p>
                           <a:pPr algn="ctr"/>
                           <a:r>
-                            <a:rPr lang="en-US" dirty="0" smtClean="0"/>
+                            <a:rPr lang="en-US" dirty="0"/>
                             <a:t>170K</a:t>
                           </a:r>
-                          <a:endParaRPr lang="en-US" dirty="0"/>
                         </a:p>
                       </a:txBody>
                       <a:tcPr/>
@@ -8237,14 +8246,18 @@
                         <a:p>
                           <a:pPr algn="ctr"/>
                           <a:r>
-                            <a:rPr lang="en-US" dirty="0" smtClean="0"/>
+                            <a:rPr lang="en-US" dirty="0"/>
                             <a:t>No</a:t>
                           </a:r>
-                          <a:endParaRPr lang="en-US" dirty="0"/>
                         </a:p>
                       </a:txBody>
                       <a:tcPr/>
                     </a:tc>
+                    <a:extLst>
+                      <a:ext uri="{0D108BD9-81ED-4DB2-BD59-A6C34878D82A}">
+                        <a16:rowId xmlns:a16="http://schemas.microsoft.com/office/drawing/2014/main" val="10003"/>
+                      </a:ext>
+                    </a:extLst>
                   </a:tr>
                   <a:tr h="370840">
                     <a:tc>
@@ -8254,10 +8267,9 @@
                         <a:p>
                           <a:pPr algn="ctr"/>
                           <a:r>
-                            <a:rPr lang="en-US" dirty="0" smtClean="0"/>
+                            <a:rPr lang="en-US" dirty="0"/>
                             <a:t>4</a:t>
                           </a:r>
-                          <a:endParaRPr lang="en-US" dirty="0"/>
                         </a:p>
                       </a:txBody>
                       <a:tcPr/>
@@ -8269,10 +8281,9 @@
                         <a:p>
                           <a:pPr algn="ctr"/>
                           <a:r>
-                            <a:rPr lang="en-US" dirty="0" smtClean="0"/>
+                            <a:rPr lang="en-US" dirty="0"/>
                             <a:t>Yes</a:t>
                           </a:r>
-                          <a:endParaRPr lang="en-US" dirty="0"/>
                         </a:p>
                       </a:txBody>
                       <a:tcPr/>
@@ -8284,10 +8295,9 @@
                         <a:p>
                           <a:pPr algn="ctr"/>
                           <a:r>
-                            <a:rPr lang="en-US" dirty="0" smtClean="0"/>
+                            <a:rPr lang="en-US" dirty="0"/>
                             <a:t>Single</a:t>
                           </a:r>
-                          <a:endParaRPr lang="en-US" dirty="0"/>
                         </a:p>
                       </a:txBody>
                       <a:tcPr/>
@@ -8299,10 +8309,9 @@
                         <a:p>
                           <a:pPr algn="ctr"/>
                           <a:r>
-                            <a:rPr lang="en-US" dirty="0" smtClean="0"/>
+                            <a:rPr lang="en-US" dirty="0"/>
                             <a:t>24</a:t>
                           </a:r>
-                          <a:endParaRPr lang="en-US" dirty="0"/>
                         </a:p>
                       </a:txBody>
                       <a:tcPr/>
@@ -8314,10 +8323,9 @@
                         <a:p>
                           <a:pPr algn="ctr"/>
                           <a:r>
-                            <a:rPr lang="en-US" dirty="0" smtClean="0"/>
+                            <a:rPr lang="en-US" dirty="0"/>
                             <a:t>90K</a:t>
                           </a:r>
-                          <a:endParaRPr lang="en-US" dirty="0"/>
                         </a:p>
                       </a:txBody>
                       <a:tcPr/>
@@ -8329,14 +8337,18 @@
                         <a:p>
                           <a:pPr algn="ctr"/>
                           <a:r>
-                            <a:rPr lang="en-US" dirty="0" smtClean="0"/>
+                            <a:rPr lang="en-US" dirty="0"/>
                             <a:t>Yes</a:t>
                           </a:r>
-                          <a:endParaRPr lang="en-US" dirty="0"/>
                         </a:p>
                       </a:txBody>
                       <a:tcPr/>
                     </a:tc>
+                    <a:extLst>
+                      <a:ext uri="{0D108BD9-81ED-4DB2-BD59-A6C34878D82A}">
+                        <a16:rowId xmlns:a16="http://schemas.microsoft.com/office/drawing/2014/main" val="10004"/>
+                      </a:ext>
+                    </a:extLst>
                   </a:tr>
                   <a:tr h="370840">
                     <a:tc>
@@ -8575,6 +8587,11 @@
                       </a:txBody>
                       <a:tcPr/>
                     </a:tc>
+                    <a:extLst>
+                      <a:ext uri="{0D108BD9-81ED-4DB2-BD59-A6C34878D82A}">
+                        <a16:rowId xmlns:a16="http://schemas.microsoft.com/office/drawing/2014/main" val="10005"/>
+                      </a:ext>
+                    </a:extLst>
                   </a:tr>
                   <a:tr h="370840">
                     <a:tc>
@@ -8584,10 +8601,9 @@
                         <a:p>
                           <a:pPr algn="ctr"/>
                           <a:r>
-                            <a:rPr lang="en-US" dirty="0" smtClean="0"/>
+                            <a:rPr lang="en-US" dirty="0"/>
                             <a:t>10</a:t>
                           </a:r>
-                          <a:endParaRPr lang="en-US" dirty="0"/>
                         </a:p>
                       </a:txBody>
                       <a:tcPr/>
@@ -8599,10 +8615,9 @@
                         <a:p>
                           <a:pPr algn="ctr"/>
                           <a:r>
-                            <a:rPr lang="en-US" dirty="0" smtClean="0"/>
+                            <a:rPr lang="en-US" dirty="0"/>
                             <a:t>No</a:t>
                           </a:r>
-                          <a:endParaRPr lang="en-US" dirty="0"/>
                         </a:p>
                       </a:txBody>
                       <a:tcPr/>
@@ -8614,10 +8629,9 @@
                         <a:p>
                           <a:pPr algn="ctr"/>
                           <a:r>
-                            <a:rPr lang="en-US" dirty="0" smtClean="0"/>
+                            <a:rPr lang="en-US" dirty="0"/>
                             <a:t>Married</a:t>
                           </a:r>
-                          <a:endParaRPr lang="en-US" dirty="0"/>
                         </a:p>
                       </a:txBody>
                       <a:tcPr/>
@@ -8629,10 +8643,9 @@
                         <a:p>
                           <a:pPr algn="ctr"/>
                           <a:r>
-                            <a:rPr lang="en-US" dirty="0" smtClean="0"/>
+                            <a:rPr lang="en-US" dirty="0"/>
                             <a:t>28</a:t>
                           </a:r>
-                          <a:endParaRPr lang="en-US" dirty="0"/>
                         </a:p>
                       </a:txBody>
                       <a:tcPr/>
@@ -8644,10 +8657,9 @@
                         <a:p>
                           <a:pPr algn="ctr"/>
                           <a:r>
-                            <a:rPr lang="en-US" dirty="0" smtClean="0"/>
+                            <a:rPr lang="en-US" dirty="0"/>
                             <a:t>120K</a:t>
                           </a:r>
-                          <a:endParaRPr lang="en-US" dirty="0"/>
                         </a:p>
                       </a:txBody>
                       <a:tcPr/>
@@ -8659,21 +8671,25 @@
                         <a:p>
                           <a:pPr algn="ctr"/>
                           <a:r>
-                            <a:rPr lang="en-US" dirty="0" smtClean="0"/>
+                            <a:rPr lang="en-US" dirty="0"/>
                             <a:t>No</a:t>
                           </a:r>
-                          <a:endParaRPr lang="en-US" dirty="0"/>
                         </a:p>
                       </a:txBody>
                       <a:tcPr/>
                     </a:tc>
+                    <a:extLst>
+                      <a:ext uri="{0D108BD9-81ED-4DB2-BD59-A6C34878D82A}">
+                        <a16:rowId xmlns:a16="http://schemas.microsoft.com/office/drawing/2014/main" val="10006"/>
+                      </a:ext>
+                    </a:extLst>
                   </a:tr>
                 </a:tbl>
               </a:graphicData>
             </a:graphic>
           </p:graphicFrame>
         </mc:Choice>
-        <mc:Fallback xmlns="">
+        <mc:Fallback>
           <p:graphicFrame>
             <p:nvGraphicFramePr>
               <p:cNvPr id="2" name="Table 1"/>
@@ -8683,13 +8699,13 @@
               <p:nvPr>
                 <p:extLst>
                   <p:ext uri="{D42A27DB-BD31-4B8C-83A1-F6EECF244321}">
-                    <p14:modId xmlns:p14="http://schemas.microsoft.com/office/powerpoint/2010/main" val="1242534067"/>
+                    <p14:modId xmlns:p14="http://schemas.microsoft.com/office/powerpoint/2010/main" val="588618498"/>
                   </p:ext>
                 </p:extLst>
               </p:nvPr>
             </p:nvGraphicFramePr>
             <p:xfrm>
-              <a:off x="2232658" y="1992206"/>
+              <a:off x="3172225" y="2269043"/>
               <a:ext cx="5623562" cy="2865120"/>
             </p:xfrm>
             <a:graphic>
@@ -8699,12 +8715,48 @@
                     <a:tableStyleId>{5C22544A-7EE6-4342-B048-85BDC9FD1C3A}</a:tableStyleId>
                   </a:tblPr>
                   <a:tblGrid>
-                    <a:gridCol w="792482"/>
-                    <a:gridCol w="975360"/>
-                    <a:gridCol w="1043940"/>
-                    <a:gridCol w="556260"/>
-                    <a:gridCol w="1036320"/>
-                    <a:gridCol w="1219200"/>
+                    <a:gridCol w="792482">
+                      <a:extLst>
+                        <a:ext uri="{9D8B030D-6E8A-4147-A177-3AD203B41FA5}">
+                          <a16:colId xmlns:a16="http://schemas.microsoft.com/office/drawing/2014/main" val="20000"/>
+                        </a:ext>
+                      </a:extLst>
+                    </a:gridCol>
+                    <a:gridCol w="975360">
+                      <a:extLst>
+                        <a:ext uri="{9D8B030D-6E8A-4147-A177-3AD203B41FA5}">
+                          <a16:colId xmlns:a16="http://schemas.microsoft.com/office/drawing/2014/main" val="20001"/>
+                        </a:ext>
+                      </a:extLst>
+                    </a:gridCol>
+                    <a:gridCol w="1043940">
+                      <a:extLst>
+                        <a:ext uri="{9D8B030D-6E8A-4147-A177-3AD203B41FA5}">
+                          <a16:colId xmlns:a16="http://schemas.microsoft.com/office/drawing/2014/main" val="20002"/>
+                        </a:ext>
+                      </a:extLst>
+                    </a:gridCol>
+                    <a:gridCol w="556260">
+                      <a:extLst>
+                        <a:ext uri="{9D8B030D-6E8A-4147-A177-3AD203B41FA5}">
+                          <a16:colId xmlns:a16="http://schemas.microsoft.com/office/drawing/2014/main" val="20003"/>
+                        </a:ext>
+                      </a:extLst>
+                    </a:gridCol>
+                    <a:gridCol w="1036320">
+                      <a:extLst>
+                        <a:ext uri="{9D8B030D-6E8A-4147-A177-3AD203B41FA5}">
+                          <a16:colId xmlns:a16="http://schemas.microsoft.com/office/drawing/2014/main" val="20004"/>
+                        </a:ext>
+                      </a:extLst>
+                    </a:gridCol>
+                    <a:gridCol w="1219200">
+                      <a:extLst>
+                        <a:ext uri="{9D8B030D-6E8A-4147-A177-3AD203B41FA5}">
+                          <a16:colId xmlns:a16="http://schemas.microsoft.com/office/drawing/2014/main" val="20005"/>
+                        </a:ext>
+                      </a:extLst>
+                    </a:gridCol>
                   </a:tblGrid>
                   <a:tr h="640080">
                     <a:tc>
@@ -8714,10 +8766,9 @@
                         <a:p>
                           <a:pPr algn="ctr"/>
                           <a:r>
-                            <a:rPr lang="en-US" dirty="0" smtClean="0"/>
+                            <a:rPr lang="en-US" dirty="0"/>
                             <a:t>ID</a:t>
                           </a:r>
-                          <a:endParaRPr lang="en-US" dirty="0"/>
                         </a:p>
                       </a:txBody>
                       <a:tcPr anchor="ctr"/>
@@ -8729,10 +8780,9 @@
                         <a:p>
                           <a:pPr algn="ctr"/>
                           <a:r>
-                            <a:rPr lang="en-US" dirty="0" smtClean="0"/>
-                            <a:t>Home Owner</a:t>
+                            <a:rPr lang="en-US" dirty="0"/>
+                            <a:t>Home owner</a:t>
                           </a:r>
-                          <a:endParaRPr lang="en-US" dirty="0"/>
                         </a:p>
                       </a:txBody>
                       <a:tcPr anchor="ctr"/>
@@ -8744,10 +8794,9 @@
                         <a:p>
                           <a:pPr algn="ctr"/>
                           <a:r>
-                            <a:rPr lang="en-US" dirty="0" smtClean="0"/>
+                            <a:rPr lang="en-US" dirty="0"/>
                             <a:t>Marital Status</a:t>
                           </a:r>
-                          <a:endParaRPr lang="en-US" dirty="0"/>
                         </a:p>
                       </a:txBody>
                       <a:tcPr anchor="ctr"/>
@@ -8759,10 +8808,9 @@
                         <a:p>
                           <a:pPr algn="ctr"/>
                           <a:r>
-                            <a:rPr lang="en-US" dirty="0" smtClean="0"/>
+                            <a:rPr lang="en-US" dirty="0"/>
                             <a:t>Age</a:t>
                           </a:r>
-                          <a:endParaRPr lang="en-US" dirty="0"/>
                         </a:p>
                       </a:txBody>
                       <a:tcPr anchor="ctr"/>
@@ -8774,11 +8822,11 @@
                         <a:p>
                           <a:pPr algn="ctr"/>
                           <a:r>
-                            <a:rPr lang="en-US" altLang="zh-CN" dirty="0" smtClean="0"/>
+                            <a:rPr lang="en-US" altLang="zh-CN" dirty="0"/>
                             <a:t>Annual</a:t>
                           </a:r>
                           <a:r>
-                            <a:rPr lang="en-US" altLang="zh-CN" baseline="0" dirty="0" smtClean="0"/>
+                            <a:rPr lang="en-US" altLang="zh-CN" baseline="0" dirty="0"/>
                             <a:t> Income</a:t>
                           </a:r>
                           <a:endParaRPr lang="en-US" dirty="0"/>
@@ -8793,10 +8841,9 @@
                         <a:p>
                           <a:pPr algn="ctr"/>
                           <a:r>
-                            <a:rPr lang="en-US" dirty="0" smtClean="0"/>
+                            <a:rPr lang="en-US" dirty="0"/>
                             <a:t>Defaulted Borrower</a:t>
                           </a:r>
-                          <a:endParaRPr lang="en-US" dirty="0"/>
                         </a:p>
                       </a:txBody>
                       <a:tcPr anchor="ctr">
@@ -8805,6 +8852,11 @@
                         </a:solidFill>
                       </a:tcPr>
                     </a:tc>
+                    <a:extLst>
+                      <a:ext uri="{0D108BD9-81ED-4DB2-BD59-A6C34878D82A}">
+                        <a16:rowId xmlns:a16="http://schemas.microsoft.com/office/drawing/2014/main" val="10000"/>
+                      </a:ext>
+                    </a:extLst>
                   </a:tr>
                   <a:tr h="370840">
                     <a:tc>
@@ -8814,10 +8866,9 @@
                         <a:p>
                           <a:pPr algn="ctr"/>
                           <a:r>
-                            <a:rPr lang="en-US" dirty="0" smtClean="0"/>
+                            <a:rPr lang="en-US" dirty="0"/>
                             <a:t>1</a:t>
                           </a:r>
-                          <a:endParaRPr lang="en-US" dirty="0"/>
                         </a:p>
                       </a:txBody>
                       <a:tcPr/>
@@ -8829,10 +8880,9 @@
                         <a:p>
                           <a:pPr algn="ctr"/>
                           <a:r>
-                            <a:rPr lang="en-US" dirty="0" smtClean="0"/>
+                            <a:rPr lang="en-US" dirty="0"/>
                             <a:t>Yes</a:t>
                           </a:r>
-                          <a:endParaRPr lang="en-US" dirty="0"/>
                         </a:p>
                       </a:txBody>
                       <a:tcPr/>
@@ -8844,10 +8894,9 @@
                         <a:p>
                           <a:pPr algn="ctr"/>
                           <a:r>
-                            <a:rPr lang="en-US" dirty="0" smtClean="0"/>
+                            <a:rPr lang="en-US" dirty="0"/>
                             <a:t>Single</a:t>
                           </a:r>
-                          <a:endParaRPr lang="en-US" dirty="0"/>
                         </a:p>
                       </a:txBody>
                       <a:tcPr/>
@@ -8859,10 +8908,9 @@
                         <a:p>
                           <a:pPr algn="ctr"/>
                           <a:r>
-                            <a:rPr lang="en-US" dirty="0" smtClean="0"/>
+                            <a:rPr lang="en-US" dirty="0"/>
                             <a:t>20</a:t>
                           </a:r>
-                          <a:endParaRPr lang="en-US" dirty="0"/>
                         </a:p>
                       </a:txBody>
                       <a:tcPr/>
@@ -8874,10 +8922,9 @@
                         <a:p>
                           <a:pPr algn="ctr"/>
                           <a:r>
-                            <a:rPr lang="en-US" dirty="0" smtClean="0"/>
+                            <a:rPr lang="en-US" dirty="0"/>
                             <a:t>75K</a:t>
                           </a:r>
-                          <a:endParaRPr lang="en-US" dirty="0"/>
                         </a:p>
                       </a:txBody>
                       <a:tcPr/>
@@ -8889,14 +8936,18 @@
                         <a:p>
                           <a:pPr algn="ctr"/>
                           <a:r>
-                            <a:rPr lang="en-US" dirty="0" smtClean="0"/>
+                            <a:rPr lang="en-US" dirty="0"/>
                             <a:t>Yes</a:t>
                           </a:r>
-                          <a:endParaRPr lang="en-US" dirty="0"/>
                         </a:p>
                       </a:txBody>
                       <a:tcPr/>
                     </a:tc>
+                    <a:extLst>
+                      <a:ext uri="{0D108BD9-81ED-4DB2-BD59-A6C34878D82A}">
+                        <a16:rowId xmlns:a16="http://schemas.microsoft.com/office/drawing/2014/main" val="10001"/>
+                      </a:ext>
+                    </a:extLst>
                   </a:tr>
                   <a:tr h="370840">
                     <a:tc>
@@ -8906,7 +8957,7 @@
                         <a:p>
                           <a:pPr algn="ctr"/>
                           <a:r>
-                            <a:rPr lang="en-US" dirty="0" smtClean="0"/>
+                            <a:rPr lang="en-US" dirty="0"/>
                             <a:t>2</a:t>
                           </a:r>
                         </a:p>
@@ -8920,10 +8971,9 @@
                         <a:p>
                           <a:pPr algn="ctr"/>
                           <a:r>
-                            <a:rPr lang="en-US" dirty="0" smtClean="0"/>
+                            <a:rPr lang="en-US" dirty="0"/>
                             <a:t>No</a:t>
                           </a:r>
-                          <a:endParaRPr lang="en-US" dirty="0"/>
                         </a:p>
                       </a:txBody>
                       <a:tcPr/>
@@ -8935,10 +8985,9 @@
                         <a:p>
                           <a:pPr algn="ctr"/>
                           <a:r>
-                            <a:rPr lang="en-US" dirty="0" smtClean="0"/>
+                            <a:rPr lang="en-US" dirty="0"/>
                             <a:t>Married</a:t>
                           </a:r>
-                          <a:endParaRPr lang="en-US" dirty="0"/>
                         </a:p>
                       </a:txBody>
                       <a:tcPr/>
@@ -8950,10 +8999,9 @@
                         <a:p>
                           <a:pPr algn="ctr"/>
                           <a:r>
-                            <a:rPr lang="en-US" dirty="0" smtClean="0"/>
+                            <a:rPr lang="en-US" dirty="0"/>
                             <a:t>25</a:t>
                           </a:r>
-                          <a:endParaRPr lang="en-US" dirty="0"/>
                         </a:p>
                       </a:txBody>
                       <a:tcPr/>
@@ -8965,10 +9013,9 @@
                         <a:p>
                           <a:pPr algn="ctr"/>
                           <a:r>
-                            <a:rPr lang="en-US" dirty="0" smtClean="0"/>
+                            <a:rPr lang="en-US" dirty="0"/>
                             <a:t>100K</a:t>
                           </a:r>
-                          <a:endParaRPr lang="en-US" dirty="0"/>
                         </a:p>
                       </a:txBody>
                       <a:tcPr/>
@@ -8980,14 +9027,18 @@
                         <a:p>
                           <a:pPr algn="ctr"/>
                           <a:r>
-                            <a:rPr lang="en-US" dirty="0" smtClean="0"/>
+                            <a:rPr lang="en-US" dirty="0"/>
                             <a:t>No</a:t>
                           </a:r>
-                          <a:endParaRPr lang="en-US" dirty="0"/>
                         </a:p>
                       </a:txBody>
                       <a:tcPr/>
                     </a:tc>
+                    <a:extLst>
+                      <a:ext uri="{0D108BD9-81ED-4DB2-BD59-A6C34878D82A}">
+                        <a16:rowId xmlns:a16="http://schemas.microsoft.com/office/drawing/2014/main" val="10002"/>
+                      </a:ext>
+                    </a:extLst>
                   </a:tr>
                   <a:tr h="370840">
                     <a:tc>
@@ -8997,10 +9048,9 @@
                         <a:p>
                           <a:pPr algn="ctr"/>
                           <a:r>
-                            <a:rPr lang="en-US" dirty="0" smtClean="0"/>
+                            <a:rPr lang="en-US" dirty="0"/>
                             <a:t>3</a:t>
                           </a:r>
-                          <a:endParaRPr lang="en-US" dirty="0"/>
                         </a:p>
                       </a:txBody>
                       <a:tcPr/>
@@ -9012,10 +9062,9 @@
                         <a:p>
                           <a:pPr algn="ctr"/>
                           <a:r>
-                            <a:rPr lang="en-US" dirty="0" smtClean="0"/>
+                            <a:rPr lang="en-US" dirty="0"/>
                             <a:t>No</a:t>
                           </a:r>
-                          <a:endParaRPr lang="en-US" dirty="0"/>
                         </a:p>
                       </a:txBody>
                       <a:tcPr/>
@@ -9027,10 +9076,9 @@
                         <a:p>
                           <a:pPr algn="ctr"/>
                           <a:r>
-                            <a:rPr lang="en-US" dirty="0" smtClean="0"/>
+                            <a:rPr lang="en-US" dirty="0"/>
                             <a:t>Divorced</a:t>
                           </a:r>
-                          <a:endParaRPr lang="en-US" dirty="0"/>
                         </a:p>
                       </a:txBody>
                       <a:tcPr/>
@@ -9042,10 +9090,9 @@
                         <a:p>
                           <a:pPr algn="ctr"/>
                           <a:r>
-                            <a:rPr lang="en-US" dirty="0" smtClean="0"/>
+                            <a:rPr lang="en-US" dirty="0"/>
                             <a:t>35</a:t>
                           </a:r>
-                          <a:endParaRPr lang="en-US" dirty="0"/>
                         </a:p>
                       </a:txBody>
                       <a:tcPr/>
@@ -9057,10 +9104,9 @@
                         <a:p>
                           <a:pPr algn="ctr"/>
                           <a:r>
-                            <a:rPr lang="en-US" dirty="0" smtClean="0"/>
+                            <a:rPr lang="en-US" dirty="0"/>
                             <a:t>170K</a:t>
                           </a:r>
-                          <a:endParaRPr lang="en-US" dirty="0"/>
                         </a:p>
                       </a:txBody>
                       <a:tcPr/>
@@ -9072,14 +9118,18 @@
                         <a:p>
                           <a:pPr algn="ctr"/>
                           <a:r>
-                            <a:rPr lang="en-US" dirty="0" smtClean="0"/>
+                            <a:rPr lang="en-US" dirty="0"/>
                             <a:t>No</a:t>
                           </a:r>
-                          <a:endParaRPr lang="en-US" dirty="0"/>
                         </a:p>
                       </a:txBody>
                       <a:tcPr/>
                     </a:tc>
+                    <a:extLst>
+                      <a:ext uri="{0D108BD9-81ED-4DB2-BD59-A6C34878D82A}">
+                        <a16:rowId xmlns:a16="http://schemas.microsoft.com/office/drawing/2014/main" val="10003"/>
+                      </a:ext>
+                    </a:extLst>
                   </a:tr>
                   <a:tr h="370840">
                     <a:tc>
@@ -9089,10 +9139,9 @@
                         <a:p>
                           <a:pPr algn="ctr"/>
                           <a:r>
-                            <a:rPr lang="en-US" dirty="0" smtClean="0"/>
+                            <a:rPr lang="en-US" dirty="0"/>
                             <a:t>4</a:t>
                           </a:r>
-                          <a:endParaRPr lang="en-US" dirty="0"/>
                         </a:p>
                       </a:txBody>
                       <a:tcPr/>
@@ -9104,10 +9153,9 @@
                         <a:p>
                           <a:pPr algn="ctr"/>
                           <a:r>
-                            <a:rPr lang="en-US" dirty="0" smtClean="0"/>
+                            <a:rPr lang="en-US" dirty="0"/>
                             <a:t>Yes</a:t>
                           </a:r>
-                          <a:endParaRPr lang="en-US" dirty="0"/>
                         </a:p>
                       </a:txBody>
                       <a:tcPr/>
@@ -9119,10 +9167,9 @@
                         <a:p>
                           <a:pPr algn="ctr"/>
                           <a:r>
-                            <a:rPr lang="en-US" dirty="0" smtClean="0"/>
+                            <a:rPr lang="en-US" dirty="0"/>
                             <a:t>Single</a:t>
                           </a:r>
-                          <a:endParaRPr lang="en-US" dirty="0"/>
                         </a:p>
                       </a:txBody>
                       <a:tcPr/>
@@ -9134,10 +9181,9 @@
                         <a:p>
                           <a:pPr algn="ctr"/>
                           <a:r>
-                            <a:rPr lang="en-US" dirty="0" smtClean="0"/>
+                            <a:rPr lang="en-US" dirty="0"/>
                             <a:t>24</a:t>
                           </a:r>
-                          <a:endParaRPr lang="en-US" dirty="0"/>
                         </a:p>
                       </a:txBody>
                       <a:tcPr/>
@@ -9149,10 +9195,9 @@
                         <a:p>
                           <a:pPr algn="ctr"/>
                           <a:r>
-                            <a:rPr lang="en-US" dirty="0" smtClean="0"/>
+                            <a:rPr lang="en-US" dirty="0"/>
                             <a:t>90K</a:t>
                           </a:r>
-                          <a:endParaRPr lang="en-US" dirty="0"/>
                         </a:p>
                       </a:txBody>
                       <a:tcPr/>
@@ -9164,14 +9209,18 @@
                         <a:p>
                           <a:pPr algn="ctr"/>
                           <a:r>
-                            <a:rPr lang="en-US" dirty="0" smtClean="0"/>
+                            <a:rPr lang="en-US" dirty="0"/>
                             <a:t>Yes</a:t>
                           </a:r>
-                          <a:endParaRPr lang="en-US" dirty="0"/>
                         </a:p>
                       </a:txBody>
                       <a:tcPr/>
                     </a:tc>
+                    <a:extLst>
+                      <a:ext uri="{0D108BD9-81ED-4DB2-BD59-A6C34878D82A}">
+                        <a16:rowId xmlns:a16="http://schemas.microsoft.com/office/drawing/2014/main" val="10004"/>
+                      </a:ext>
+                    </a:extLst>
                   </a:tr>
                   <a:tr h="370840">
                     <a:tc>
@@ -9183,10 +9232,10 @@
                         </a:p>
                       </a:txBody>
                       <a:tcPr>
-                        <a:blipFill rotWithShape="0">
+                        <a:blipFill>
                           <a:blip r:embed="rId2"/>
                           <a:stretch>
-                            <a:fillRect l="-769" t="-580328" r="-613077" b="-124590"/>
+                            <a:fillRect l="-769" t="-580328" r="-613846" b="-122951"/>
                           </a:stretch>
                         </a:blipFill>
                       </a:tcPr>
@@ -9200,10 +9249,10 @@
                         </a:p>
                       </a:txBody>
                       <a:tcPr>
-                        <a:blipFill rotWithShape="0">
+                        <a:blipFill>
                           <a:blip r:embed="rId2"/>
                           <a:stretch>
-                            <a:fillRect l="-81875" t="-580328" r="-398125" b="-124590"/>
+                            <a:fillRect l="-81875" t="-580328" r="-398750" b="-122951"/>
                           </a:stretch>
                         </a:blipFill>
                       </a:tcPr>
@@ -9217,10 +9266,10 @@
                         </a:p>
                       </a:txBody>
                       <a:tcPr>
-                        <a:blipFill rotWithShape="0">
+                        <a:blipFill>
                           <a:blip r:embed="rId2"/>
                           <a:stretch>
-                            <a:fillRect l="-169186" t="-580328" r="-270349" b="-124590"/>
+                            <a:fillRect l="-169186" t="-580328" r="-270930" b="-122951"/>
                           </a:stretch>
                         </a:blipFill>
                       </a:tcPr>
@@ -9234,10 +9283,10 @@
                         </a:p>
                       </a:txBody>
                       <a:tcPr>
-                        <a:blipFill rotWithShape="0">
+                        <a:blipFill>
                           <a:blip r:embed="rId2"/>
                           <a:stretch>
-                            <a:fillRect l="-508791" t="-580328" r="-410989" b="-124590"/>
+                            <a:fillRect l="-508791" t="-580328" r="-412088" b="-122951"/>
                           </a:stretch>
                         </a:blipFill>
                       </a:tcPr>
@@ -9251,10 +9300,10 @@
                         </a:p>
                       </a:txBody>
                       <a:tcPr>
-                        <a:blipFill rotWithShape="0">
+                        <a:blipFill>
                           <a:blip r:embed="rId2"/>
                           <a:stretch>
-                            <a:fillRect l="-325882" t="-580328" r="-120000" b="-124590"/>
+                            <a:fillRect l="-325882" t="-580328" r="-120588" b="-122951"/>
                           </a:stretch>
                         </a:blipFill>
                       </a:tcPr>
@@ -9268,14 +9317,19 @@
                         </a:p>
                       </a:txBody>
                       <a:tcPr>
-                        <a:blipFill rotWithShape="0">
+                        <a:blipFill>
                           <a:blip r:embed="rId2"/>
                           <a:stretch>
-                            <a:fillRect l="-362000" t="-580328" r="-2000" b="-124590"/>
+                            <a:fillRect l="-362000" t="-580328" r="-2500" b="-122951"/>
                           </a:stretch>
                         </a:blipFill>
                       </a:tcPr>
                     </a:tc>
+                    <a:extLst>
+                      <a:ext uri="{0D108BD9-81ED-4DB2-BD59-A6C34878D82A}">
+                        <a16:rowId xmlns:a16="http://schemas.microsoft.com/office/drawing/2014/main" val="10005"/>
+                      </a:ext>
+                    </a:extLst>
                   </a:tr>
                   <a:tr h="370840">
                     <a:tc>
@@ -9285,10 +9339,9 @@
                         <a:p>
                           <a:pPr algn="ctr"/>
                           <a:r>
-                            <a:rPr lang="en-US" dirty="0" smtClean="0"/>
+                            <a:rPr lang="en-US" dirty="0"/>
                             <a:t>10</a:t>
                           </a:r>
-                          <a:endParaRPr lang="en-US" dirty="0"/>
                         </a:p>
                       </a:txBody>
                       <a:tcPr/>
@@ -9300,10 +9353,9 @@
                         <a:p>
                           <a:pPr algn="ctr"/>
                           <a:r>
-                            <a:rPr lang="en-US" dirty="0" smtClean="0"/>
+                            <a:rPr lang="en-US" dirty="0"/>
                             <a:t>No</a:t>
                           </a:r>
-                          <a:endParaRPr lang="en-US" dirty="0"/>
                         </a:p>
                       </a:txBody>
                       <a:tcPr/>
@@ -9315,10 +9367,9 @@
                         <a:p>
                           <a:pPr algn="ctr"/>
                           <a:r>
-                            <a:rPr lang="en-US" dirty="0" smtClean="0"/>
+                            <a:rPr lang="en-US" dirty="0"/>
                             <a:t>Married</a:t>
                           </a:r>
-                          <a:endParaRPr lang="en-US" dirty="0"/>
                         </a:p>
                       </a:txBody>
                       <a:tcPr/>
@@ -9330,10 +9381,9 @@
                         <a:p>
                           <a:pPr algn="ctr"/>
                           <a:r>
-                            <a:rPr lang="en-US" dirty="0" smtClean="0"/>
+                            <a:rPr lang="en-US" dirty="0"/>
                             <a:t>28</a:t>
                           </a:r>
-                          <a:endParaRPr lang="en-US" dirty="0"/>
                         </a:p>
                       </a:txBody>
                       <a:tcPr/>
@@ -9345,10 +9395,9 @@
                         <a:p>
                           <a:pPr algn="ctr"/>
                           <a:r>
-                            <a:rPr lang="en-US" dirty="0" smtClean="0"/>
+                            <a:rPr lang="en-US" dirty="0"/>
                             <a:t>120K</a:t>
                           </a:r>
-                          <a:endParaRPr lang="en-US" dirty="0"/>
                         </a:p>
                       </a:txBody>
                       <a:tcPr/>
@@ -9360,14 +9409,18 @@
                         <a:p>
                           <a:pPr algn="ctr"/>
                           <a:r>
-                            <a:rPr lang="en-US" dirty="0" smtClean="0"/>
+                            <a:rPr lang="en-US" dirty="0"/>
                             <a:t>No</a:t>
                           </a:r>
-                          <a:endParaRPr lang="en-US" dirty="0"/>
                         </a:p>
                       </a:txBody>
                       <a:tcPr/>
                     </a:tc>
+                    <a:extLst>
+                      <a:ext uri="{0D108BD9-81ED-4DB2-BD59-A6C34878D82A}">
+                        <a16:rowId xmlns:a16="http://schemas.microsoft.com/office/drawing/2014/main" val="10006"/>
+                      </a:ext>
+                    </a:extLst>
                   </a:tr>
                 </a:tbl>
               </a:graphicData>
@@ -9383,7 +9436,7 @@
         </p:nvSpPr>
         <p:spPr>
           <a:xfrm rot="-2700000">
-            <a:off x="3183570" y="1438208"/>
+            <a:off x="4123137" y="1715045"/>
             <a:ext cx="777329" cy="369332"/>
           </a:xfrm>
           <a:prstGeom prst="rect">
@@ -9398,10 +9451,9 @@
           <a:lstStyle/>
           <a:p>
             <a:r>
-              <a:rPr lang="en-US" dirty="0" smtClean="0"/>
+              <a:rPr lang="en-US" dirty="0"/>
               <a:t>binary</a:t>
             </a:r>
-            <a:endParaRPr lang="en-US" dirty="0"/>
           </a:p>
         </p:txBody>
       </p:sp>
@@ -9413,7 +9465,7 @@
         </p:nvSpPr>
         <p:spPr>
           <a:xfrm rot="-2700000">
-            <a:off x="3889151" y="1363794"/>
+            <a:off x="4828718" y="1640631"/>
             <a:ext cx="1200521" cy="369332"/>
           </a:xfrm>
           <a:prstGeom prst="rect">
@@ -9428,10 +9480,9 @@
           <a:lstStyle/>
           <a:p>
             <a:r>
-              <a:rPr lang="en-US" dirty="0" smtClean="0"/>
+              <a:rPr lang="en-US" dirty="0"/>
               <a:t>categorical</a:t>
             </a:r>
-            <a:endParaRPr lang="en-US" dirty="0"/>
           </a:p>
         </p:txBody>
       </p:sp>
@@ -9443,7 +9494,7 @@
         </p:nvSpPr>
         <p:spPr>
           <a:xfrm rot="-2700000">
-            <a:off x="4917941" y="1363794"/>
+            <a:off x="5857508" y="1640631"/>
             <a:ext cx="849784" cy="369332"/>
           </a:xfrm>
           <a:prstGeom prst="rect">
@@ -9458,10 +9509,9 @@
           <a:lstStyle/>
           <a:p>
             <a:r>
-              <a:rPr lang="en-US" dirty="0" smtClean="0"/>
+              <a:rPr lang="en-US" dirty="0"/>
               <a:t>integer</a:t>
             </a:r>
-            <a:endParaRPr lang="en-US" dirty="0"/>
           </a:p>
         </p:txBody>
       </p:sp>
@@ -9473,7 +9523,7 @@
         </p:nvSpPr>
         <p:spPr>
           <a:xfrm rot="-2700000">
-            <a:off x="5457409" y="1363795"/>
+            <a:off x="6396976" y="1640632"/>
             <a:ext cx="1228991" cy="369332"/>
           </a:xfrm>
           <a:prstGeom prst="rect">
@@ -9488,10 +9538,9 @@
           <a:lstStyle/>
           <a:p>
             <a:r>
-              <a:rPr lang="en-US" dirty="0" smtClean="0"/>
+              <a:rPr lang="en-US" dirty="0"/>
               <a:t>continuous</a:t>
             </a:r>
-            <a:endParaRPr lang="en-US" dirty="0"/>
           </a:p>
         </p:txBody>
       </p:sp>
@@ -9503,7 +9552,7 @@
         </p:nvSpPr>
         <p:spPr>
           <a:xfrm rot="-2700000">
-            <a:off x="6566763" y="1187155"/>
+            <a:off x="7506330" y="1463992"/>
             <a:ext cx="1390189" cy="369332"/>
           </a:xfrm>
           <a:prstGeom prst="rect">
@@ -9518,10 +9567,9 @@
           <a:lstStyle/>
           <a:p>
             <a:r>
-              <a:rPr lang="en-US" dirty="0" smtClean="0"/>
+              <a:rPr lang="en-US" dirty="0"/>
               <a:t>binary target</a:t>
             </a:r>
-            <a:endParaRPr lang="en-US" dirty="0"/>
           </a:p>
         </p:txBody>
       </p:sp>
@@ -9641,88 +9689,35 @@
             </a:fontRef>
           </p:style>
         </p:cxnSp>
-        <mc:AlternateContent xmlns:mc="http://schemas.openxmlformats.org/markup-compatibility/2006">
-          <mc:Choice xmlns:a14="http://schemas.microsoft.com/office/drawing/2010/main" Requires="a14">
-            <p:sp>
-              <p:nvSpPr>
-                <p:cNvPr id="6" name="TextBox 5"/>
-                <p:cNvSpPr txBox="1"/>
-                <p:nvPr/>
-              </p:nvSpPr>
-              <p:spPr>
-                <a:xfrm>
-                  <a:off x="3005667" y="1036135"/>
-                  <a:ext cx="718851" cy="369332"/>
-                </a:xfrm>
-                <a:prstGeom prst="rect">
-                  <a:avLst/>
-                </a:prstGeom>
-                <a:noFill/>
-              </p:spPr>
-              <p:txBody>
-                <a:bodyPr wrap="none" rtlCol="0">
-                  <a:spAutoFit/>
-                </a:bodyPr>
-                <a:lstStyle/>
-                <a:p>
-                  <a14:m>
-                    <m:oMath xmlns:m="http://schemas.openxmlformats.org/officeDocument/2006/math">
-                      <m:r>
-                        <a:rPr lang="en-US" altLang="zh-CN" b="1" i="1">
-                          <a:latin typeface="Cambria Math" panose="02040503050406030204" pitchFamily="18" charset="0"/>
-                        </a:rPr>
-                        <m:t>𝒆𝒓</m:t>
-                      </m:r>
-                    </m:oMath>
-                  </a14:m>
-                  <a:r>
-                    <a:rPr lang="en-US" b="1" dirty="0" smtClean="0"/>
-                    <a:t>ror</a:t>
-                  </a:r>
-                  <a:endParaRPr lang="en-US" b="1" dirty="0"/>
-                </a:p>
-              </p:txBody>
-            </p:sp>
-          </mc:Choice>
-          <mc:Fallback>
-            <p:sp>
-              <p:nvSpPr>
-                <p:cNvPr id="6" name="TextBox 5"/>
-                <p:cNvSpPr txBox="1">
-                  <a:spLocks noRot="1" noChangeAspect="1" noMove="1" noResize="1" noEditPoints="1" noAdjustHandles="1" noChangeArrowheads="1" noChangeShapeType="1" noTextEdit="1"/>
-                </p:cNvSpPr>
-                <p:nvPr/>
-              </p:nvSpPr>
-              <p:spPr>
-                <a:xfrm>
-                  <a:off x="3005667" y="1036135"/>
-                  <a:ext cx="718851" cy="369332"/>
-                </a:xfrm>
-                <a:prstGeom prst="rect">
-                  <a:avLst/>
-                </a:prstGeom>
-                <a:blipFill rotWithShape="0">
-                  <a:blip r:embed="rId2"/>
-                  <a:stretch>
-                    <a:fillRect t="-9836" r="-8475" b="-24590"/>
-                  </a:stretch>
-                </a:blipFill>
-              </p:spPr>
-              <p:txBody>
-                <a:bodyPr/>
-                <a:lstStyle/>
-                <a:p>
-                  <a:r>
-                    <a:rPr lang="en-US">
-                      <a:noFill/>
-                    </a:rPr>
-                    <a:t> </a:t>
-                  </a:r>
-                </a:p>
-              </p:txBody>
-            </p:sp>
-          </mc:Fallback>
-        </mc:AlternateContent>
+        <p:sp>
+          <p:nvSpPr>
+            <p:cNvPr id="6" name="TextBox 5"/>
+            <p:cNvSpPr txBox="1"/>
+            <p:nvPr/>
+          </p:nvSpPr>
+          <p:spPr>
+            <a:xfrm>
+              <a:off x="3005667" y="1036135"/>
+              <a:ext cx="709553" cy="400110"/>
+            </a:xfrm>
+            <a:prstGeom prst="rect">
+              <a:avLst/>
+            </a:prstGeom>
+            <a:noFill/>
+          </p:spPr>
+          <p:txBody>
+            <a:bodyPr wrap="none" rtlCol="0">
+              <a:spAutoFit/>
+            </a:bodyPr>
+            <a:lstStyle/>
+            <a:p>
+              <a:r>
+                <a:rPr lang="en-US" sz="2000" dirty="0"/>
+                <a:t>Error</a:t>
+              </a:r>
+            </a:p>
+          </p:txBody>
+        </p:sp>
         <p:sp>
           <p:nvSpPr>
             <p:cNvPr id="7" name="TextBox 6"/>
@@ -9746,14 +9741,13 @@
             <a:lstStyle/>
             <a:p>
               <a:r>
-                <a:rPr lang="en-US" altLang="zh-CN" b="1" dirty="0" smtClean="0"/>
-                <a:t>s</a:t>
+                <a:rPr lang="en-US" altLang="zh-CN" dirty="0"/>
+                <a:t>S</a:t>
               </a:r>
               <a:r>
-                <a:rPr lang="en-US" b="1" dirty="0" smtClean="0"/>
+                <a:rPr lang="en-US" dirty="0"/>
                 <a:t>imple model</a:t>
               </a:r>
-              <a:endParaRPr lang="en-US" b="1" dirty="0"/>
             </a:p>
           </p:txBody>
         </p:sp>
@@ -9766,7 +9760,7 @@
           <p:spPr>
             <a:xfrm>
               <a:off x="7297330" y="4411134"/>
-              <a:ext cx="1646669" cy="369332"/>
+              <a:ext cx="1649554" cy="369332"/>
             </a:xfrm>
             <a:prstGeom prst="rect">
               <a:avLst/>
@@ -9780,14 +9774,13 @@
             <a:lstStyle/>
             <a:p>
               <a:r>
-                <a:rPr lang="en-US" altLang="zh-CN" b="1" dirty="0" smtClean="0"/>
-                <a:t>complex</a:t>
+                <a:rPr lang="en-US" altLang="zh-CN" dirty="0"/>
+                <a:t>Complex</a:t>
               </a:r>
               <a:r>
-                <a:rPr lang="en-US" b="1" dirty="0" smtClean="0"/>
+                <a:rPr lang="en-US" dirty="0"/>
                 <a:t> model</a:t>
               </a:r>
-              <a:endParaRPr lang="en-US" b="1" dirty="0"/>
             </a:p>
           </p:txBody>
         </p:sp>
@@ -9966,7 +9959,7 @@
               <p:spPr>
                 <a:xfrm>
                   <a:off x="7608025" y="1743906"/>
-                  <a:ext cx="2006238" cy="584775"/>
+                  <a:ext cx="2006238" cy="646331"/>
                 </a:xfrm>
                 <a:prstGeom prst="rect">
                   <a:avLst/>
@@ -9980,7 +9973,7 @@
                 <a:lstStyle/>
                 <a:p>
                   <a:r>
-                    <a:rPr lang="en-US" sz="1600" b="1" dirty="0" smtClean="0"/>
+                    <a:rPr lang="en-US" dirty="0"/>
                     <a:t>Error on an unseen test set </a:t>
                   </a:r>
                   <a14:m>
@@ -9988,31 +9981,31 @@
                       <m:sSup>
                         <m:sSupPr>
                           <m:ctrlPr>
-                            <a:rPr lang="en-US" sz="1600" b="1" i="1" smtClean="0">
+                            <a:rPr lang="en-US" i="1" smtClean="0">
                               <a:latin typeface="Cambria Math" panose="02040503050406030204" pitchFamily="18" charset="0"/>
                             </a:rPr>
                           </m:ctrlPr>
                         </m:sSupPr>
                         <m:e>
                           <m:r>
-                            <a:rPr lang="en-US" sz="1600" b="1" i="1" smtClean="0">
+                            <a:rPr lang="en-US" b="0" i="1" smtClean="0">
                               <a:latin typeface="Cambria Math" panose="02040503050406030204" pitchFamily="18" charset="0"/>
                             </a:rPr>
-                            <m:t>𝑫</m:t>
+                            <m:t>𝐷</m:t>
                           </m:r>
                         </m:e>
                         <m:sup>
                           <m:r>
-                            <a:rPr lang="en-US" sz="1600" b="1" i="1" smtClean="0">
+                            <a:rPr lang="en-US" b="0" i="1" smtClean="0">
                               <a:latin typeface="Cambria Math" panose="02040503050406030204" pitchFamily="18" charset="0"/>
                             </a:rPr>
-                            <m:t>𝒕𝒆𝒔𝒕</m:t>
+                            <m:t>𝑡𝑒𝑠𝑡</m:t>
                           </m:r>
                         </m:sup>
                       </m:sSup>
                     </m:oMath>
                   </a14:m>
-                  <a:endParaRPr lang="en-US" sz="1600" b="1" dirty="0"/>
+                  <a:endParaRPr lang="en-US" dirty="0"/>
                 </a:p>
               </p:txBody>
             </p:sp>
@@ -10029,15 +10022,15 @@
               <p:spPr>
                 <a:xfrm>
                   <a:off x="7608025" y="1743906"/>
-                  <a:ext cx="2006238" cy="584775"/>
+                  <a:ext cx="2006238" cy="646331"/>
                 </a:xfrm>
                 <a:prstGeom prst="rect">
                   <a:avLst/>
                 </a:prstGeom>
-                <a:blipFill rotWithShape="0">
-                  <a:blip r:embed="rId3"/>
+                <a:blipFill>
+                  <a:blip r:embed="rId2"/>
                   <a:stretch>
-                    <a:fillRect l="-1520" t="-3125" b="-12500"/>
+                    <a:fillRect l="-2432" t="-4717" r="-3040" b="-14151"/>
                   </a:stretch>
                 </a:blipFill>
               </p:spPr>
@@ -10067,7 +10060,7 @@
               <p:spPr>
                 <a:xfrm>
                   <a:off x="7641348" y="3395071"/>
-                  <a:ext cx="2006238" cy="592791"/>
+                  <a:ext cx="2006238" cy="655244"/>
                 </a:xfrm>
                 <a:prstGeom prst="rect">
                   <a:avLst/>
@@ -10081,13 +10074,13 @@
                 <a:lstStyle/>
                 <a:p>
                   <a:r>
-                    <a:rPr lang="en-US" sz="1600" b="1" dirty="0" smtClean="0"/>
+                    <a:rPr lang="en-US" dirty="0"/>
                     <a:t>Error on the training set</a:t>
                   </a:r>
                   <a14:m>
                     <m:oMath xmlns:m="http://schemas.openxmlformats.org/officeDocument/2006/math">
                       <m:r>
-                        <a:rPr lang="en-US" sz="1600" b="1" i="0" smtClean="0">
+                        <a:rPr lang="en-US" b="0" i="0" smtClean="0">
                           <a:latin typeface="Cambria Math" panose="02040503050406030204" pitchFamily="18" charset="0"/>
                         </a:rPr>
                         <m:t> </m:t>
@@ -10095,31 +10088,31 @@
                       <m:sSup>
                         <m:sSupPr>
                           <m:ctrlPr>
-                            <a:rPr lang="en-US" sz="1600" b="1" i="1" smtClean="0">
+                            <a:rPr lang="en-US" i="1" smtClean="0">
                               <a:latin typeface="Cambria Math" panose="02040503050406030204" pitchFamily="18" charset="0"/>
                             </a:rPr>
                           </m:ctrlPr>
                         </m:sSupPr>
                         <m:e>
                           <m:r>
-                            <a:rPr lang="en-US" sz="1600" b="1" i="1" smtClean="0">
+                            <a:rPr lang="en-US" b="0" i="1" smtClean="0">
                               <a:latin typeface="Cambria Math" panose="02040503050406030204" pitchFamily="18" charset="0"/>
                             </a:rPr>
-                            <m:t>𝑫</m:t>
+                            <m:t>𝐷</m:t>
                           </m:r>
                         </m:e>
                         <m:sup>
                           <m:r>
-                            <a:rPr lang="en-US" sz="1600" b="1" i="1" smtClean="0">
+                            <a:rPr lang="en-US" b="0" i="1" smtClean="0">
                               <a:latin typeface="Cambria Math" panose="02040503050406030204" pitchFamily="18" charset="0"/>
                             </a:rPr>
-                            <m:t>𝒕𝒓𝒂𝒊𝒏</m:t>
+                            <m:t>𝑡𝑟𝑎𝑖𝑛</m:t>
                           </m:r>
                         </m:sup>
                       </m:sSup>
                     </m:oMath>
                   </a14:m>
-                  <a:endParaRPr lang="en-US" sz="1600" b="1" dirty="0"/>
+                  <a:endParaRPr lang="en-US" dirty="0"/>
                 </a:p>
               </p:txBody>
             </p:sp>
@@ -10136,15 +10129,15 @@
               <p:spPr>
                 <a:xfrm>
                   <a:off x="7641348" y="3395071"/>
-                  <a:ext cx="2006238" cy="592791"/>
+                  <a:ext cx="2006238" cy="655244"/>
                 </a:xfrm>
                 <a:prstGeom prst="rect">
                   <a:avLst/>
                 </a:prstGeom>
-                <a:blipFill rotWithShape="0">
-                  <a:blip r:embed="rId4"/>
+                <a:blipFill>
+                  <a:blip r:embed="rId3"/>
                   <a:stretch>
-                    <a:fillRect l="-1824" t="-3093" b="-13402"/>
+                    <a:fillRect l="-2736" t="-5607" b="-14953"/>
                   </a:stretch>
                 </a:blipFill>
               </p:spPr>

--- a/figures/statisticalLearning/supervisedLearningPrinciples/SupervisedLearningPrinciplesFigures.pptx
+++ b/figures/statisticalLearning/supervisedLearningPrinciples/SupervisedLearningPrinciplesFigures.pptx
@@ -10,6 +10,7 @@
     <p:sldId id="258" r:id="rId4"/>
     <p:sldId id="259" r:id="rId5"/>
     <p:sldId id="260" r:id="rId6"/>
+    <p:sldId id="261" r:id="rId7"/>
   </p:sldIdLst>
   <p:sldSz cx="12192000" cy="6858000"/>
   <p:notesSz cx="6858000" cy="9144000"/>
@@ -245,7 +246,7 @@
           <a:p>
             <a:fld id="{95A4E7F3-76DD-41A9-83EA-1E4A041F8B88}" type="datetimeFigureOut">
               <a:rPr lang="en-US" smtClean="0"/>
-              <a:t>11/17/2019</a:t>
+              <a:t>4/6/2020</a:t>
             </a:fld>
             <a:endParaRPr lang="en-US"/>
           </a:p>
@@ -413,7 +414,7 @@
           <a:p>
             <a:fld id="{95A4E7F3-76DD-41A9-83EA-1E4A041F8B88}" type="datetimeFigureOut">
               <a:rPr lang="en-US" smtClean="0"/>
-              <a:t>11/17/2019</a:t>
+              <a:t>4/6/2020</a:t>
             </a:fld>
             <a:endParaRPr lang="en-US"/>
           </a:p>
@@ -591,7 +592,7 @@
           <a:p>
             <a:fld id="{95A4E7F3-76DD-41A9-83EA-1E4A041F8B88}" type="datetimeFigureOut">
               <a:rPr lang="en-US" smtClean="0"/>
-              <a:t>11/17/2019</a:t>
+              <a:t>4/6/2020</a:t>
             </a:fld>
             <a:endParaRPr lang="en-US"/>
           </a:p>
@@ -759,7 +760,7 @@
           <a:p>
             <a:fld id="{95A4E7F3-76DD-41A9-83EA-1E4A041F8B88}" type="datetimeFigureOut">
               <a:rPr lang="en-US" smtClean="0"/>
-              <a:t>11/17/2019</a:t>
+              <a:t>4/6/2020</a:t>
             </a:fld>
             <a:endParaRPr lang="en-US"/>
           </a:p>
@@ -1004,7 +1005,7 @@
           <a:p>
             <a:fld id="{95A4E7F3-76DD-41A9-83EA-1E4A041F8B88}" type="datetimeFigureOut">
               <a:rPr lang="en-US" smtClean="0"/>
-              <a:t>11/17/2019</a:t>
+              <a:t>4/6/2020</a:t>
             </a:fld>
             <a:endParaRPr lang="en-US"/>
           </a:p>
@@ -1233,7 +1234,7 @@
           <a:p>
             <a:fld id="{95A4E7F3-76DD-41A9-83EA-1E4A041F8B88}" type="datetimeFigureOut">
               <a:rPr lang="en-US" smtClean="0"/>
-              <a:t>11/17/2019</a:t>
+              <a:t>4/6/2020</a:t>
             </a:fld>
             <a:endParaRPr lang="en-US"/>
           </a:p>
@@ -1597,7 +1598,7 @@
           <a:p>
             <a:fld id="{95A4E7F3-76DD-41A9-83EA-1E4A041F8B88}" type="datetimeFigureOut">
               <a:rPr lang="en-US" smtClean="0"/>
-              <a:t>11/17/2019</a:t>
+              <a:t>4/6/2020</a:t>
             </a:fld>
             <a:endParaRPr lang="en-US"/>
           </a:p>
@@ -1714,7 +1715,7 @@
           <a:p>
             <a:fld id="{95A4E7F3-76DD-41A9-83EA-1E4A041F8B88}" type="datetimeFigureOut">
               <a:rPr lang="en-US" smtClean="0"/>
-              <a:t>11/17/2019</a:t>
+              <a:t>4/6/2020</a:t>
             </a:fld>
             <a:endParaRPr lang="en-US"/>
           </a:p>
@@ -1809,7 +1810,7 @@
           <a:p>
             <a:fld id="{95A4E7F3-76DD-41A9-83EA-1E4A041F8B88}" type="datetimeFigureOut">
               <a:rPr lang="en-US" smtClean="0"/>
-              <a:t>11/17/2019</a:t>
+              <a:t>4/6/2020</a:t>
             </a:fld>
             <a:endParaRPr lang="en-US"/>
           </a:p>
@@ -2084,7 +2085,7 @@
           <a:p>
             <a:fld id="{95A4E7F3-76DD-41A9-83EA-1E4A041F8B88}" type="datetimeFigureOut">
               <a:rPr lang="en-US" smtClean="0"/>
-              <a:t>11/17/2019</a:t>
+              <a:t>4/6/2020</a:t>
             </a:fld>
             <a:endParaRPr lang="en-US"/>
           </a:p>
@@ -2336,7 +2337,7 @@
           <a:p>
             <a:fld id="{95A4E7F3-76DD-41A9-83EA-1E4A041F8B88}" type="datetimeFigureOut">
               <a:rPr lang="en-US" smtClean="0"/>
-              <a:t>11/17/2019</a:t>
+              <a:t>4/6/2020</a:t>
             </a:fld>
             <a:endParaRPr lang="en-US"/>
           </a:p>
@@ -2547,7 +2548,7 @@
           <a:p>
             <a:fld id="{95A4E7F3-76DD-41A9-83EA-1E4A041F8B88}" type="datetimeFigureOut">
               <a:rPr lang="en-US" smtClean="0"/>
-              <a:t>11/17/2019</a:t>
+              <a:t>4/6/2020</a:t>
             </a:fld>
             <a:endParaRPr lang="en-US"/>
           </a:p>
@@ -7816,8 +7817,8 @@
           </a:p>
         </p:txBody>
       </p:sp>
-      <mc:AlternateContent xmlns:mc="http://schemas.openxmlformats.org/markup-compatibility/2006">
-        <mc:Choice xmlns:a14="http://schemas.microsoft.com/office/drawing/2010/main" Requires="a14">
+      <mc:AlternateContent xmlns:mc="http://schemas.openxmlformats.org/markup-compatibility/2006" xmlns:a14="http://schemas.microsoft.com/office/drawing/2010/main">
+        <mc:Choice Requires="a14">
           <p:graphicFrame>
             <p:nvGraphicFramePr>
               <p:cNvPr id="2" name="Table 1"/>
@@ -8689,7 +8690,7 @@
             </a:graphic>
           </p:graphicFrame>
         </mc:Choice>
-        <mc:Fallback>
+        <mc:Fallback xmlns="">
           <p:graphicFrame>
             <p:nvGraphicFramePr>
               <p:cNvPr id="2" name="Table 1"/>
@@ -9948,8 +9949,8 @@
             </a:p>
           </p:txBody>
         </p:sp>
-        <mc:AlternateContent xmlns:mc="http://schemas.openxmlformats.org/markup-compatibility/2006">
-          <mc:Choice xmlns:a14="http://schemas.microsoft.com/office/drawing/2010/main" Requires="a14">
+        <mc:AlternateContent xmlns:mc="http://schemas.openxmlformats.org/markup-compatibility/2006" xmlns:a14="http://schemas.microsoft.com/office/drawing/2010/main">
+          <mc:Choice Requires="a14">
             <p:sp>
               <p:nvSpPr>
                 <p:cNvPr id="12" name="TextBox 11"/>
@@ -10010,7 +10011,7 @@
               </p:txBody>
             </p:sp>
           </mc:Choice>
-          <mc:Fallback>
+          <mc:Fallback xmlns="">
             <p:sp>
               <p:nvSpPr>
                 <p:cNvPr id="12" name="TextBox 11"/>
@@ -10049,8 +10050,8 @@
             </p:sp>
           </mc:Fallback>
         </mc:AlternateContent>
-        <mc:AlternateContent xmlns:mc="http://schemas.openxmlformats.org/markup-compatibility/2006">
-          <mc:Choice xmlns:a14="http://schemas.microsoft.com/office/drawing/2010/main" Requires="a14">
+        <mc:AlternateContent xmlns:mc="http://schemas.openxmlformats.org/markup-compatibility/2006" xmlns:a14="http://schemas.microsoft.com/office/drawing/2010/main">
+          <mc:Choice Requires="a14">
             <p:sp>
               <p:nvSpPr>
                 <p:cNvPr id="13" name="TextBox 12"/>
@@ -10117,7 +10118,7 @@
               </p:txBody>
             </p:sp>
           </mc:Choice>
-          <mc:Fallback>
+          <mc:Fallback xmlns="">
             <p:sp>
               <p:nvSpPr>
                 <p:cNvPr id="13" name="TextBox 12"/>
@@ -10161,6 +10162,3169 @@
     <p:extLst>
       <p:ext uri="{BB962C8B-B14F-4D97-AF65-F5344CB8AC3E}">
         <p14:creationId xmlns:p14="http://schemas.microsoft.com/office/powerpoint/2010/main" val="1559419263"/>
+      </p:ext>
+    </p:extLst>
+  </p:cSld>
+  <p:clrMapOvr>
+    <a:masterClrMapping/>
+  </p:clrMapOvr>
+</p:sld>
+</file>
+
+<file path=ppt/slides/slide6.xml><?xml version="1.0" encoding="utf-8"?>
+<p:sld xmlns:a="http://schemas.openxmlformats.org/drawingml/2006/main" xmlns:r="http://schemas.openxmlformats.org/officeDocument/2006/relationships" xmlns:p="http://schemas.openxmlformats.org/presentationml/2006/main">
+  <p:cSld>
+    <p:spTree>
+      <p:nvGrpSpPr>
+        <p:cNvPr id="1" name=""/>
+        <p:cNvGrpSpPr/>
+        <p:nvPr/>
+      </p:nvGrpSpPr>
+      <p:grpSpPr>
+        <a:xfrm>
+          <a:off x="0" y="0"/>
+          <a:ext cx="0" cy="0"/>
+          <a:chOff x="0" y="0"/>
+          <a:chExt cx="0" cy="0"/>
+        </a:xfrm>
+      </p:grpSpPr>
+      <p:grpSp>
+        <p:nvGrpSpPr>
+          <p:cNvPr id="56" name="组合 55">
+            <a:extLst>
+              <a:ext uri="{FF2B5EF4-FFF2-40B4-BE49-F238E27FC236}">
+                <a16:creationId xmlns:a16="http://schemas.microsoft.com/office/drawing/2014/main" id="{59160980-5513-4AB9-B5BA-88851E9AA7C3}"/>
+              </a:ext>
+            </a:extLst>
+          </p:cNvPr>
+          <p:cNvGrpSpPr/>
+          <p:nvPr/>
+        </p:nvGrpSpPr>
+        <p:grpSpPr>
+          <a:xfrm>
+            <a:off x="3712211" y="1650074"/>
+            <a:ext cx="4493573" cy="3846909"/>
+            <a:chOff x="3712211" y="1650074"/>
+            <a:chExt cx="4493573" cy="3846909"/>
+          </a:xfrm>
+        </p:grpSpPr>
+        <p:grpSp>
+          <p:nvGrpSpPr>
+            <p:cNvPr id="53" name="组合 52">
+              <a:extLst>
+                <a:ext uri="{FF2B5EF4-FFF2-40B4-BE49-F238E27FC236}">
+                  <a16:creationId xmlns:a16="http://schemas.microsoft.com/office/drawing/2014/main" id="{08443178-B8A5-4781-A96A-25D43BAA2995}"/>
+                </a:ext>
+              </a:extLst>
+            </p:cNvPr>
+            <p:cNvGrpSpPr/>
+            <p:nvPr/>
+          </p:nvGrpSpPr>
+          <p:grpSpPr>
+            <a:xfrm>
+              <a:off x="4244147" y="1650074"/>
+              <a:ext cx="3961637" cy="3622261"/>
+              <a:chOff x="4244147" y="1650074"/>
+              <a:chExt cx="3961637" cy="3622261"/>
+            </a:xfrm>
+          </p:grpSpPr>
+          <p:grpSp>
+            <p:nvGrpSpPr>
+              <p:cNvPr id="2" name="Group 56">
+                <a:extLst>
+                  <a:ext uri="{FF2B5EF4-FFF2-40B4-BE49-F238E27FC236}">
+                    <a16:creationId xmlns:a16="http://schemas.microsoft.com/office/drawing/2014/main" id="{9AE602CE-96E5-4443-B549-A8848BB55785}"/>
+                  </a:ext>
+                </a:extLst>
+              </p:cNvPr>
+              <p:cNvGrpSpPr/>
+              <p:nvPr/>
+            </p:nvGrpSpPr>
+            <p:grpSpPr>
+              <a:xfrm>
+                <a:off x="4716288" y="1758171"/>
+                <a:ext cx="3104461" cy="3091679"/>
+                <a:chOff x="3623473" y="2025305"/>
+                <a:chExt cx="3104461" cy="3091679"/>
+              </a:xfrm>
+            </p:grpSpPr>
+            <p:grpSp>
+              <p:nvGrpSpPr>
+                <p:cNvPr id="18" name="Group 23">
+                  <a:extLst>
+                    <a:ext uri="{FF2B5EF4-FFF2-40B4-BE49-F238E27FC236}">
+                      <a16:creationId xmlns:a16="http://schemas.microsoft.com/office/drawing/2014/main" id="{BAB16A27-72C8-4E11-8318-15D66B54BB8E}"/>
+                    </a:ext>
+                  </a:extLst>
+                </p:cNvPr>
+                <p:cNvGrpSpPr/>
+                <p:nvPr/>
+              </p:nvGrpSpPr>
+              <p:grpSpPr>
+                <a:xfrm>
+                  <a:off x="3638743" y="5114497"/>
+                  <a:ext cx="3089190" cy="2487"/>
+                  <a:chOff x="3638743" y="5114497"/>
+                  <a:chExt cx="3089190" cy="2487"/>
+                </a:xfrm>
+              </p:grpSpPr>
+              <p:cxnSp>
+                <p:nvCxnSpPr>
+                  <p:cNvPr id="41" name="Straight Connector 6">
+                    <a:extLst>
+                      <a:ext uri="{FF2B5EF4-FFF2-40B4-BE49-F238E27FC236}">
+                        <a16:creationId xmlns:a16="http://schemas.microsoft.com/office/drawing/2014/main" id="{DEC9CC79-FF41-4C09-9E39-AFC2CC00C6DA}"/>
+                      </a:ext>
+                    </a:extLst>
+                  </p:cNvPr>
+                  <p:cNvCxnSpPr/>
+                  <p:nvPr/>
+                </p:nvCxnSpPr>
+                <p:spPr>
+                  <a:xfrm>
+                    <a:off x="3638743" y="5116984"/>
+                    <a:ext cx="617838" cy="0"/>
+                  </a:xfrm>
+                  <a:prstGeom prst="line">
+                    <a:avLst/>
+                  </a:prstGeom>
+                  <a:ln w="25400">
+                    <a:solidFill>
+                      <a:schemeClr val="tx1"/>
+                    </a:solidFill>
+                    <a:headEnd type="oval" w="sm" len="sm"/>
+                    <a:tailEnd type="oval" w="sm" len="sm"/>
+                  </a:ln>
+                </p:spPr>
+                <p:style>
+                  <a:lnRef idx="1">
+                    <a:schemeClr val="accent1"/>
+                  </a:lnRef>
+                  <a:fillRef idx="0">
+                    <a:schemeClr val="accent1"/>
+                  </a:fillRef>
+                  <a:effectRef idx="0">
+                    <a:schemeClr val="accent1"/>
+                  </a:effectRef>
+                  <a:fontRef idx="minor">
+                    <a:schemeClr val="tx1"/>
+                  </a:fontRef>
+                </p:style>
+              </p:cxnSp>
+              <p:cxnSp>
+                <p:nvCxnSpPr>
+                  <p:cNvPr id="42" name="Straight Connector 8">
+                    <a:extLst>
+                      <a:ext uri="{FF2B5EF4-FFF2-40B4-BE49-F238E27FC236}">
+                        <a16:creationId xmlns:a16="http://schemas.microsoft.com/office/drawing/2014/main" id="{514FB61F-047F-41BB-A9E4-4C4B4DEF9487}"/>
+                      </a:ext>
+                    </a:extLst>
+                  </p:cNvPr>
+                  <p:cNvCxnSpPr/>
+                  <p:nvPr/>
+                </p:nvCxnSpPr>
+                <p:spPr>
+                  <a:xfrm>
+                    <a:off x="4256581" y="5116984"/>
+                    <a:ext cx="617838" cy="0"/>
+                  </a:xfrm>
+                  <a:prstGeom prst="line">
+                    <a:avLst/>
+                  </a:prstGeom>
+                  <a:ln w="25400">
+                    <a:solidFill>
+                      <a:schemeClr val="tx1"/>
+                    </a:solidFill>
+                    <a:headEnd type="oval" w="sm" len="sm"/>
+                    <a:tailEnd type="oval" w="sm" len="sm"/>
+                  </a:ln>
+                </p:spPr>
+                <p:style>
+                  <a:lnRef idx="1">
+                    <a:schemeClr val="accent1"/>
+                  </a:lnRef>
+                  <a:fillRef idx="0">
+                    <a:schemeClr val="accent1"/>
+                  </a:fillRef>
+                  <a:effectRef idx="0">
+                    <a:schemeClr val="accent1"/>
+                  </a:effectRef>
+                  <a:fontRef idx="minor">
+                    <a:schemeClr val="tx1"/>
+                  </a:fontRef>
+                </p:style>
+              </p:cxnSp>
+              <p:cxnSp>
+                <p:nvCxnSpPr>
+                  <p:cNvPr id="43" name="Straight Connector 9">
+                    <a:extLst>
+                      <a:ext uri="{FF2B5EF4-FFF2-40B4-BE49-F238E27FC236}">
+                        <a16:creationId xmlns:a16="http://schemas.microsoft.com/office/drawing/2014/main" id="{3BCF7BA1-ABCE-41FE-AB86-13A4E8E1A202}"/>
+                      </a:ext>
+                    </a:extLst>
+                  </p:cNvPr>
+                  <p:cNvCxnSpPr/>
+                  <p:nvPr/>
+                </p:nvCxnSpPr>
+                <p:spPr>
+                  <a:xfrm>
+                    <a:off x="4874419" y="5116984"/>
+                    <a:ext cx="617838" cy="0"/>
+                  </a:xfrm>
+                  <a:prstGeom prst="line">
+                    <a:avLst/>
+                  </a:prstGeom>
+                  <a:ln w="25400">
+                    <a:solidFill>
+                      <a:schemeClr val="tx1"/>
+                    </a:solidFill>
+                    <a:headEnd type="oval" w="sm" len="sm"/>
+                    <a:tailEnd type="oval" w="sm" len="sm"/>
+                  </a:ln>
+                </p:spPr>
+                <p:style>
+                  <a:lnRef idx="1">
+                    <a:schemeClr val="accent1"/>
+                  </a:lnRef>
+                  <a:fillRef idx="0">
+                    <a:schemeClr val="accent1"/>
+                  </a:fillRef>
+                  <a:effectRef idx="0">
+                    <a:schemeClr val="accent1"/>
+                  </a:effectRef>
+                  <a:fontRef idx="minor">
+                    <a:schemeClr val="tx1"/>
+                  </a:fontRef>
+                </p:style>
+              </p:cxnSp>
+              <p:cxnSp>
+                <p:nvCxnSpPr>
+                  <p:cNvPr id="44" name="Straight Connector 10">
+                    <a:extLst>
+                      <a:ext uri="{FF2B5EF4-FFF2-40B4-BE49-F238E27FC236}">
+                        <a16:creationId xmlns:a16="http://schemas.microsoft.com/office/drawing/2014/main" id="{CCCD43AB-1212-4DE7-9C18-074DFDD1CB53}"/>
+                      </a:ext>
+                    </a:extLst>
+                  </p:cNvPr>
+                  <p:cNvCxnSpPr/>
+                  <p:nvPr/>
+                </p:nvCxnSpPr>
+                <p:spPr>
+                  <a:xfrm>
+                    <a:off x="5492257" y="5114497"/>
+                    <a:ext cx="617838" cy="0"/>
+                  </a:xfrm>
+                  <a:prstGeom prst="line">
+                    <a:avLst/>
+                  </a:prstGeom>
+                  <a:ln w="25400">
+                    <a:solidFill>
+                      <a:schemeClr val="tx1"/>
+                    </a:solidFill>
+                    <a:headEnd type="oval" w="sm" len="sm"/>
+                    <a:tailEnd type="oval" w="sm" len="sm"/>
+                  </a:ln>
+                </p:spPr>
+                <p:style>
+                  <a:lnRef idx="1">
+                    <a:schemeClr val="accent1"/>
+                  </a:lnRef>
+                  <a:fillRef idx="0">
+                    <a:schemeClr val="accent1"/>
+                  </a:fillRef>
+                  <a:effectRef idx="0">
+                    <a:schemeClr val="accent1"/>
+                  </a:effectRef>
+                  <a:fontRef idx="minor">
+                    <a:schemeClr val="tx1"/>
+                  </a:fontRef>
+                </p:style>
+              </p:cxnSp>
+              <p:cxnSp>
+                <p:nvCxnSpPr>
+                  <p:cNvPr id="45" name="Straight Connector 22">
+                    <a:extLst>
+                      <a:ext uri="{FF2B5EF4-FFF2-40B4-BE49-F238E27FC236}">
+                        <a16:creationId xmlns:a16="http://schemas.microsoft.com/office/drawing/2014/main" id="{7638EDC2-C549-4CFD-B2A6-3237B62D5887}"/>
+                      </a:ext>
+                    </a:extLst>
+                  </p:cNvPr>
+                  <p:cNvCxnSpPr/>
+                  <p:nvPr/>
+                </p:nvCxnSpPr>
+                <p:spPr>
+                  <a:xfrm>
+                    <a:off x="6110095" y="5114497"/>
+                    <a:ext cx="617838" cy="0"/>
+                  </a:xfrm>
+                  <a:prstGeom prst="line">
+                    <a:avLst/>
+                  </a:prstGeom>
+                  <a:ln w="25400">
+                    <a:solidFill>
+                      <a:schemeClr val="tx1"/>
+                    </a:solidFill>
+                    <a:headEnd type="oval" w="sm" len="sm"/>
+                    <a:tailEnd type="oval" w="sm" len="sm"/>
+                  </a:ln>
+                </p:spPr>
+                <p:style>
+                  <a:lnRef idx="1">
+                    <a:schemeClr val="accent1"/>
+                  </a:lnRef>
+                  <a:fillRef idx="0">
+                    <a:schemeClr val="accent1"/>
+                  </a:fillRef>
+                  <a:effectRef idx="0">
+                    <a:schemeClr val="accent1"/>
+                  </a:effectRef>
+                  <a:fontRef idx="minor">
+                    <a:schemeClr val="tx1"/>
+                  </a:fontRef>
+                </p:style>
+              </p:cxnSp>
+            </p:grpSp>
+            <p:grpSp>
+              <p:nvGrpSpPr>
+                <p:cNvPr id="19" name="Group 24">
+                  <a:extLst>
+                    <a:ext uri="{FF2B5EF4-FFF2-40B4-BE49-F238E27FC236}">
+                      <a16:creationId xmlns:a16="http://schemas.microsoft.com/office/drawing/2014/main" id="{E52828A0-2FB1-4122-868F-090889F2C560}"/>
+                    </a:ext>
+                  </a:extLst>
+                </p:cNvPr>
+                <p:cNvGrpSpPr/>
+                <p:nvPr/>
+              </p:nvGrpSpPr>
+              <p:grpSpPr>
+                <a:xfrm rot="16200000">
+                  <a:off x="2094151" y="3568658"/>
+                  <a:ext cx="3089190" cy="2487"/>
+                  <a:chOff x="3638743" y="5114497"/>
+                  <a:chExt cx="3089190" cy="2487"/>
+                </a:xfrm>
+              </p:grpSpPr>
+              <p:cxnSp>
+                <p:nvCxnSpPr>
+                  <p:cNvPr id="36" name="Straight Connector 25">
+                    <a:extLst>
+                      <a:ext uri="{FF2B5EF4-FFF2-40B4-BE49-F238E27FC236}">
+                        <a16:creationId xmlns:a16="http://schemas.microsoft.com/office/drawing/2014/main" id="{4DAE2B37-516F-43D8-9892-F8229FF1147E}"/>
+                      </a:ext>
+                    </a:extLst>
+                  </p:cNvPr>
+                  <p:cNvCxnSpPr/>
+                  <p:nvPr/>
+                </p:nvCxnSpPr>
+                <p:spPr>
+                  <a:xfrm>
+                    <a:off x="3638743" y="5116984"/>
+                    <a:ext cx="617838" cy="0"/>
+                  </a:xfrm>
+                  <a:prstGeom prst="line">
+                    <a:avLst/>
+                  </a:prstGeom>
+                  <a:ln w="25400">
+                    <a:solidFill>
+                      <a:schemeClr val="tx1"/>
+                    </a:solidFill>
+                    <a:headEnd type="oval" w="sm" len="sm"/>
+                    <a:tailEnd type="oval" w="sm" len="sm"/>
+                  </a:ln>
+                </p:spPr>
+                <p:style>
+                  <a:lnRef idx="1">
+                    <a:schemeClr val="accent1"/>
+                  </a:lnRef>
+                  <a:fillRef idx="0">
+                    <a:schemeClr val="accent1"/>
+                  </a:fillRef>
+                  <a:effectRef idx="0">
+                    <a:schemeClr val="accent1"/>
+                  </a:effectRef>
+                  <a:fontRef idx="minor">
+                    <a:schemeClr val="tx1"/>
+                  </a:fontRef>
+                </p:style>
+              </p:cxnSp>
+              <p:cxnSp>
+                <p:nvCxnSpPr>
+                  <p:cNvPr id="37" name="Straight Connector 26">
+                    <a:extLst>
+                      <a:ext uri="{FF2B5EF4-FFF2-40B4-BE49-F238E27FC236}">
+                        <a16:creationId xmlns:a16="http://schemas.microsoft.com/office/drawing/2014/main" id="{E4E034BD-3EC5-4C3D-8E47-905EB86F7C98}"/>
+                      </a:ext>
+                    </a:extLst>
+                  </p:cNvPr>
+                  <p:cNvCxnSpPr/>
+                  <p:nvPr/>
+                </p:nvCxnSpPr>
+                <p:spPr>
+                  <a:xfrm>
+                    <a:off x="4256581" y="5116984"/>
+                    <a:ext cx="617838" cy="0"/>
+                  </a:xfrm>
+                  <a:prstGeom prst="line">
+                    <a:avLst/>
+                  </a:prstGeom>
+                  <a:ln w="25400">
+                    <a:solidFill>
+                      <a:schemeClr val="tx1"/>
+                    </a:solidFill>
+                    <a:headEnd type="oval" w="sm" len="sm"/>
+                    <a:tailEnd type="oval" w="sm" len="sm"/>
+                  </a:ln>
+                </p:spPr>
+                <p:style>
+                  <a:lnRef idx="1">
+                    <a:schemeClr val="accent1"/>
+                  </a:lnRef>
+                  <a:fillRef idx="0">
+                    <a:schemeClr val="accent1"/>
+                  </a:fillRef>
+                  <a:effectRef idx="0">
+                    <a:schemeClr val="accent1"/>
+                  </a:effectRef>
+                  <a:fontRef idx="minor">
+                    <a:schemeClr val="tx1"/>
+                  </a:fontRef>
+                </p:style>
+              </p:cxnSp>
+              <p:cxnSp>
+                <p:nvCxnSpPr>
+                  <p:cNvPr id="38" name="Straight Connector 27">
+                    <a:extLst>
+                      <a:ext uri="{FF2B5EF4-FFF2-40B4-BE49-F238E27FC236}">
+                        <a16:creationId xmlns:a16="http://schemas.microsoft.com/office/drawing/2014/main" id="{78E0B985-DB72-4CFB-BCAA-1F6D2E8E1CB7}"/>
+                      </a:ext>
+                    </a:extLst>
+                  </p:cNvPr>
+                  <p:cNvCxnSpPr/>
+                  <p:nvPr/>
+                </p:nvCxnSpPr>
+                <p:spPr>
+                  <a:xfrm>
+                    <a:off x="4874419" y="5116984"/>
+                    <a:ext cx="617838" cy="0"/>
+                  </a:xfrm>
+                  <a:prstGeom prst="line">
+                    <a:avLst/>
+                  </a:prstGeom>
+                  <a:ln w="25400">
+                    <a:solidFill>
+                      <a:schemeClr val="tx1"/>
+                    </a:solidFill>
+                    <a:headEnd type="oval" w="sm" len="sm"/>
+                    <a:tailEnd type="oval" w="sm" len="sm"/>
+                  </a:ln>
+                </p:spPr>
+                <p:style>
+                  <a:lnRef idx="1">
+                    <a:schemeClr val="accent1"/>
+                  </a:lnRef>
+                  <a:fillRef idx="0">
+                    <a:schemeClr val="accent1"/>
+                  </a:fillRef>
+                  <a:effectRef idx="0">
+                    <a:schemeClr val="accent1"/>
+                  </a:effectRef>
+                  <a:fontRef idx="minor">
+                    <a:schemeClr val="tx1"/>
+                  </a:fontRef>
+                </p:style>
+              </p:cxnSp>
+              <p:cxnSp>
+                <p:nvCxnSpPr>
+                  <p:cNvPr id="39" name="Straight Connector 28">
+                    <a:extLst>
+                      <a:ext uri="{FF2B5EF4-FFF2-40B4-BE49-F238E27FC236}">
+                        <a16:creationId xmlns:a16="http://schemas.microsoft.com/office/drawing/2014/main" id="{AC8A1186-E7C4-4FA3-85E7-B186CA50765E}"/>
+                      </a:ext>
+                    </a:extLst>
+                  </p:cNvPr>
+                  <p:cNvCxnSpPr/>
+                  <p:nvPr/>
+                </p:nvCxnSpPr>
+                <p:spPr>
+                  <a:xfrm>
+                    <a:off x="5492257" y="5114497"/>
+                    <a:ext cx="617838" cy="0"/>
+                  </a:xfrm>
+                  <a:prstGeom prst="line">
+                    <a:avLst/>
+                  </a:prstGeom>
+                  <a:ln w="25400">
+                    <a:solidFill>
+                      <a:schemeClr val="tx1"/>
+                    </a:solidFill>
+                    <a:headEnd type="oval" w="sm" len="sm"/>
+                    <a:tailEnd type="oval" w="sm" len="sm"/>
+                  </a:ln>
+                </p:spPr>
+                <p:style>
+                  <a:lnRef idx="1">
+                    <a:schemeClr val="accent1"/>
+                  </a:lnRef>
+                  <a:fillRef idx="0">
+                    <a:schemeClr val="accent1"/>
+                  </a:fillRef>
+                  <a:effectRef idx="0">
+                    <a:schemeClr val="accent1"/>
+                  </a:effectRef>
+                  <a:fontRef idx="minor">
+                    <a:schemeClr val="tx1"/>
+                  </a:fontRef>
+                </p:style>
+              </p:cxnSp>
+              <p:cxnSp>
+                <p:nvCxnSpPr>
+                  <p:cNvPr id="40" name="Straight Connector 29">
+                    <a:extLst>
+                      <a:ext uri="{FF2B5EF4-FFF2-40B4-BE49-F238E27FC236}">
+                        <a16:creationId xmlns:a16="http://schemas.microsoft.com/office/drawing/2014/main" id="{439AA372-0F2D-4DDA-BC55-23A03569813A}"/>
+                      </a:ext>
+                    </a:extLst>
+                  </p:cNvPr>
+                  <p:cNvCxnSpPr/>
+                  <p:nvPr/>
+                </p:nvCxnSpPr>
+                <p:spPr>
+                  <a:xfrm>
+                    <a:off x="6110095" y="5114497"/>
+                    <a:ext cx="617838" cy="0"/>
+                  </a:xfrm>
+                  <a:prstGeom prst="line">
+                    <a:avLst/>
+                  </a:prstGeom>
+                  <a:ln w="25400">
+                    <a:solidFill>
+                      <a:schemeClr val="tx1"/>
+                    </a:solidFill>
+                    <a:headEnd type="oval" w="sm" len="sm"/>
+                    <a:tailEnd type="oval" w="sm" len="sm"/>
+                  </a:ln>
+                </p:spPr>
+                <p:style>
+                  <a:lnRef idx="1">
+                    <a:schemeClr val="accent1"/>
+                  </a:lnRef>
+                  <a:fillRef idx="0">
+                    <a:schemeClr val="accent1"/>
+                  </a:fillRef>
+                  <a:effectRef idx="0">
+                    <a:schemeClr val="accent1"/>
+                  </a:effectRef>
+                  <a:fontRef idx="minor">
+                    <a:schemeClr val="tx1"/>
+                  </a:fontRef>
+                </p:style>
+              </p:cxnSp>
+            </p:grpSp>
+            <p:grpSp>
+              <p:nvGrpSpPr>
+                <p:cNvPr id="20" name="Group 30">
+                  <a:extLst>
+                    <a:ext uri="{FF2B5EF4-FFF2-40B4-BE49-F238E27FC236}">
+                      <a16:creationId xmlns:a16="http://schemas.microsoft.com/office/drawing/2014/main" id="{6857B065-EDC7-496A-A60E-E3413C5AF638}"/>
+                    </a:ext>
+                  </a:extLst>
+                </p:cNvPr>
+                <p:cNvGrpSpPr/>
+                <p:nvPr/>
+              </p:nvGrpSpPr>
+              <p:grpSpPr>
+                <a:xfrm rot="16200000">
+                  <a:off x="5182096" y="3571144"/>
+                  <a:ext cx="3089190" cy="2487"/>
+                  <a:chOff x="3638743" y="5114497"/>
+                  <a:chExt cx="3089190" cy="2487"/>
+                </a:xfrm>
+              </p:grpSpPr>
+              <p:cxnSp>
+                <p:nvCxnSpPr>
+                  <p:cNvPr id="31" name="Straight Connector 31">
+                    <a:extLst>
+                      <a:ext uri="{FF2B5EF4-FFF2-40B4-BE49-F238E27FC236}">
+                        <a16:creationId xmlns:a16="http://schemas.microsoft.com/office/drawing/2014/main" id="{F7F8E35E-C621-47B3-B404-C6BFBCB0E06D}"/>
+                      </a:ext>
+                    </a:extLst>
+                  </p:cNvPr>
+                  <p:cNvCxnSpPr/>
+                  <p:nvPr/>
+                </p:nvCxnSpPr>
+                <p:spPr>
+                  <a:xfrm>
+                    <a:off x="3638743" y="5116984"/>
+                    <a:ext cx="617838" cy="0"/>
+                  </a:xfrm>
+                  <a:prstGeom prst="line">
+                    <a:avLst/>
+                  </a:prstGeom>
+                  <a:ln w="25400">
+                    <a:solidFill>
+                      <a:schemeClr val="tx1"/>
+                    </a:solidFill>
+                    <a:headEnd type="none" w="sm" len="sm"/>
+                    <a:tailEnd type="none" w="sm" len="sm"/>
+                  </a:ln>
+                </p:spPr>
+                <p:style>
+                  <a:lnRef idx="1">
+                    <a:schemeClr val="accent1"/>
+                  </a:lnRef>
+                  <a:fillRef idx="0">
+                    <a:schemeClr val="accent1"/>
+                  </a:fillRef>
+                  <a:effectRef idx="0">
+                    <a:schemeClr val="accent1"/>
+                  </a:effectRef>
+                  <a:fontRef idx="minor">
+                    <a:schemeClr val="tx1"/>
+                  </a:fontRef>
+                </p:style>
+              </p:cxnSp>
+              <p:cxnSp>
+                <p:nvCxnSpPr>
+                  <p:cNvPr id="32" name="Straight Connector 32">
+                    <a:extLst>
+                      <a:ext uri="{FF2B5EF4-FFF2-40B4-BE49-F238E27FC236}">
+                        <a16:creationId xmlns:a16="http://schemas.microsoft.com/office/drawing/2014/main" id="{38C3BA86-4DE3-4A68-B2F9-68A011436118}"/>
+                      </a:ext>
+                    </a:extLst>
+                  </p:cNvPr>
+                  <p:cNvCxnSpPr/>
+                  <p:nvPr/>
+                </p:nvCxnSpPr>
+                <p:spPr>
+                  <a:xfrm>
+                    <a:off x="4256581" y="5116984"/>
+                    <a:ext cx="617838" cy="0"/>
+                  </a:xfrm>
+                  <a:prstGeom prst="line">
+                    <a:avLst/>
+                  </a:prstGeom>
+                  <a:ln w="25400">
+                    <a:solidFill>
+                      <a:schemeClr val="tx1"/>
+                    </a:solidFill>
+                    <a:headEnd type="none" w="sm" len="sm"/>
+                    <a:tailEnd type="none" w="sm" len="sm"/>
+                  </a:ln>
+                </p:spPr>
+                <p:style>
+                  <a:lnRef idx="1">
+                    <a:schemeClr val="accent1"/>
+                  </a:lnRef>
+                  <a:fillRef idx="0">
+                    <a:schemeClr val="accent1"/>
+                  </a:fillRef>
+                  <a:effectRef idx="0">
+                    <a:schemeClr val="accent1"/>
+                  </a:effectRef>
+                  <a:fontRef idx="minor">
+                    <a:schemeClr val="tx1"/>
+                  </a:fontRef>
+                </p:style>
+              </p:cxnSp>
+              <p:cxnSp>
+                <p:nvCxnSpPr>
+                  <p:cNvPr id="33" name="Straight Connector 33">
+                    <a:extLst>
+                      <a:ext uri="{FF2B5EF4-FFF2-40B4-BE49-F238E27FC236}">
+                        <a16:creationId xmlns:a16="http://schemas.microsoft.com/office/drawing/2014/main" id="{5A543095-DDD5-4C6A-B86F-4A3FF9C7A307}"/>
+                      </a:ext>
+                    </a:extLst>
+                  </p:cNvPr>
+                  <p:cNvCxnSpPr/>
+                  <p:nvPr/>
+                </p:nvCxnSpPr>
+                <p:spPr>
+                  <a:xfrm>
+                    <a:off x="4874419" y="5116984"/>
+                    <a:ext cx="617838" cy="0"/>
+                  </a:xfrm>
+                  <a:prstGeom prst="line">
+                    <a:avLst/>
+                  </a:prstGeom>
+                  <a:ln w="25400">
+                    <a:solidFill>
+                      <a:schemeClr val="tx1"/>
+                    </a:solidFill>
+                    <a:headEnd type="none" w="sm" len="sm"/>
+                    <a:tailEnd type="none" w="sm" len="sm"/>
+                  </a:ln>
+                </p:spPr>
+                <p:style>
+                  <a:lnRef idx="1">
+                    <a:schemeClr val="accent1"/>
+                  </a:lnRef>
+                  <a:fillRef idx="0">
+                    <a:schemeClr val="accent1"/>
+                  </a:fillRef>
+                  <a:effectRef idx="0">
+                    <a:schemeClr val="accent1"/>
+                  </a:effectRef>
+                  <a:fontRef idx="minor">
+                    <a:schemeClr val="tx1"/>
+                  </a:fontRef>
+                </p:style>
+              </p:cxnSp>
+              <p:cxnSp>
+                <p:nvCxnSpPr>
+                  <p:cNvPr id="34" name="Straight Connector 34">
+                    <a:extLst>
+                      <a:ext uri="{FF2B5EF4-FFF2-40B4-BE49-F238E27FC236}">
+                        <a16:creationId xmlns:a16="http://schemas.microsoft.com/office/drawing/2014/main" id="{573EB775-DF31-416F-BBBC-D0C37C850C49}"/>
+                      </a:ext>
+                    </a:extLst>
+                  </p:cNvPr>
+                  <p:cNvCxnSpPr/>
+                  <p:nvPr/>
+                </p:nvCxnSpPr>
+                <p:spPr>
+                  <a:xfrm>
+                    <a:off x="5492257" y="5114497"/>
+                    <a:ext cx="617838" cy="0"/>
+                  </a:xfrm>
+                  <a:prstGeom prst="line">
+                    <a:avLst/>
+                  </a:prstGeom>
+                  <a:ln w="25400">
+                    <a:solidFill>
+                      <a:schemeClr val="tx1"/>
+                    </a:solidFill>
+                    <a:headEnd type="none" w="sm" len="sm"/>
+                    <a:tailEnd type="none" w="sm" len="sm"/>
+                  </a:ln>
+                </p:spPr>
+                <p:style>
+                  <a:lnRef idx="1">
+                    <a:schemeClr val="accent1"/>
+                  </a:lnRef>
+                  <a:fillRef idx="0">
+                    <a:schemeClr val="accent1"/>
+                  </a:fillRef>
+                  <a:effectRef idx="0">
+                    <a:schemeClr val="accent1"/>
+                  </a:effectRef>
+                  <a:fontRef idx="minor">
+                    <a:schemeClr val="tx1"/>
+                  </a:fontRef>
+                </p:style>
+              </p:cxnSp>
+              <p:cxnSp>
+                <p:nvCxnSpPr>
+                  <p:cNvPr id="35" name="Straight Connector 35">
+                    <a:extLst>
+                      <a:ext uri="{FF2B5EF4-FFF2-40B4-BE49-F238E27FC236}">
+                        <a16:creationId xmlns:a16="http://schemas.microsoft.com/office/drawing/2014/main" id="{E957BFE1-255B-4F7C-B5CB-BCC204C16627}"/>
+                      </a:ext>
+                    </a:extLst>
+                  </p:cNvPr>
+                  <p:cNvCxnSpPr/>
+                  <p:nvPr/>
+                </p:nvCxnSpPr>
+                <p:spPr>
+                  <a:xfrm>
+                    <a:off x="6110095" y="5114497"/>
+                    <a:ext cx="617838" cy="0"/>
+                  </a:xfrm>
+                  <a:prstGeom prst="line">
+                    <a:avLst/>
+                  </a:prstGeom>
+                  <a:ln w="25400">
+                    <a:solidFill>
+                      <a:schemeClr val="tx1"/>
+                    </a:solidFill>
+                    <a:headEnd type="none" w="sm" len="sm"/>
+                    <a:tailEnd type="none" w="sm" len="sm"/>
+                  </a:ln>
+                </p:spPr>
+                <p:style>
+                  <a:lnRef idx="1">
+                    <a:schemeClr val="accent1"/>
+                  </a:lnRef>
+                  <a:fillRef idx="0">
+                    <a:schemeClr val="accent1"/>
+                  </a:fillRef>
+                  <a:effectRef idx="0">
+                    <a:schemeClr val="accent1"/>
+                  </a:effectRef>
+                  <a:fontRef idx="minor">
+                    <a:schemeClr val="tx1"/>
+                  </a:fontRef>
+                </p:style>
+              </p:cxnSp>
+            </p:grpSp>
+            <p:grpSp>
+              <p:nvGrpSpPr>
+                <p:cNvPr id="21" name="Group 36">
+                  <a:extLst>
+                    <a:ext uri="{FF2B5EF4-FFF2-40B4-BE49-F238E27FC236}">
+                      <a16:creationId xmlns:a16="http://schemas.microsoft.com/office/drawing/2014/main" id="{DDBC7EE1-1C0D-4EA6-8CB0-EEB2113A4E6B}"/>
+                    </a:ext>
+                  </a:extLst>
+                </p:cNvPr>
+                <p:cNvGrpSpPr/>
+                <p:nvPr/>
+              </p:nvGrpSpPr>
+              <p:grpSpPr>
+                <a:xfrm rot="10800000">
+                  <a:off x="3637502" y="2025305"/>
+                  <a:ext cx="3089190" cy="2487"/>
+                  <a:chOff x="3638743" y="5114497"/>
+                  <a:chExt cx="3089190" cy="2487"/>
+                </a:xfrm>
+              </p:grpSpPr>
+              <p:cxnSp>
+                <p:nvCxnSpPr>
+                  <p:cNvPr id="26" name="Straight Connector 37">
+                    <a:extLst>
+                      <a:ext uri="{FF2B5EF4-FFF2-40B4-BE49-F238E27FC236}">
+                        <a16:creationId xmlns:a16="http://schemas.microsoft.com/office/drawing/2014/main" id="{E7DF248A-3ACC-45AD-9CAB-2673CE57AAB1}"/>
+                      </a:ext>
+                    </a:extLst>
+                  </p:cNvPr>
+                  <p:cNvCxnSpPr/>
+                  <p:nvPr/>
+                </p:nvCxnSpPr>
+                <p:spPr>
+                  <a:xfrm>
+                    <a:off x="3638743" y="5116984"/>
+                    <a:ext cx="617838" cy="0"/>
+                  </a:xfrm>
+                  <a:prstGeom prst="line">
+                    <a:avLst/>
+                  </a:prstGeom>
+                  <a:ln w="25400">
+                    <a:solidFill>
+                      <a:schemeClr val="tx1"/>
+                    </a:solidFill>
+                    <a:headEnd type="none" w="sm" len="sm"/>
+                    <a:tailEnd type="none" w="sm" len="sm"/>
+                  </a:ln>
+                </p:spPr>
+                <p:style>
+                  <a:lnRef idx="1">
+                    <a:schemeClr val="accent1"/>
+                  </a:lnRef>
+                  <a:fillRef idx="0">
+                    <a:schemeClr val="accent1"/>
+                  </a:fillRef>
+                  <a:effectRef idx="0">
+                    <a:schemeClr val="accent1"/>
+                  </a:effectRef>
+                  <a:fontRef idx="minor">
+                    <a:schemeClr val="tx1"/>
+                  </a:fontRef>
+                </p:style>
+              </p:cxnSp>
+              <p:cxnSp>
+                <p:nvCxnSpPr>
+                  <p:cNvPr id="27" name="Straight Connector 38">
+                    <a:extLst>
+                      <a:ext uri="{FF2B5EF4-FFF2-40B4-BE49-F238E27FC236}">
+                        <a16:creationId xmlns:a16="http://schemas.microsoft.com/office/drawing/2014/main" id="{6C26C11D-49FB-4170-AE4D-2B113A72935D}"/>
+                      </a:ext>
+                    </a:extLst>
+                  </p:cNvPr>
+                  <p:cNvCxnSpPr/>
+                  <p:nvPr/>
+                </p:nvCxnSpPr>
+                <p:spPr>
+                  <a:xfrm>
+                    <a:off x="4256581" y="5116984"/>
+                    <a:ext cx="617838" cy="0"/>
+                  </a:xfrm>
+                  <a:prstGeom prst="line">
+                    <a:avLst/>
+                  </a:prstGeom>
+                  <a:ln w="25400">
+                    <a:solidFill>
+                      <a:schemeClr val="tx1"/>
+                    </a:solidFill>
+                    <a:headEnd type="none" w="sm" len="sm"/>
+                    <a:tailEnd type="none" w="sm" len="sm"/>
+                  </a:ln>
+                </p:spPr>
+                <p:style>
+                  <a:lnRef idx="1">
+                    <a:schemeClr val="accent1"/>
+                  </a:lnRef>
+                  <a:fillRef idx="0">
+                    <a:schemeClr val="accent1"/>
+                  </a:fillRef>
+                  <a:effectRef idx="0">
+                    <a:schemeClr val="accent1"/>
+                  </a:effectRef>
+                  <a:fontRef idx="minor">
+                    <a:schemeClr val="tx1"/>
+                  </a:fontRef>
+                </p:style>
+              </p:cxnSp>
+              <p:cxnSp>
+                <p:nvCxnSpPr>
+                  <p:cNvPr id="28" name="Straight Connector 39">
+                    <a:extLst>
+                      <a:ext uri="{FF2B5EF4-FFF2-40B4-BE49-F238E27FC236}">
+                        <a16:creationId xmlns:a16="http://schemas.microsoft.com/office/drawing/2014/main" id="{CEDF58AB-0AB8-4559-93D3-1F323AC74C9D}"/>
+                      </a:ext>
+                    </a:extLst>
+                  </p:cNvPr>
+                  <p:cNvCxnSpPr/>
+                  <p:nvPr/>
+                </p:nvCxnSpPr>
+                <p:spPr>
+                  <a:xfrm>
+                    <a:off x="4874419" y="5116984"/>
+                    <a:ext cx="617838" cy="0"/>
+                  </a:xfrm>
+                  <a:prstGeom prst="line">
+                    <a:avLst/>
+                  </a:prstGeom>
+                  <a:ln w="25400">
+                    <a:solidFill>
+                      <a:schemeClr val="tx1"/>
+                    </a:solidFill>
+                    <a:headEnd type="none" w="sm" len="sm"/>
+                    <a:tailEnd type="none" w="sm" len="sm"/>
+                  </a:ln>
+                </p:spPr>
+                <p:style>
+                  <a:lnRef idx="1">
+                    <a:schemeClr val="accent1"/>
+                  </a:lnRef>
+                  <a:fillRef idx="0">
+                    <a:schemeClr val="accent1"/>
+                  </a:fillRef>
+                  <a:effectRef idx="0">
+                    <a:schemeClr val="accent1"/>
+                  </a:effectRef>
+                  <a:fontRef idx="minor">
+                    <a:schemeClr val="tx1"/>
+                  </a:fontRef>
+                </p:style>
+              </p:cxnSp>
+              <p:cxnSp>
+                <p:nvCxnSpPr>
+                  <p:cNvPr id="29" name="Straight Connector 40">
+                    <a:extLst>
+                      <a:ext uri="{FF2B5EF4-FFF2-40B4-BE49-F238E27FC236}">
+                        <a16:creationId xmlns:a16="http://schemas.microsoft.com/office/drawing/2014/main" id="{00F72C40-CC3A-46EA-8305-A76E7DE284C4}"/>
+                      </a:ext>
+                    </a:extLst>
+                  </p:cNvPr>
+                  <p:cNvCxnSpPr/>
+                  <p:nvPr/>
+                </p:nvCxnSpPr>
+                <p:spPr>
+                  <a:xfrm>
+                    <a:off x="5492257" y="5114497"/>
+                    <a:ext cx="617838" cy="0"/>
+                  </a:xfrm>
+                  <a:prstGeom prst="line">
+                    <a:avLst/>
+                  </a:prstGeom>
+                  <a:ln w="25400">
+                    <a:solidFill>
+                      <a:schemeClr val="tx1"/>
+                    </a:solidFill>
+                    <a:headEnd type="none" w="sm" len="sm"/>
+                    <a:tailEnd type="none" w="sm" len="sm"/>
+                  </a:ln>
+                </p:spPr>
+                <p:style>
+                  <a:lnRef idx="1">
+                    <a:schemeClr val="accent1"/>
+                  </a:lnRef>
+                  <a:fillRef idx="0">
+                    <a:schemeClr val="accent1"/>
+                  </a:fillRef>
+                  <a:effectRef idx="0">
+                    <a:schemeClr val="accent1"/>
+                  </a:effectRef>
+                  <a:fontRef idx="minor">
+                    <a:schemeClr val="tx1"/>
+                  </a:fontRef>
+                </p:style>
+              </p:cxnSp>
+              <p:cxnSp>
+                <p:nvCxnSpPr>
+                  <p:cNvPr id="30" name="Straight Connector 41">
+                    <a:extLst>
+                      <a:ext uri="{FF2B5EF4-FFF2-40B4-BE49-F238E27FC236}">
+                        <a16:creationId xmlns:a16="http://schemas.microsoft.com/office/drawing/2014/main" id="{1063BB62-9B4A-4913-A327-331BA2C219F6}"/>
+                      </a:ext>
+                    </a:extLst>
+                  </p:cNvPr>
+                  <p:cNvCxnSpPr/>
+                  <p:nvPr/>
+                </p:nvCxnSpPr>
+                <p:spPr>
+                  <a:xfrm>
+                    <a:off x="6110095" y="5114497"/>
+                    <a:ext cx="617838" cy="0"/>
+                  </a:xfrm>
+                  <a:prstGeom prst="line">
+                    <a:avLst/>
+                  </a:prstGeom>
+                  <a:ln w="25400">
+                    <a:solidFill>
+                      <a:schemeClr val="tx1"/>
+                    </a:solidFill>
+                    <a:headEnd type="none" w="sm" len="sm"/>
+                    <a:tailEnd type="none" w="sm" len="sm"/>
+                  </a:ln>
+                </p:spPr>
+                <p:style>
+                  <a:lnRef idx="1">
+                    <a:schemeClr val="accent1"/>
+                  </a:lnRef>
+                  <a:fillRef idx="0">
+                    <a:schemeClr val="accent1"/>
+                  </a:fillRef>
+                  <a:effectRef idx="0">
+                    <a:schemeClr val="accent1"/>
+                  </a:effectRef>
+                  <a:fontRef idx="minor">
+                    <a:schemeClr val="tx1"/>
+                  </a:fontRef>
+                </p:style>
+              </p:cxnSp>
+            </p:grpSp>
+            <p:cxnSp>
+              <p:nvCxnSpPr>
+                <p:cNvPr id="24" name="Straight Arrow Connector 48">
+                  <a:extLst>
+                    <a:ext uri="{FF2B5EF4-FFF2-40B4-BE49-F238E27FC236}">
+                      <a16:creationId xmlns:a16="http://schemas.microsoft.com/office/drawing/2014/main" id="{2CD4A231-4E6D-4F20-AA74-D3C9A69DBC57}"/>
+                    </a:ext>
+                  </a:extLst>
+                </p:cNvPr>
+                <p:cNvCxnSpPr/>
+                <p:nvPr/>
+              </p:nvCxnSpPr>
+              <p:spPr>
+                <a:xfrm flipH="1" flipV="1">
+                  <a:off x="3687386" y="2067955"/>
+                  <a:ext cx="238125" cy="219075"/>
+                </a:xfrm>
+                <a:prstGeom prst="straightConnector1">
+                  <a:avLst/>
+                </a:prstGeom>
+                <a:ln>
+                  <a:solidFill>
+                    <a:schemeClr val="accent2"/>
+                  </a:solidFill>
+                  <a:tailEnd type="triangle"/>
+                </a:ln>
+              </p:spPr>
+              <p:style>
+                <a:lnRef idx="1">
+                  <a:schemeClr val="accent1"/>
+                </a:lnRef>
+                <a:fillRef idx="0">
+                  <a:schemeClr val="accent1"/>
+                </a:fillRef>
+                <a:effectRef idx="0">
+                  <a:schemeClr val="accent1"/>
+                </a:effectRef>
+                <a:fontRef idx="minor">
+                  <a:schemeClr val="tx1"/>
+                </a:fontRef>
+              </p:style>
+            </p:cxnSp>
+            <p:sp>
+              <p:nvSpPr>
+                <p:cNvPr id="25" name="TextBox 49">
+                  <a:extLst>
+                    <a:ext uri="{FF2B5EF4-FFF2-40B4-BE49-F238E27FC236}">
+                      <a16:creationId xmlns:a16="http://schemas.microsoft.com/office/drawing/2014/main" id="{37638CF6-9E90-456F-AB4D-91465A21410D}"/>
+                    </a:ext>
+                  </a:extLst>
+                </p:cNvPr>
+                <p:cNvSpPr txBox="1"/>
+                <p:nvPr/>
+              </p:nvSpPr>
+              <p:spPr>
+                <a:xfrm>
+                  <a:off x="3623473" y="2187935"/>
+                  <a:ext cx="1544397" cy="338554"/>
+                </a:xfrm>
+                <a:prstGeom prst="rect">
+                  <a:avLst/>
+                </a:prstGeom>
+                <a:noFill/>
+              </p:spPr>
+              <p:txBody>
+                <a:bodyPr wrap="none" rtlCol="0">
+                  <a:spAutoFit/>
+                </a:bodyPr>
+                <a:lstStyle>
+                  <a:defPPr>
+                    <a:defRPr lang="en-US"/>
+                  </a:defPPr>
+                  <a:lvl1pPr marL="0" algn="l" defTabSz="914400" rtl="0" eaLnBrk="1" latinLnBrk="0" hangingPunct="1">
+                    <a:defRPr sz="1800" kern="1200">
+                      <a:solidFill>
+                        <a:schemeClr val="tx1"/>
+                      </a:solidFill>
+                      <a:latin typeface="+mn-lt"/>
+                      <a:ea typeface="+mn-ea"/>
+                      <a:cs typeface="+mn-cs"/>
+                    </a:defRPr>
+                  </a:lvl1pPr>
+                  <a:lvl2pPr marL="457200" algn="l" defTabSz="914400" rtl="0" eaLnBrk="1" latinLnBrk="0" hangingPunct="1">
+                    <a:defRPr sz="1800" kern="1200">
+                      <a:solidFill>
+                        <a:schemeClr val="tx1"/>
+                      </a:solidFill>
+                      <a:latin typeface="+mn-lt"/>
+                      <a:ea typeface="+mn-ea"/>
+                      <a:cs typeface="+mn-cs"/>
+                    </a:defRPr>
+                  </a:lvl2pPr>
+                  <a:lvl3pPr marL="914400" algn="l" defTabSz="914400" rtl="0" eaLnBrk="1" latinLnBrk="0" hangingPunct="1">
+                    <a:defRPr sz="1800" kern="1200">
+                      <a:solidFill>
+                        <a:schemeClr val="tx1"/>
+                      </a:solidFill>
+                      <a:latin typeface="+mn-lt"/>
+                      <a:ea typeface="+mn-ea"/>
+                      <a:cs typeface="+mn-cs"/>
+                    </a:defRPr>
+                  </a:lvl3pPr>
+                  <a:lvl4pPr marL="1371600" algn="l" defTabSz="914400" rtl="0" eaLnBrk="1" latinLnBrk="0" hangingPunct="1">
+                    <a:defRPr sz="1800" kern="1200">
+                      <a:solidFill>
+                        <a:schemeClr val="tx1"/>
+                      </a:solidFill>
+                      <a:latin typeface="+mn-lt"/>
+                      <a:ea typeface="+mn-ea"/>
+                      <a:cs typeface="+mn-cs"/>
+                    </a:defRPr>
+                  </a:lvl4pPr>
+                  <a:lvl5pPr marL="1828800" algn="l" defTabSz="914400" rtl="0" eaLnBrk="1" latinLnBrk="0" hangingPunct="1">
+                    <a:defRPr sz="1800" kern="1200">
+                      <a:solidFill>
+                        <a:schemeClr val="tx1"/>
+                      </a:solidFill>
+                      <a:latin typeface="+mn-lt"/>
+                      <a:ea typeface="+mn-ea"/>
+                      <a:cs typeface="+mn-cs"/>
+                    </a:defRPr>
+                  </a:lvl5pPr>
+                  <a:lvl6pPr marL="2286000" algn="l" defTabSz="914400" rtl="0" eaLnBrk="1" latinLnBrk="0" hangingPunct="1">
+                    <a:defRPr sz="1800" kern="1200">
+                      <a:solidFill>
+                        <a:schemeClr val="tx1"/>
+                      </a:solidFill>
+                      <a:latin typeface="+mn-lt"/>
+                      <a:ea typeface="+mn-ea"/>
+                      <a:cs typeface="+mn-cs"/>
+                    </a:defRPr>
+                  </a:lvl6pPr>
+                  <a:lvl7pPr marL="2743200" algn="l" defTabSz="914400" rtl="0" eaLnBrk="1" latinLnBrk="0" hangingPunct="1">
+                    <a:defRPr sz="1800" kern="1200">
+                      <a:solidFill>
+                        <a:schemeClr val="tx1"/>
+                      </a:solidFill>
+                      <a:latin typeface="+mn-lt"/>
+                      <a:ea typeface="+mn-ea"/>
+                      <a:cs typeface="+mn-cs"/>
+                    </a:defRPr>
+                  </a:lvl7pPr>
+                  <a:lvl8pPr marL="3200400" algn="l" defTabSz="914400" rtl="0" eaLnBrk="1" latinLnBrk="0" hangingPunct="1">
+                    <a:defRPr sz="1800" kern="1200">
+                      <a:solidFill>
+                        <a:schemeClr val="tx1"/>
+                      </a:solidFill>
+                      <a:latin typeface="+mn-lt"/>
+                      <a:ea typeface="+mn-ea"/>
+                      <a:cs typeface="+mn-cs"/>
+                    </a:defRPr>
+                  </a:lvl8pPr>
+                  <a:lvl9pPr marL="3657600" algn="l" defTabSz="914400" rtl="0" eaLnBrk="1" latinLnBrk="0" hangingPunct="1">
+                    <a:defRPr sz="1800" kern="1200">
+                      <a:solidFill>
+                        <a:schemeClr val="tx1"/>
+                      </a:solidFill>
+                      <a:latin typeface="+mn-lt"/>
+                      <a:ea typeface="+mn-ea"/>
+                      <a:cs typeface="+mn-cs"/>
+                    </a:defRPr>
+                  </a:lvl9pPr>
+                </a:lstStyle>
+                <a:p>
+                  <a:r>
+                    <a:rPr lang="en-US" altLang="zh-CN" sz="1600" dirty="0"/>
+                    <a:t>Perfect classifier</a:t>
+                  </a:r>
+                  <a:endParaRPr lang="en-US" sz="1600" dirty="0"/>
+                </a:p>
+              </p:txBody>
+            </p:sp>
+          </p:grpSp>
+          <p:grpSp>
+            <p:nvGrpSpPr>
+              <p:cNvPr id="3" name="Group 57">
+                <a:extLst>
+                  <a:ext uri="{FF2B5EF4-FFF2-40B4-BE49-F238E27FC236}">
+                    <a16:creationId xmlns:a16="http://schemas.microsoft.com/office/drawing/2014/main" id="{6B786216-499C-4DC8-BB52-CD120147E654}"/>
+                  </a:ext>
+                </a:extLst>
+              </p:cNvPr>
+              <p:cNvGrpSpPr/>
+              <p:nvPr/>
+            </p:nvGrpSpPr>
+            <p:grpSpPr>
+              <a:xfrm>
+                <a:off x="4597122" y="4862699"/>
+                <a:ext cx="3608662" cy="409636"/>
+                <a:chOff x="3485024" y="5210016"/>
+                <a:chExt cx="3608662" cy="409636"/>
+              </a:xfrm>
+            </p:grpSpPr>
+            <p:sp>
+              <p:nvSpPr>
+                <p:cNvPr id="12" name="TextBox 50">
+                  <a:extLst>
+                    <a:ext uri="{FF2B5EF4-FFF2-40B4-BE49-F238E27FC236}">
+                      <a16:creationId xmlns:a16="http://schemas.microsoft.com/office/drawing/2014/main" id="{FFE26661-C223-4287-8C1F-7BEACEC091DC}"/>
+                    </a:ext>
+                  </a:extLst>
+                </p:cNvPr>
+                <p:cNvSpPr txBox="1"/>
+                <p:nvPr/>
+              </p:nvSpPr>
+              <p:spPr>
+                <a:xfrm>
+                  <a:off x="3485024" y="5210016"/>
+                  <a:ext cx="508473" cy="400110"/>
+                </a:xfrm>
+                <a:prstGeom prst="rect">
+                  <a:avLst/>
+                </a:prstGeom>
+                <a:noFill/>
+              </p:spPr>
+              <p:txBody>
+                <a:bodyPr wrap="none" rtlCol="0">
+                  <a:spAutoFit/>
+                </a:bodyPr>
+                <a:lstStyle>
+                  <a:defPPr>
+                    <a:defRPr lang="en-US"/>
+                  </a:defPPr>
+                  <a:lvl1pPr marL="0" algn="l" defTabSz="914400" rtl="0" eaLnBrk="1" latinLnBrk="0" hangingPunct="1">
+                    <a:defRPr sz="1800" kern="1200">
+                      <a:solidFill>
+                        <a:schemeClr val="tx1"/>
+                      </a:solidFill>
+                      <a:latin typeface="+mn-lt"/>
+                      <a:ea typeface="+mn-ea"/>
+                      <a:cs typeface="+mn-cs"/>
+                    </a:defRPr>
+                  </a:lvl1pPr>
+                  <a:lvl2pPr marL="457200" algn="l" defTabSz="914400" rtl="0" eaLnBrk="1" latinLnBrk="0" hangingPunct="1">
+                    <a:defRPr sz="1800" kern="1200">
+                      <a:solidFill>
+                        <a:schemeClr val="tx1"/>
+                      </a:solidFill>
+                      <a:latin typeface="+mn-lt"/>
+                      <a:ea typeface="+mn-ea"/>
+                      <a:cs typeface="+mn-cs"/>
+                    </a:defRPr>
+                  </a:lvl2pPr>
+                  <a:lvl3pPr marL="914400" algn="l" defTabSz="914400" rtl="0" eaLnBrk="1" latinLnBrk="0" hangingPunct="1">
+                    <a:defRPr sz="1800" kern="1200">
+                      <a:solidFill>
+                        <a:schemeClr val="tx1"/>
+                      </a:solidFill>
+                      <a:latin typeface="+mn-lt"/>
+                      <a:ea typeface="+mn-ea"/>
+                      <a:cs typeface="+mn-cs"/>
+                    </a:defRPr>
+                  </a:lvl3pPr>
+                  <a:lvl4pPr marL="1371600" algn="l" defTabSz="914400" rtl="0" eaLnBrk="1" latinLnBrk="0" hangingPunct="1">
+                    <a:defRPr sz="1800" kern="1200">
+                      <a:solidFill>
+                        <a:schemeClr val="tx1"/>
+                      </a:solidFill>
+                      <a:latin typeface="+mn-lt"/>
+                      <a:ea typeface="+mn-ea"/>
+                      <a:cs typeface="+mn-cs"/>
+                    </a:defRPr>
+                  </a:lvl4pPr>
+                  <a:lvl5pPr marL="1828800" algn="l" defTabSz="914400" rtl="0" eaLnBrk="1" latinLnBrk="0" hangingPunct="1">
+                    <a:defRPr sz="1800" kern="1200">
+                      <a:solidFill>
+                        <a:schemeClr val="tx1"/>
+                      </a:solidFill>
+                      <a:latin typeface="+mn-lt"/>
+                      <a:ea typeface="+mn-ea"/>
+                      <a:cs typeface="+mn-cs"/>
+                    </a:defRPr>
+                  </a:lvl5pPr>
+                  <a:lvl6pPr marL="2286000" algn="l" defTabSz="914400" rtl="0" eaLnBrk="1" latinLnBrk="0" hangingPunct="1">
+                    <a:defRPr sz="1800" kern="1200">
+                      <a:solidFill>
+                        <a:schemeClr val="tx1"/>
+                      </a:solidFill>
+                      <a:latin typeface="+mn-lt"/>
+                      <a:ea typeface="+mn-ea"/>
+                      <a:cs typeface="+mn-cs"/>
+                    </a:defRPr>
+                  </a:lvl6pPr>
+                  <a:lvl7pPr marL="2743200" algn="l" defTabSz="914400" rtl="0" eaLnBrk="1" latinLnBrk="0" hangingPunct="1">
+                    <a:defRPr sz="1800" kern="1200">
+                      <a:solidFill>
+                        <a:schemeClr val="tx1"/>
+                      </a:solidFill>
+                      <a:latin typeface="+mn-lt"/>
+                      <a:ea typeface="+mn-ea"/>
+                      <a:cs typeface="+mn-cs"/>
+                    </a:defRPr>
+                  </a:lvl7pPr>
+                  <a:lvl8pPr marL="3200400" algn="l" defTabSz="914400" rtl="0" eaLnBrk="1" latinLnBrk="0" hangingPunct="1">
+                    <a:defRPr sz="1800" kern="1200">
+                      <a:solidFill>
+                        <a:schemeClr val="tx1"/>
+                      </a:solidFill>
+                      <a:latin typeface="+mn-lt"/>
+                      <a:ea typeface="+mn-ea"/>
+                      <a:cs typeface="+mn-cs"/>
+                    </a:defRPr>
+                  </a:lvl8pPr>
+                  <a:lvl9pPr marL="3657600" algn="l" defTabSz="914400" rtl="0" eaLnBrk="1" latinLnBrk="0" hangingPunct="1">
+                    <a:defRPr sz="1800" kern="1200">
+                      <a:solidFill>
+                        <a:schemeClr val="tx1"/>
+                      </a:solidFill>
+                      <a:latin typeface="+mn-lt"/>
+                      <a:ea typeface="+mn-ea"/>
+                      <a:cs typeface="+mn-cs"/>
+                    </a:defRPr>
+                  </a:lvl9pPr>
+                </a:lstStyle>
+                <a:p>
+                  <a:r>
+                    <a:rPr lang="en-US" sz="2000" dirty="0"/>
+                    <a:t>0.0</a:t>
+                  </a:r>
+                </a:p>
+              </p:txBody>
+            </p:sp>
+            <p:sp>
+              <p:nvSpPr>
+                <p:cNvPr id="13" name="TextBox 51">
+                  <a:extLst>
+                    <a:ext uri="{FF2B5EF4-FFF2-40B4-BE49-F238E27FC236}">
+                      <a16:creationId xmlns:a16="http://schemas.microsoft.com/office/drawing/2014/main" id="{18AC2DB0-6DF9-40BC-AE88-1E5E178FD62F}"/>
+                    </a:ext>
+                  </a:extLst>
+                </p:cNvPr>
+                <p:cNvSpPr txBox="1"/>
+                <p:nvPr/>
+              </p:nvSpPr>
+              <p:spPr>
+                <a:xfrm>
+                  <a:off x="4073239" y="5214779"/>
+                  <a:ext cx="508473" cy="400110"/>
+                </a:xfrm>
+                <a:prstGeom prst="rect">
+                  <a:avLst/>
+                </a:prstGeom>
+                <a:noFill/>
+              </p:spPr>
+              <p:txBody>
+                <a:bodyPr wrap="none" rtlCol="0">
+                  <a:spAutoFit/>
+                </a:bodyPr>
+                <a:lstStyle>
+                  <a:defPPr>
+                    <a:defRPr lang="en-US"/>
+                  </a:defPPr>
+                  <a:lvl1pPr marL="0" algn="l" defTabSz="914400" rtl="0" eaLnBrk="1" latinLnBrk="0" hangingPunct="1">
+                    <a:defRPr sz="1800" kern="1200">
+                      <a:solidFill>
+                        <a:schemeClr val="tx1"/>
+                      </a:solidFill>
+                      <a:latin typeface="+mn-lt"/>
+                      <a:ea typeface="+mn-ea"/>
+                      <a:cs typeface="+mn-cs"/>
+                    </a:defRPr>
+                  </a:lvl1pPr>
+                  <a:lvl2pPr marL="457200" algn="l" defTabSz="914400" rtl="0" eaLnBrk="1" latinLnBrk="0" hangingPunct="1">
+                    <a:defRPr sz="1800" kern="1200">
+                      <a:solidFill>
+                        <a:schemeClr val="tx1"/>
+                      </a:solidFill>
+                      <a:latin typeface="+mn-lt"/>
+                      <a:ea typeface="+mn-ea"/>
+                      <a:cs typeface="+mn-cs"/>
+                    </a:defRPr>
+                  </a:lvl2pPr>
+                  <a:lvl3pPr marL="914400" algn="l" defTabSz="914400" rtl="0" eaLnBrk="1" latinLnBrk="0" hangingPunct="1">
+                    <a:defRPr sz="1800" kern="1200">
+                      <a:solidFill>
+                        <a:schemeClr val="tx1"/>
+                      </a:solidFill>
+                      <a:latin typeface="+mn-lt"/>
+                      <a:ea typeface="+mn-ea"/>
+                      <a:cs typeface="+mn-cs"/>
+                    </a:defRPr>
+                  </a:lvl3pPr>
+                  <a:lvl4pPr marL="1371600" algn="l" defTabSz="914400" rtl="0" eaLnBrk="1" latinLnBrk="0" hangingPunct="1">
+                    <a:defRPr sz="1800" kern="1200">
+                      <a:solidFill>
+                        <a:schemeClr val="tx1"/>
+                      </a:solidFill>
+                      <a:latin typeface="+mn-lt"/>
+                      <a:ea typeface="+mn-ea"/>
+                      <a:cs typeface="+mn-cs"/>
+                    </a:defRPr>
+                  </a:lvl4pPr>
+                  <a:lvl5pPr marL="1828800" algn="l" defTabSz="914400" rtl="0" eaLnBrk="1" latinLnBrk="0" hangingPunct="1">
+                    <a:defRPr sz="1800" kern="1200">
+                      <a:solidFill>
+                        <a:schemeClr val="tx1"/>
+                      </a:solidFill>
+                      <a:latin typeface="+mn-lt"/>
+                      <a:ea typeface="+mn-ea"/>
+                      <a:cs typeface="+mn-cs"/>
+                    </a:defRPr>
+                  </a:lvl5pPr>
+                  <a:lvl6pPr marL="2286000" algn="l" defTabSz="914400" rtl="0" eaLnBrk="1" latinLnBrk="0" hangingPunct="1">
+                    <a:defRPr sz="1800" kern="1200">
+                      <a:solidFill>
+                        <a:schemeClr val="tx1"/>
+                      </a:solidFill>
+                      <a:latin typeface="+mn-lt"/>
+                      <a:ea typeface="+mn-ea"/>
+                      <a:cs typeface="+mn-cs"/>
+                    </a:defRPr>
+                  </a:lvl6pPr>
+                  <a:lvl7pPr marL="2743200" algn="l" defTabSz="914400" rtl="0" eaLnBrk="1" latinLnBrk="0" hangingPunct="1">
+                    <a:defRPr sz="1800" kern="1200">
+                      <a:solidFill>
+                        <a:schemeClr val="tx1"/>
+                      </a:solidFill>
+                      <a:latin typeface="+mn-lt"/>
+                      <a:ea typeface="+mn-ea"/>
+                      <a:cs typeface="+mn-cs"/>
+                    </a:defRPr>
+                  </a:lvl7pPr>
+                  <a:lvl8pPr marL="3200400" algn="l" defTabSz="914400" rtl="0" eaLnBrk="1" latinLnBrk="0" hangingPunct="1">
+                    <a:defRPr sz="1800" kern="1200">
+                      <a:solidFill>
+                        <a:schemeClr val="tx1"/>
+                      </a:solidFill>
+                      <a:latin typeface="+mn-lt"/>
+                      <a:ea typeface="+mn-ea"/>
+                      <a:cs typeface="+mn-cs"/>
+                    </a:defRPr>
+                  </a:lvl8pPr>
+                  <a:lvl9pPr marL="3657600" algn="l" defTabSz="914400" rtl="0" eaLnBrk="1" latinLnBrk="0" hangingPunct="1">
+                    <a:defRPr sz="1800" kern="1200">
+                      <a:solidFill>
+                        <a:schemeClr val="tx1"/>
+                      </a:solidFill>
+                      <a:latin typeface="+mn-lt"/>
+                      <a:ea typeface="+mn-ea"/>
+                      <a:cs typeface="+mn-cs"/>
+                    </a:defRPr>
+                  </a:lvl9pPr>
+                </a:lstStyle>
+                <a:p>
+                  <a:r>
+                    <a:rPr lang="en-US" sz="2000" dirty="0"/>
+                    <a:t>0.2</a:t>
+                  </a:r>
+                </a:p>
+              </p:txBody>
+            </p:sp>
+            <p:sp>
+              <p:nvSpPr>
+                <p:cNvPr id="14" name="TextBox 52">
+                  <a:extLst>
+                    <a:ext uri="{FF2B5EF4-FFF2-40B4-BE49-F238E27FC236}">
+                      <a16:creationId xmlns:a16="http://schemas.microsoft.com/office/drawing/2014/main" id="{8300CB22-3C19-4A11-A335-35D1146FDA44}"/>
+                    </a:ext>
+                  </a:extLst>
+                </p:cNvPr>
+                <p:cNvSpPr txBox="1"/>
+                <p:nvPr/>
+              </p:nvSpPr>
+              <p:spPr>
+                <a:xfrm>
+                  <a:off x="4720700" y="5214779"/>
+                  <a:ext cx="508473" cy="400110"/>
+                </a:xfrm>
+                <a:prstGeom prst="rect">
+                  <a:avLst/>
+                </a:prstGeom>
+                <a:noFill/>
+              </p:spPr>
+              <p:txBody>
+                <a:bodyPr wrap="none" rtlCol="0">
+                  <a:spAutoFit/>
+                </a:bodyPr>
+                <a:lstStyle>
+                  <a:defPPr>
+                    <a:defRPr lang="en-US"/>
+                  </a:defPPr>
+                  <a:lvl1pPr marL="0" algn="l" defTabSz="914400" rtl="0" eaLnBrk="1" latinLnBrk="0" hangingPunct="1">
+                    <a:defRPr sz="1800" kern="1200">
+                      <a:solidFill>
+                        <a:schemeClr val="tx1"/>
+                      </a:solidFill>
+                      <a:latin typeface="+mn-lt"/>
+                      <a:ea typeface="+mn-ea"/>
+                      <a:cs typeface="+mn-cs"/>
+                    </a:defRPr>
+                  </a:lvl1pPr>
+                  <a:lvl2pPr marL="457200" algn="l" defTabSz="914400" rtl="0" eaLnBrk="1" latinLnBrk="0" hangingPunct="1">
+                    <a:defRPr sz="1800" kern="1200">
+                      <a:solidFill>
+                        <a:schemeClr val="tx1"/>
+                      </a:solidFill>
+                      <a:latin typeface="+mn-lt"/>
+                      <a:ea typeface="+mn-ea"/>
+                      <a:cs typeface="+mn-cs"/>
+                    </a:defRPr>
+                  </a:lvl2pPr>
+                  <a:lvl3pPr marL="914400" algn="l" defTabSz="914400" rtl="0" eaLnBrk="1" latinLnBrk="0" hangingPunct="1">
+                    <a:defRPr sz="1800" kern="1200">
+                      <a:solidFill>
+                        <a:schemeClr val="tx1"/>
+                      </a:solidFill>
+                      <a:latin typeface="+mn-lt"/>
+                      <a:ea typeface="+mn-ea"/>
+                      <a:cs typeface="+mn-cs"/>
+                    </a:defRPr>
+                  </a:lvl3pPr>
+                  <a:lvl4pPr marL="1371600" algn="l" defTabSz="914400" rtl="0" eaLnBrk="1" latinLnBrk="0" hangingPunct="1">
+                    <a:defRPr sz="1800" kern="1200">
+                      <a:solidFill>
+                        <a:schemeClr val="tx1"/>
+                      </a:solidFill>
+                      <a:latin typeface="+mn-lt"/>
+                      <a:ea typeface="+mn-ea"/>
+                      <a:cs typeface="+mn-cs"/>
+                    </a:defRPr>
+                  </a:lvl4pPr>
+                  <a:lvl5pPr marL="1828800" algn="l" defTabSz="914400" rtl="0" eaLnBrk="1" latinLnBrk="0" hangingPunct="1">
+                    <a:defRPr sz="1800" kern="1200">
+                      <a:solidFill>
+                        <a:schemeClr val="tx1"/>
+                      </a:solidFill>
+                      <a:latin typeface="+mn-lt"/>
+                      <a:ea typeface="+mn-ea"/>
+                      <a:cs typeface="+mn-cs"/>
+                    </a:defRPr>
+                  </a:lvl5pPr>
+                  <a:lvl6pPr marL="2286000" algn="l" defTabSz="914400" rtl="0" eaLnBrk="1" latinLnBrk="0" hangingPunct="1">
+                    <a:defRPr sz="1800" kern="1200">
+                      <a:solidFill>
+                        <a:schemeClr val="tx1"/>
+                      </a:solidFill>
+                      <a:latin typeface="+mn-lt"/>
+                      <a:ea typeface="+mn-ea"/>
+                      <a:cs typeface="+mn-cs"/>
+                    </a:defRPr>
+                  </a:lvl6pPr>
+                  <a:lvl7pPr marL="2743200" algn="l" defTabSz="914400" rtl="0" eaLnBrk="1" latinLnBrk="0" hangingPunct="1">
+                    <a:defRPr sz="1800" kern="1200">
+                      <a:solidFill>
+                        <a:schemeClr val="tx1"/>
+                      </a:solidFill>
+                      <a:latin typeface="+mn-lt"/>
+                      <a:ea typeface="+mn-ea"/>
+                      <a:cs typeface="+mn-cs"/>
+                    </a:defRPr>
+                  </a:lvl7pPr>
+                  <a:lvl8pPr marL="3200400" algn="l" defTabSz="914400" rtl="0" eaLnBrk="1" latinLnBrk="0" hangingPunct="1">
+                    <a:defRPr sz="1800" kern="1200">
+                      <a:solidFill>
+                        <a:schemeClr val="tx1"/>
+                      </a:solidFill>
+                      <a:latin typeface="+mn-lt"/>
+                      <a:ea typeface="+mn-ea"/>
+                      <a:cs typeface="+mn-cs"/>
+                    </a:defRPr>
+                  </a:lvl8pPr>
+                  <a:lvl9pPr marL="3657600" algn="l" defTabSz="914400" rtl="0" eaLnBrk="1" latinLnBrk="0" hangingPunct="1">
+                    <a:defRPr sz="1800" kern="1200">
+                      <a:solidFill>
+                        <a:schemeClr val="tx1"/>
+                      </a:solidFill>
+                      <a:latin typeface="+mn-lt"/>
+                      <a:ea typeface="+mn-ea"/>
+                      <a:cs typeface="+mn-cs"/>
+                    </a:defRPr>
+                  </a:lvl9pPr>
+                </a:lstStyle>
+                <a:p>
+                  <a:r>
+                    <a:rPr lang="en-US" sz="2000" dirty="0"/>
+                    <a:t>0.4</a:t>
+                  </a:r>
+                </a:p>
+              </p:txBody>
+            </p:sp>
+            <p:sp>
+              <p:nvSpPr>
+                <p:cNvPr id="15" name="TextBox 53">
+                  <a:extLst>
+                    <a:ext uri="{FF2B5EF4-FFF2-40B4-BE49-F238E27FC236}">
+                      <a16:creationId xmlns:a16="http://schemas.microsoft.com/office/drawing/2014/main" id="{0CF33F4E-C2A3-49C2-80B9-096F14454710}"/>
+                    </a:ext>
+                  </a:extLst>
+                </p:cNvPr>
+                <p:cNvSpPr txBox="1"/>
+                <p:nvPr/>
+              </p:nvSpPr>
+              <p:spPr>
+                <a:xfrm>
+                  <a:off x="5308915" y="5214779"/>
+                  <a:ext cx="508473" cy="400110"/>
+                </a:xfrm>
+                <a:prstGeom prst="rect">
+                  <a:avLst/>
+                </a:prstGeom>
+                <a:noFill/>
+              </p:spPr>
+              <p:txBody>
+                <a:bodyPr wrap="none" rtlCol="0">
+                  <a:spAutoFit/>
+                </a:bodyPr>
+                <a:lstStyle>
+                  <a:defPPr>
+                    <a:defRPr lang="en-US"/>
+                  </a:defPPr>
+                  <a:lvl1pPr marL="0" algn="l" defTabSz="914400" rtl="0" eaLnBrk="1" latinLnBrk="0" hangingPunct="1">
+                    <a:defRPr sz="1800" kern="1200">
+                      <a:solidFill>
+                        <a:schemeClr val="tx1"/>
+                      </a:solidFill>
+                      <a:latin typeface="+mn-lt"/>
+                      <a:ea typeface="+mn-ea"/>
+                      <a:cs typeface="+mn-cs"/>
+                    </a:defRPr>
+                  </a:lvl1pPr>
+                  <a:lvl2pPr marL="457200" algn="l" defTabSz="914400" rtl="0" eaLnBrk="1" latinLnBrk="0" hangingPunct="1">
+                    <a:defRPr sz="1800" kern="1200">
+                      <a:solidFill>
+                        <a:schemeClr val="tx1"/>
+                      </a:solidFill>
+                      <a:latin typeface="+mn-lt"/>
+                      <a:ea typeface="+mn-ea"/>
+                      <a:cs typeface="+mn-cs"/>
+                    </a:defRPr>
+                  </a:lvl2pPr>
+                  <a:lvl3pPr marL="914400" algn="l" defTabSz="914400" rtl="0" eaLnBrk="1" latinLnBrk="0" hangingPunct="1">
+                    <a:defRPr sz="1800" kern="1200">
+                      <a:solidFill>
+                        <a:schemeClr val="tx1"/>
+                      </a:solidFill>
+                      <a:latin typeface="+mn-lt"/>
+                      <a:ea typeface="+mn-ea"/>
+                      <a:cs typeface="+mn-cs"/>
+                    </a:defRPr>
+                  </a:lvl3pPr>
+                  <a:lvl4pPr marL="1371600" algn="l" defTabSz="914400" rtl="0" eaLnBrk="1" latinLnBrk="0" hangingPunct="1">
+                    <a:defRPr sz="1800" kern="1200">
+                      <a:solidFill>
+                        <a:schemeClr val="tx1"/>
+                      </a:solidFill>
+                      <a:latin typeface="+mn-lt"/>
+                      <a:ea typeface="+mn-ea"/>
+                      <a:cs typeface="+mn-cs"/>
+                    </a:defRPr>
+                  </a:lvl4pPr>
+                  <a:lvl5pPr marL="1828800" algn="l" defTabSz="914400" rtl="0" eaLnBrk="1" latinLnBrk="0" hangingPunct="1">
+                    <a:defRPr sz="1800" kern="1200">
+                      <a:solidFill>
+                        <a:schemeClr val="tx1"/>
+                      </a:solidFill>
+                      <a:latin typeface="+mn-lt"/>
+                      <a:ea typeface="+mn-ea"/>
+                      <a:cs typeface="+mn-cs"/>
+                    </a:defRPr>
+                  </a:lvl5pPr>
+                  <a:lvl6pPr marL="2286000" algn="l" defTabSz="914400" rtl="0" eaLnBrk="1" latinLnBrk="0" hangingPunct="1">
+                    <a:defRPr sz="1800" kern="1200">
+                      <a:solidFill>
+                        <a:schemeClr val="tx1"/>
+                      </a:solidFill>
+                      <a:latin typeface="+mn-lt"/>
+                      <a:ea typeface="+mn-ea"/>
+                      <a:cs typeface="+mn-cs"/>
+                    </a:defRPr>
+                  </a:lvl6pPr>
+                  <a:lvl7pPr marL="2743200" algn="l" defTabSz="914400" rtl="0" eaLnBrk="1" latinLnBrk="0" hangingPunct="1">
+                    <a:defRPr sz="1800" kern="1200">
+                      <a:solidFill>
+                        <a:schemeClr val="tx1"/>
+                      </a:solidFill>
+                      <a:latin typeface="+mn-lt"/>
+                      <a:ea typeface="+mn-ea"/>
+                      <a:cs typeface="+mn-cs"/>
+                    </a:defRPr>
+                  </a:lvl7pPr>
+                  <a:lvl8pPr marL="3200400" algn="l" defTabSz="914400" rtl="0" eaLnBrk="1" latinLnBrk="0" hangingPunct="1">
+                    <a:defRPr sz="1800" kern="1200">
+                      <a:solidFill>
+                        <a:schemeClr val="tx1"/>
+                      </a:solidFill>
+                      <a:latin typeface="+mn-lt"/>
+                      <a:ea typeface="+mn-ea"/>
+                      <a:cs typeface="+mn-cs"/>
+                    </a:defRPr>
+                  </a:lvl8pPr>
+                  <a:lvl9pPr marL="3657600" algn="l" defTabSz="914400" rtl="0" eaLnBrk="1" latinLnBrk="0" hangingPunct="1">
+                    <a:defRPr sz="1800" kern="1200">
+                      <a:solidFill>
+                        <a:schemeClr val="tx1"/>
+                      </a:solidFill>
+                      <a:latin typeface="+mn-lt"/>
+                      <a:ea typeface="+mn-ea"/>
+                      <a:cs typeface="+mn-cs"/>
+                    </a:defRPr>
+                  </a:lvl9pPr>
+                </a:lstStyle>
+                <a:p>
+                  <a:r>
+                    <a:rPr lang="en-US" sz="2000" dirty="0"/>
+                    <a:t>0.6</a:t>
+                  </a:r>
+                </a:p>
+              </p:txBody>
+            </p:sp>
+            <p:sp>
+              <p:nvSpPr>
+                <p:cNvPr id="16" name="TextBox 54">
+                  <a:extLst>
+                    <a:ext uri="{FF2B5EF4-FFF2-40B4-BE49-F238E27FC236}">
+                      <a16:creationId xmlns:a16="http://schemas.microsoft.com/office/drawing/2014/main" id="{38B3ED0A-B1EA-4F18-BEE6-F1919140AE0E}"/>
+                    </a:ext>
+                  </a:extLst>
+                </p:cNvPr>
+                <p:cNvSpPr txBox="1"/>
+                <p:nvPr/>
+              </p:nvSpPr>
+              <p:spPr>
+                <a:xfrm>
+                  <a:off x="5954139" y="5219542"/>
+                  <a:ext cx="508473" cy="400110"/>
+                </a:xfrm>
+                <a:prstGeom prst="rect">
+                  <a:avLst/>
+                </a:prstGeom>
+                <a:noFill/>
+              </p:spPr>
+              <p:txBody>
+                <a:bodyPr wrap="none" rtlCol="0">
+                  <a:spAutoFit/>
+                </a:bodyPr>
+                <a:lstStyle>
+                  <a:defPPr>
+                    <a:defRPr lang="en-US"/>
+                  </a:defPPr>
+                  <a:lvl1pPr marL="0" algn="l" defTabSz="914400" rtl="0" eaLnBrk="1" latinLnBrk="0" hangingPunct="1">
+                    <a:defRPr sz="1800" kern="1200">
+                      <a:solidFill>
+                        <a:schemeClr val="tx1"/>
+                      </a:solidFill>
+                      <a:latin typeface="+mn-lt"/>
+                      <a:ea typeface="+mn-ea"/>
+                      <a:cs typeface="+mn-cs"/>
+                    </a:defRPr>
+                  </a:lvl1pPr>
+                  <a:lvl2pPr marL="457200" algn="l" defTabSz="914400" rtl="0" eaLnBrk="1" latinLnBrk="0" hangingPunct="1">
+                    <a:defRPr sz="1800" kern="1200">
+                      <a:solidFill>
+                        <a:schemeClr val="tx1"/>
+                      </a:solidFill>
+                      <a:latin typeface="+mn-lt"/>
+                      <a:ea typeface="+mn-ea"/>
+                      <a:cs typeface="+mn-cs"/>
+                    </a:defRPr>
+                  </a:lvl2pPr>
+                  <a:lvl3pPr marL="914400" algn="l" defTabSz="914400" rtl="0" eaLnBrk="1" latinLnBrk="0" hangingPunct="1">
+                    <a:defRPr sz="1800" kern="1200">
+                      <a:solidFill>
+                        <a:schemeClr val="tx1"/>
+                      </a:solidFill>
+                      <a:latin typeface="+mn-lt"/>
+                      <a:ea typeface="+mn-ea"/>
+                      <a:cs typeface="+mn-cs"/>
+                    </a:defRPr>
+                  </a:lvl3pPr>
+                  <a:lvl4pPr marL="1371600" algn="l" defTabSz="914400" rtl="0" eaLnBrk="1" latinLnBrk="0" hangingPunct="1">
+                    <a:defRPr sz="1800" kern="1200">
+                      <a:solidFill>
+                        <a:schemeClr val="tx1"/>
+                      </a:solidFill>
+                      <a:latin typeface="+mn-lt"/>
+                      <a:ea typeface="+mn-ea"/>
+                      <a:cs typeface="+mn-cs"/>
+                    </a:defRPr>
+                  </a:lvl4pPr>
+                  <a:lvl5pPr marL="1828800" algn="l" defTabSz="914400" rtl="0" eaLnBrk="1" latinLnBrk="0" hangingPunct="1">
+                    <a:defRPr sz="1800" kern="1200">
+                      <a:solidFill>
+                        <a:schemeClr val="tx1"/>
+                      </a:solidFill>
+                      <a:latin typeface="+mn-lt"/>
+                      <a:ea typeface="+mn-ea"/>
+                      <a:cs typeface="+mn-cs"/>
+                    </a:defRPr>
+                  </a:lvl5pPr>
+                  <a:lvl6pPr marL="2286000" algn="l" defTabSz="914400" rtl="0" eaLnBrk="1" latinLnBrk="0" hangingPunct="1">
+                    <a:defRPr sz="1800" kern="1200">
+                      <a:solidFill>
+                        <a:schemeClr val="tx1"/>
+                      </a:solidFill>
+                      <a:latin typeface="+mn-lt"/>
+                      <a:ea typeface="+mn-ea"/>
+                      <a:cs typeface="+mn-cs"/>
+                    </a:defRPr>
+                  </a:lvl6pPr>
+                  <a:lvl7pPr marL="2743200" algn="l" defTabSz="914400" rtl="0" eaLnBrk="1" latinLnBrk="0" hangingPunct="1">
+                    <a:defRPr sz="1800" kern="1200">
+                      <a:solidFill>
+                        <a:schemeClr val="tx1"/>
+                      </a:solidFill>
+                      <a:latin typeface="+mn-lt"/>
+                      <a:ea typeface="+mn-ea"/>
+                      <a:cs typeface="+mn-cs"/>
+                    </a:defRPr>
+                  </a:lvl7pPr>
+                  <a:lvl8pPr marL="3200400" algn="l" defTabSz="914400" rtl="0" eaLnBrk="1" latinLnBrk="0" hangingPunct="1">
+                    <a:defRPr sz="1800" kern="1200">
+                      <a:solidFill>
+                        <a:schemeClr val="tx1"/>
+                      </a:solidFill>
+                      <a:latin typeface="+mn-lt"/>
+                      <a:ea typeface="+mn-ea"/>
+                      <a:cs typeface="+mn-cs"/>
+                    </a:defRPr>
+                  </a:lvl8pPr>
+                  <a:lvl9pPr marL="3657600" algn="l" defTabSz="914400" rtl="0" eaLnBrk="1" latinLnBrk="0" hangingPunct="1">
+                    <a:defRPr sz="1800" kern="1200">
+                      <a:solidFill>
+                        <a:schemeClr val="tx1"/>
+                      </a:solidFill>
+                      <a:latin typeface="+mn-lt"/>
+                      <a:ea typeface="+mn-ea"/>
+                      <a:cs typeface="+mn-cs"/>
+                    </a:defRPr>
+                  </a:lvl9pPr>
+                </a:lstStyle>
+                <a:p>
+                  <a:r>
+                    <a:rPr lang="en-US" sz="2000" dirty="0"/>
+                    <a:t>0.8</a:t>
+                  </a:r>
+                </a:p>
+              </p:txBody>
+            </p:sp>
+            <p:sp>
+              <p:nvSpPr>
+                <p:cNvPr id="17" name="TextBox 55">
+                  <a:extLst>
+                    <a:ext uri="{FF2B5EF4-FFF2-40B4-BE49-F238E27FC236}">
+                      <a16:creationId xmlns:a16="http://schemas.microsoft.com/office/drawing/2014/main" id="{8A004A12-5EB2-452E-9E14-97CD24BD2C6C}"/>
+                    </a:ext>
+                  </a:extLst>
+                </p:cNvPr>
+                <p:cNvSpPr txBox="1"/>
+                <p:nvPr/>
+              </p:nvSpPr>
+              <p:spPr>
+                <a:xfrm>
+                  <a:off x="6585213" y="5214779"/>
+                  <a:ext cx="508473" cy="400110"/>
+                </a:xfrm>
+                <a:prstGeom prst="rect">
+                  <a:avLst/>
+                </a:prstGeom>
+                <a:noFill/>
+              </p:spPr>
+              <p:txBody>
+                <a:bodyPr wrap="none" rtlCol="0">
+                  <a:spAutoFit/>
+                </a:bodyPr>
+                <a:lstStyle>
+                  <a:defPPr>
+                    <a:defRPr lang="en-US"/>
+                  </a:defPPr>
+                  <a:lvl1pPr marL="0" algn="l" defTabSz="914400" rtl="0" eaLnBrk="1" latinLnBrk="0" hangingPunct="1">
+                    <a:defRPr sz="1800" kern="1200">
+                      <a:solidFill>
+                        <a:schemeClr val="tx1"/>
+                      </a:solidFill>
+                      <a:latin typeface="+mn-lt"/>
+                      <a:ea typeface="+mn-ea"/>
+                      <a:cs typeface="+mn-cs"/>
+                    </a:defRPr>
+                  </a:lvl1pPr>
+                  <a:lvl2pPr marL="457200" algn="l" defTabSz="914400" rtl="0" eaLnBrk="1" latinLnBrk="0" hangingPunct="1">
+                    <a:defRPr sz="1800" kern="1200">
+                      <a:solidFill>
+                        <a:schemeClr val="tx1"/>
+                      </a:solidFill>
+                      <a:latin typeface="+mn-lt"/>
+                      <a:ea typeface="+mn-ea"/>
+                      <a:cs typeface="+mn-cs"/>
+                    </a:defRPr>
+                  </a:lvl2pPr>
+                  <a:lvl3pPr marL="914400" algn="l" defTabSz="914400" rtl="0" eaLnBrk="1" latinLnBrk="0" hangingPunct="1">
+                    <a:defRPr sz="1800" kern="1200">
+                      <a:solidFill>
+                        <a:schemeClr val="tx1"/>
+                      </a:solidFill>
+                      <a:latin typeface="+mn-lt"/>
+                      <a:ea typeface="+mn-ea"/>
+                      <a:cs typeface="+mn-cs"/>
+                    </a:defRPr>
+                  </a:lvl3pPr>
+                  <a:lvl4pPr marL="1371600" algn="l" defTabSz="914400" rtl="0" eaLnBrk="1" latinLnBrk="0" hangingPunct="1">
+                    <a:defRPr sz="1800" kern="1200">
+                      <a:solidFill>
+                        <a:schemeClr val="tx1"/>
+                      </a:solidFill>
+                      <a:latin typeface="+mn-lt"/>
+                      <a:ea typeface="+mn-ea"/>
+                      <a:cs typeface="+mn-cs"/>
+                    </a:defRPr>
+                  </a:lvl4pPr>
+                  <a:lvl5pPr marL="1828800" algn="l" defTabSz="914400" rtl="0" eaLnBrk="1" latinLnBrk="0" hangingPunct="1">
+                    <a:defRPr sz="1800" kern="1200">
+                      <a:solidFill>
+                        <a:schemeClr val="tx1"/>
+                      </a:solidFill>
+                      <a:latin typeface="+mn-lt"/>
+                      <a:ea typeface="+mn-ea"/>
+                      <a:cs typeface="+mn-cs"/>
+                    </a:defRPr>
+                  </a:lvl5pPr>
+                  <a:lvl6pPr marL="2286000" algn="l" defTabSz="914400" rtl="0" eaLnBrk="1" latinLnBrk="0" hangingPunct="1">
+                    <a:defRPr sz="1800" kern="1200">
+                      <a:solidFill>
+                        <a:schemeClr val="tx1"/>
+                      </a:solidFill>
+                      <a:latin typeface="+mn-lt"/>
+                      <a:ea typeface="+mn-ea"/>
+                      <a:cs typeface="+mn-cs"/>
+                    </a:defRPr>
+                  </a:lvl6pPr>
+                  <a:lvl7pPr marL="2743200" algn="l" defTabSz="914400" rtl="0" eaLnBrk="1" latinLnBrk="0" hangingPunct="1">
+                    <a:defRPr sz="1800" kern="1200">
+                      <a:solidFill>
+                        <a:schemeClr val="tx1"/>
+                      </a:solidFill>
+                      <a:latin typeface="+mn-lt"/>
+                      <a:ea typeface="+mn-ea"/>
+                      <a:cs typeface="+mn-cs"/>
+                    </a:defRPr>
+                  </a:lvl7pPr>
+                  <a:lvl8pPr marL="3200400" algn="l" defTabSz="914400" rtl="0" eaLnBrk="1" latinLnBrk="0" hangingPunct="1">
+                    <a:defRPr sz="1800" kern="1200">
+                      <a:solidFill>
+                        <a:schemeClr val="tx1"/>
+                      </a:solidFill>
+                      <a:latin typeface="+mn-lt"/>
+                      <a:ea typeface="+mn-ea"/>
+                      <a:cs typeface="+mn-cs"/>
+                    </a:defRPr>
+                  </a:lvl8pPr>
+                  <a:lvl9pPr marL="3657600" algn="l" defTabSz="914400" rtl="0" eaLnBrk="1" latinLnBrk="0" hangingPunct="1">
+                    <a:defRPr sz="1800" kern="1200">
+                      <a:solidFill>
+                        <a:schemeClr val="tx1"/>
+                      </a:solidFill>
+                      <a:latin typeface="+mn-lt"/>
+                      <a:ea typeface="+mn-ea"/>
+                      <a:cs typeface="+mn-cs"/>
+                    </a:defRPr>
+                  </a:lvl9pPr>
+                </a:lstStyle>
+                <a:p>
+                  <a:r>
+                    <a:rPr lang="en-US" sz="2000" dirty="0"/>
+                    <a:t>1.0</a:t>
+                  </a:r>
+                </a:p>
+              </p:txBody>
+            </p:sp>
+          </p:grpSp>
+          <p:grpSp>
+            <p:nvGrpSpPr>
+              <p:cNvPr id="4" name="Group 58">
+                <a:extLst>
+                  <a:ext uri="{FF2B5EF4-FFF2-40B4-BE49-F238E27FC236}">
+                    <a16:creationId xmlns:a16="http://schemas.microsoft.com/office/drawing/2014/main" id="{8A6DC59C-9769-4F20-8496-E463F9162EDE}"/>
+                  </a:ext>
+                </a:extLst>
+              </p:cNvPr>
+              <p:cNvGrpSpPr/>
+              <p:nvPr/>
+            </p:nvGrpSpPr>
+            <p:grpSpPr>
+              <a:xfrm rot="16200000">
+                <a:off x="2814911" y="3079310"/>
+                <a:ext cx="3366947" cy="508475"/>
+                <a:chOff x="3436292" y="5123410"/>
+                <a:chExt cx="3366947" cy="508475"/>
+              </a:xfrm>
+            </p:grpSpPr>
+            <p:sp>
+              <p:nvSpPr>
+                <p:cNvPr id="6" name="TextBox 59">
+                  <a:extLst>
+                    <a:ext uri="{FF2B5EF4-FFF2-40B4-BE49-F238E27FC236}">
+                      <a16:creationId xmlns:a16="http://schemas.microsoft.com/office/drawing/2014/main" id="{4C2A8DA8-ED7C-42C4-B837-940E9ADB6BA3}"/>
+                    </a:ext>
+                  </a:extLst>
+                </p:cNvPr>
+                <p:cNvSpPr txBox="1"/>
+                <p:nvPr/>
+              </p:nvSpPr>
+              <p:spPr>
+                <a:xfrm rot="5400000">
+                  <a:off x="3382110" y="5177593"/>
+                  <a:ext cx="508473" cy="400110"/>
+                </a:xfrm>
+                <a:prstGeom prst="rect">
+                  <a:avLst/>
+                </a:prstGeom>
+                <a:noFill/>
+              </p:spPr>
+              <p:txBody>
+                <a:bodyPr wrap="none" rtlCol="0">
+                  <a:spAutoFit/>
+                </a:bodyPr>
+                <a:lstStyle>
+                  <a:defPPr>
+                    <a:defRPr lang="en-US"/>
+                  </a:defPPr>
+                  <a:lvl1pPr marL="0" algn="l" defTabSz="914400" rtl="0" eaLnBrk="1" latinLnBrk="0" hangingPunct="1">
+                    <a:defRPr sz="1800" kern="1200">
+                      <a:solidFill>
+                        <a:schemeClr val="tx1"/>
+                      </a:solidFill>
+                      <a:latin typeface="+mn-lt"/>
+                      <a:ea typeface="+mn-ea"/>
+                      <a:cs typeface="+mn-cs"/>
+                    </a:defRPr>
+                  </a:lvl1pPr>
+                  <a:lvl2pPr marL="457200" algn="l" defTabSz="914400" rtl="0" eaLnBrk="1" latinLnBrk="0" hangingPunct="1">
+                    <a:defRPr sz="1800" kern="1200">
+                      <a:solidFill>
+                        <a:schemeClr val="tx1"/>
+                      </a:solidFill>
+                      <a:latin typeface="+mn-lt"/>
+                      <a:ea typeface="+mn-ea"/>
+                      <a:cs typeface="+mn-cs"/>
+                    </a:defRPr>
+                  </a:lvl2pPr>
+                  <a:lvl3pPr marL="914400" algn="l" defTabSz="914400" rtl="0" eaLnBrk="1" latinLnBrk="0" hangingPunct="1">
+                    <a:defRPr sz="1800" kern="1200">
+                      <a:solidFill>
+                        <a:schemeClr val="tx1"/>
+                      </a:solidFill>
+                      <a:latin typeface="+mn-lt"/>
+                      <a:ea typeface="+mn-ea"/>
+                      <a:cs typeface="+mn-cs"/>
+                    </a:defRPr>
+                  </a:lvl3pPr>
+                  <a:lvl4pPr marL="1371600" algn="l" defTabSz="914400" rtl="0" eaLnBrk="1" latinLnBrk="0" hangingPunct="1">
+                    <a:defRPr sz="1800" kern="1200">
+                      <a:solidFill>
+                        <a:schemeClr val="tx1"/>
+                      </a:solidFill>
+                      <a:latin typeface="+mn-lt"/>
+                      <a:ea typeface="+mn-ea"/>
+                      <a:cs typeface="+mn-cs"/>
+                    </a:defRPr>
+                  </a:lvl4pPr>
+                  <a:lvl5pPr marL="1828800" algn="l" defTabSz="914400" rtl="0" eaLnBrk="1" latinLnBrk="0" hangingPunct="1">
+                    <a:defRPr sz="1800" kern="1200">
+                      <a:solidFill>
+                        <a:schemeClr val="tx1"/>
+                      </a:solidFill>
+                      <a:latin typeface="+mn-lt"/>
+                      <a:ea typeface="+mn-ea"/>
+                      <a:cs typeface="+mn-cs"/>
+                    </a:defRPr>
+                  </a:lvl5pPr>
+                  <a:lvl6pPr marL="2286000" algn="l" defTabSz="914400" rtl="0" eaLnBrk="1" latinLnBrk="0" hangingPunct="1">
+                    <a:defRPr sz="1800" kern="1200">
+                      <a:solidFill>
+                        <a:schemeClr val="tx1"/>
+                      </a:solidFill>
+                      <a:latin typeface="+mn-lt"/>
+                      <a:ea typeface="+mn-ea"/>
+                      <a:cs typeface="+mn-cs"/>
+                    </a:defRPr>
+                  </a:lvl6pPr>
+                  <a:lvl7pPr marL="2743200" algn="l" defTabSz="914400" rtl="0" eaLnBrk="1" latinLnBrk="0" hangingPunct="1">
+                    <a:defRPr sz="1800" kern="1200">
+                      <a:solidFill>
+                        <a:schemeClr val="tx1"/>
+                      </a:solidFill>
+                      <a:latin typeface="+mn-lt"/>
+                      <a:ea typeface="+mn-ea"/>
+                      <a:cs typeface="+mn-cs"/>
+                    </a:defRPr>
+                  </a:lvl7pPr>
+                  <a:lvl8pPr marL="3200400" algn="l" defTabSz="914400" rtl="0" eaLnBrk="1" latinLnBrk="0" hangingPunct="1">
+                    <a:defRPr sz="1800" kern="1200">
+                      <a:solidFill>
+                        <a:schemeClr val="tx1"/>
+                      </a:solidFill>
+                      <a:latin typeface="+mn-lt"/>
+                      <a:ea typeface="+mn-ea"/>
+                      <a:cs typeface="+mn-cs"/>
+                    </a:defRPr>
+                  </a:lvl8pPr>
+                  <a:lvl9pPr marL="3657600" algn="l" defTabSz="914400" rtl="0" eaLnBrk="1" latinLnBrk="0" hangingPunct="1">
+                    <a:defRPr sz="1800" kern="1200">
+                      <a:solidFill>
+                        <a:schemeClr val="tx1"/>
+                      </a:solidFill>
+                      <a:latin typeface="+mn-lt"/>
+                      <a:ea typeface="+mn-ea"/>
+                      <a:cs typeface="+mn-cs"/>
+                    </a:defRPr>
+                  </a:lvl9pPr>
+                </a:lstStyle>
+                <a:p>
+                  <a:r>
+                    <a:rPr lang="en-US" sz="2000" dirty="0"/>
+                    <a:t>0.0</a:t>
+                  </a:r>
+                </a:p>
+              </p:txBody>
+            </p:sp>
+            <p:sp>
+              <p:nvSpPr>
+                <p:cNvPr id="7" name="TextBox 60">
+                  <a:extLst>
+                    <a:ext uri="{FF2B5EF4-FFF2-40B4-BE49-F238E27FC236}">
+                      <a16:creationId xmlns:a16="http://schemas.microsoft.com/office/drawing/2014/main" id="{AC52890D-8D80-4A07-A3E6-0B46910C8935}"/>
+                    </a:ext>
+                  </a:extLst>
+                </p:cNvPr>
+                <p:cNvSpPr txBox="1"/>
+                <p:nvPr/>
+              </p:nvSpPr>
+              <p:spPr>
+                <a:xfrm rot="5400000">
+                  <a:off x="3970324" y="5177593"/>
+                  <a:ext cx="508473" cy="400110"/>
+                </a:xfrm>
+                <a:prstGeom prst="rect">
+                  <a:avLst/>
+                </a:prstGeom>
+                <a:noFill/>
+              </p:spPr>
+              <p:txBody>
+                <a:bodyPr wrap="none" rtlCol="0">
+                  <a:spAutoFit/>
+                </a:bodyPr>
+                <a:lstStyle>
+                  <a:defPPr>
+                    <a:defRPr lang="en-US"/>
+                  </a:defPPr>
+                  <a:lvl1pPr marL="0" algn="l" defTabSz="914400" rtl="0" eaLnBrk="1" latinLnBrk="0" hangingPunct="1">
+                    <a:defRPr sz="1800" kern="1200">
+                      <a:solidFill>
+                        <a:schemeClr val="tx1"/>
+                      </a:solidFill>
+                      <a:latin typeface="+mn-lt"/>
+                      <a:ea typeface="+mn-ea"/>
+                      <a:cs typeface="+mn-cs"/>
+                    </a:defRPr>
+                  </a:lvl1pPr>
+                  <a:lvl2pPr marL="457200" algn="l" defTabSz="914400" rtl="0" eaLnBrk="1" latinLnBrk="0" hangingPunct="1">
+                    <a:defRPr sz="1800" kern="1200">
+                      <a:solidFill>
+                        <a:schemeClr val="tx1"/>
+                      </a:solidFill>
+                      <a:latin typeface="+mn-lt"/>
+                      <a:ea typeface="+mn-ea"/>
+                      <a:cs typeface="+mn-cs"/>
+                    </a:defRPr>
+                  </a:lvl2pPr>
+                  <a:lvl3pPr marL="914400" algn="l" defTabSz="914400" rtl="0" eaLnBrk="1" latinLnBrk="0" hangingPunct="1">
+                    <a:defRPr sz="1800" kern="1200">
+                      <a:solidFill>
+                        <a:schemeClr val="tx1"/>
+                      </a:solidFill>
+                      <a:latin typeface="+mn-lt"/>
+                      <a:ea typeface="+mn-ea"/>
+                      <a:cs typeface="+mn-cs"/>
+                    </a:defRPr>
+                  </a:lvl3pPr>
+                  <a:lvl4pPr marL="1371600" algn="l" defTabSz="914400" rtl="0" eaLnBrk="1" latinLnBrk="0" hangingPunct="1">
+                    <a:defRPr sz="1800" kern="1200">
+                      <a:solidFill>
+                        <a:schemeClr val="tx1"/>
+                      </a:solidFill>
+                      <a:latin typeface="+mn-lt"/>
+                      <a:ea typeface="+mn-ea"/>
+                      <a:cs typeface="+mn-cs"/>
+                    </a:defRPr>
+                  </a:lvl4pPr>
+                  <a:lvl5pPr marL="1828800" algn="l" defTabSz="914400" rtl="0" eaLnBrk="1" latinLnBrk="0" hangingPunct="1">
+                    <a:defRPr sz="1800" kern="1200">
+                      <a:solidFill>
+                        <a:schemeClr val="tx1"/>
+                      </a:solidFill>
+                      <a:latin typeface="+mn-lt"/>
+                      <a:ea typeface="+mn-ea"/>
+                      <a:cs typeface="+mn-cs"/>
+                    </a:defRPr>
+                  </a:lvl5pPr>
+                  <a:lvl6pPr marL="2286000" algn="l" defTabSz="914400" rtl="0" eaLnBrk="1" latinLnBrk="0" hangingPunct="1">
+                    <a:defRPr sz="1800" kern="1200">
+                      <a:solidFill>
+                        <a:schemeClr val="tx1"/>
+                      </a:solidFill>
+                      <a:latin typeface="+mn-lt"/>
+                      <a:ea typeface="+mn-ea"/>
+                      <a:cs typeface="+mn-cs"/>
+                    </a:defRPr>
+                  </a:lvl6pPr>
+                  <a:lvl7pPr marL="2743200" algn="l" defTabSz="914400" rtl="0" eaLnBrk="1" latinLnBrk="0" hangingPunct="1">
+                    <a:defRPr sz="1800" kern="1200">
+                      <a:solidFill>
+                        <a:schemeClr val="tx1"/>
+                      </a:solidFill>
+                      <a:latin typeface="+mn-lt"/>
+                      <a:ea typeface="+mn-ea"/>
+                      <a:cs typeface="+mn-cs"/>
+                    </a:defRPr>
+                  </a:lvl7pPr>
+                  <a:lvl8pPr marL="3200400" algn="l" defTabSz="914400" rtl="0" eaLnBrk="1" latinLnBrk="0" hangingPunct="1">
+                    <a:defRPr sz="1800" kern="1200">
+                      <a:solidFill>
+                        <a:schemeClr val="tx1"/>
+                      </a:solidFill>
+                      <a:latin typeface="+mn-lt"/>
+                      <a:ea typeface="+mn-ea"/>
+                      <a:cs typeface="+mn-cs"/>
+                    </a:defRPr>
+                  </a:lvl8pPr>
+                  <a:lvl9pPr marL="3657600" algn="l" defTabSz="914400" rtl="0" eaLnBrk="1" latinLnBrk="0" hangingPunct="1">
+                    <a:defRPr sz="1800" kern="1200">
+                      <a:solidFill>
+                        <a:schemeClr val="tx1"/>
+                      </a:solidFill>
+                      <a:latin typeface="+mn-lt"/>
+                      <a:ea typeface="+mn-ea"/>
+                      <a:cs typeface="+mn-cs"/>
+                    </a:defRPr>
+                  </a:lvl9pPr>
+                </a:lstStyle>
+                <a:p>
+                  <a:r>
+                    <a:rPr lang="en-US" sz="2000" dirty="0"/>
+                    <a:t>0.2</a:t>
+                  </a:r>
+                </a:p>
+              </p:txBody>
+            </p:sp>
+            <p:sp>
+              <p:nvSpPr>
+                <p:cNvPr id="8" name="TextBox 61">
+                  <a:extLst>
+                    <a:ext uri="{FF2B5EF4-FFF2-40B4-BE49-F238E27FC236}">
+                      <a16:creationId xmlns:a16="http://schemas.microsoft.com/office/drawing/2014/main" id="{D2C17117-210D-4B44-8F6B-3B906D32E3E8}"/>
+                    </a:ext>
+                  </a:extLst>
+                </p:cNvPr>
+                <p:cNvSpPr txBox="1"/>
+                <p:nvPr/>
+              </p:nvSpPr>
+              <p:spPr>
+                <a:xfrm rot="5400000">
+                  <a:off x="4617785" y="5177593"/>
+                  <a:ext cx="508473" cy="400110"/>
+                </a:xfrm>
+                <a:prstGeom prst="rect">
+                  <a:avLst/>
+                </a:prstGeom>
+                <a:noFill/>
+              </p:spPr>
+              <p:txBody>
+                <a:bodyPr wrap="none" rtlCol="0">
+                  <a:spAutoFit/>
+                </a:bodyPr>
+                <a:lstStyle>
+                  <a:defPPr>
+                    <a:defRPr lang="en-US"/>
+                  </a:defPPr>
+                  <a:lvl1pPr marL="0" algn="l" defTabSz="914400" rtl="0" eaLnBrk="1" latinLnBrk="0" hangingPunct="1">
+                    <a:defRPr sz="1800" kern="1200">
+                      <a:solidFill>
+                        <a:schemeClr val="tx1"/>
+                      </a:solidFill>
+                      <a:latin typeface="+mn-lt"/>
+                      <a:ea typeface="+mn-ea"/>
+                      <a:cs typeface="+mn-cs"/>
+                    </a:defRPr>
+                  </a:lvl1pPr>
+                  <a:lvl2pPr marL="457200" algn="l" defTabSz="914400" rtl="0" eaLnBrk="1" latinLnBrk="0" hangingPunct="1">
+                    <a:defRPr sz="1800" kern="1200">
+                      <a:solidFill>
+                        <a:schemeClr val="tx1"/>
+                      </a:solidFill>
+                      <a:latin typeface="+mn-lt"/>
+                      <a:ea typeface="+mn-ea"/>
+                      <a:cs typeface="+mn-cs"/>
+                    </a:defRPr>
+                  </a:lvl2pPr>
+                  <a:lvl3pPr marL="914400" algn="l" defTabSz="914400" rtl="0" eaLnBrk="1" latinLnBrk="0" hangingPunct="1">
+                    <a:defRPr sz="1800" kern="1200">
+                      <a:solidFill>
+                        <a:schemeClr val="tx1"/>
+                      </a:solidFill>
+                      <a:latin typeface="+mn-lt"/>
+                      <a:ea typeface="+mn-ea"/>
+                      <a:cs typeface="+mn-cs"/>
+                    </a:defRPr>
+                  </a:lvl3pPr>
+                  <a:lvl4pPr marL="1371600" algn="l" defTabSz="914400" rtl="0" eaLnBrk="1" latinLnBrk="0" hangingPunct="1">
+                    <a:defRPr sz="1800" kern="1200">
+                      <a:solidFill>
+                        <a:schemeClr val="tx1"/>
+                      </a:solidFill>
+                      <a:latin typeface="+mn-lt"/>
+                      <a:ea typeface="+mn-ea"/>
+                      <a:cs typeface="+mn-cs"/>
+                    </a:defRPr>
+                  </a:lvl4pPr>
+                  <a:lvl5pPr marL="1828800" algn="l" defTabSz="914400" rtl="0" eaLnBrk="1" latinLnBrk="0" hangingPunct="1">
+                    <a:defRPr sz="1800" kern="1200">
+                      <a:solidFill>
+                        <a:schemeClr val="tx1"/>
+                      </a:solidFill>
+                      <a:latin typeface="+mn-lt"/>
+                      <a:ea typeface="+mn-ea"/>
+                      <a:cs typeface="+mn-cs"/>
+                    </a:defRPr>
+                  </a:lvl5pPr>
+                  <a:lvl6pPr marL="2286000" algn="l" defTabSz="914400" rtl="0" eaLnBrk="1" latinLnBrk="0" hangingPunct="1">
+                    <a:defRPr sz="1800" kern="1200">
+                      <a:solidFill>
+                        <a:schemeClr val="tx1"/>
+                      </a:solidFill>
+                      <a:latin typeface="+mn-lt"/>
+                      <a:ea typeface="+mn-ea"/>
+                      <a:cs typeface="+mn-cs"/>
+                    </a:defRPr>
+                  </a:lvl6pPr>
+                  <a:lvl7pPr marL="2743200" algn="l" defTabSz="914400" rtl="0" eaLnBrk="1" latinLnBrk="0" hangingPunct="1">
+                    <a:defRPr sz="1800" kern="1200">
+                      <a:solidFill>
+                        <a:schemeClr val="tx1"/>
+                      </a:solidFill>
+                      <a:latin typeface="+mn-lt"/>
+                      <a:ea typeface="+mn-ea"/>
+                      <a:cs typeface="+mn-cs"/>
+                    </a:defRPr>
+                  </a:lvl7pPr>
+                  <a:lvl8pPr marL="3200400" algn="l" defTabSz="914400" rtl="0" eaLnBrk="1" latinLnBrk="0" hangingPunct="1">
+                    <a:defRPr sz="1800" kern="1200">
+                      <a:solidFill>
+                        <a:schemeClr val="tx1"/>
+                      </a:solidFill>
+                      <a:latin typeface="+mn-lt"/>
+                      <a:ea typeface="+mn-ea"/>
+                      <a:cs typeface="+mn-cs"/>
+                    </a:defRPr>
+                  </a:lvl8pPr>
+                  <a:lvl9pPr marL="3657600" algn="l" defTabSz="914400" rtl="0" eaLnBrk="1" latinLnBrk="0" hangingPunct="1">
+                    <a:defRPr sz="1800" kern="1200">
+                      <a:solidFill>
+                        <a:schemeClr val="tx1"/>
+                      </a:solidFill>
+                      <a:latin typeface="+mn-lt"/>
+                      <a:ea typeface="+mn-ea"/>
+                      <a:cs typeface="+mn-cs"/>
+                    </a:defRPr>
+                  </a:lvl9pPr>
+                </a:lstStyle>
+                <a:p>
+                  <a:r>
+                    <a:rPr lang="en-US" sz="2000" dirty="0"/>
+                    <a:t>0.4</a:t>
+                  </a:r>
+                </a:p>
+              </p:txBody>
+            </p:sp>
+            <p:sp>
+              <p:nvSpPr>
+                <p:cNvPr id="9" name="TextBox 62">
+                  <a:extLst>
+                    <a:ext uri="{FF2B5EF4-FFF2-40B4-BE49-F238E27FC236}">
+                      <a16:creationId xmlns:a16="http://schemas.microsoft.com/office/drawing/2014/main" id="{ED1FD221-ACB5-4096-85BB-DE9D6EE29FD8}"/>
+                    </a:ext>
+                  </a:extLst>
+                </p:cNvPr>
+                <p:cNvSpPr txBox="1"/>
+                <p:nvPr/>
+              </p:nvSpPr>
+              <p:spPr>
+                <a:xfrm rot="5400000">
+                  <a:off x="5206000" y="5177593"/>
+                  <a:ext cx="508473" cy="400110"/>
+                </a:xfrm>
+                <a:prstGeom prst="rect">
+                  <a:avLst/>
+                </a:prstGeom>
+                <a:noFill/>
+              </p:spPr>
+              <p:txBody>
+                <a:bodyPr wrap="none" rtlCol="0">
+                  <a:spAutoFit/>
+                </a:bodyPr>
+                <a:lstStyle>
+                  <a:defPPr>
+                    <a:defRPr lang="en-US"/>
+                  </a:defPPr>
+                  <a:lvl1pPr marL="0" algn="l" defTabSz="914400" rtl="0" eaLnBrk="1" latinLnBrk="0" hangingPunct="1">
+                    <a:defRPr sz="1800" kern="1200">
+                      <a:solidFill>
+                        <a:schemeClr val="tx1"/>
+                      </a:solidFill>
+                      <a:latin typeface="+mn-lt"/>
+                      <a:ea typeface="+mn-ea"/>
+                      <a:cs typeface="+mn-cs"/>
+                    </a:defRPr>
+                  </a:lvl1pPr>
+                  <a:lvl2pPr marL="457200" algn="l" defTabSz="914400" rtl="0" eaLnBrk="1" latinLnBrk="0" hangingPunct="1">
+                    <a:defRPr sz="1800" kern="1200">
+                      <a:solidFill>
+                        <a:schemeClr val="tx1"/>
+                      </a:solidFill>
+                      <a:latin typeface="+mn-lt"/>
+                      <a:ea typeface="+mn-ea"/>
+                      <a:cs typeface="+mn-cs"/>
+                    </a:defRPr>
+                  </a:lvl2pPr>
+                  <a:lvl3pPr marL="914400" algn="l" defTabSz="914400" rtl="0" eaLnBrk="1" latinLnBrk="0" hangingPunct="1">
+                    <a:defRPr sz="1800" kern="1200">
+                      <a:solidFill>
+                        <a:schemeClr val="tx1"/>
+                      </a:solidFill>
+                      <a:latin typeface="+mn-lt"/>
+                      <a:ea typeface="+mn-ea"/>
+                      <a:cs typeface="+mn-cs"/>
+                    </a:defRPr>
+                  </a:lvl3pPr>
+                  <a:lvl4pPr marL="1371600" algn="l" defTabSz="914400" rtl="0" eaLnBrk="1" latinLnBrk="0" hangingPunct="1">
+                    <a:defRPr sz="1800" kern="1200">
+                      <a:solidFill>
+                        <a:schemeClr val="tx1"/>
+                      </a:solidFill>
+                      <a:latin typeface="+mn-lt"/>
+                      <a:ea typeface="+mn-ea"/>
+                      <a:cs typeface="+mn-cs"/>
+                    </a:defRPr>
+                  </a:lvl4pPr>
+                  <a:lvl5pPr marL="1828800" algn="l" defTabSz="914400" rtl="0" eaLnBrk="1" latinLnBrk="0" hangingPunct="1">
+                    <a:defRPr sz="1800" kern="1200">
+                      <a:solidFill>
+                        <a:schemeClr val="tx1"/>
+                      </a:solidFill>
+                      <a:latin typeface="+mn-lt"/>
+                      <a:ea typeface="+mn-ea"/>
+                      <a:cs typeface="+mn-cs"/>
+                    </a:defRPr>
+                  </a:lvl5pPr>
+                  <a:lvl6pPr marL="2286000" algn="l" defTabSz="914400" rtl="0" eaLnBrk="1" latinLnBrk="0" hangingPunct="1">
+                    <a:defRPr sz="1800" kern="1200">
+                      <a:solidFill>
+                        <a:schemeClr val="tx1"/>
+                      </a:solidFill>
+                      <a:latin typeface="+mn-lt"/>
+                      <a:ea typeface="+mn-ea"/>
+                      <a:cs typeface="+mn-cs"/>
+                    </a:defRPr>
+                  </a:lvl6pPr>
+                  <a:lvl7pPr marL="2743200" algn="l" defTabSz="914400" rtl="0" eaLnBrk="1" latinLnBrk="0" hangingPunct="1">
+                    <a:defRPr sz="1800" kern="1200">
+                      <a:solidFill>
+                        <a:schemeClr val="tx1"/>
+                      </a:solidFill>
+                      <a:latin typeface="+mn-lt"/>
+                      <a:ea typeface="+mn-ea"/>
+                      <a:cs typeface="+mn-cs"/>
+                    </a:defRPr>
+                  </a:lvl7pPr>
+                  <a:lvl8pPr marL="3200400" algn="l" defTabSz="914400" rtl="0" eaLnBrk="1" latinLnBrk="0" hangingPunct="1">
+                    <a:defRPr sz="1800" kern="1200">
+                      <a:solidFill>
+                        <a:schemeClr val="tx1"/>
+                      </a:solidFill>
+                      <a:latin typeface="+mn-lt"/>
+                      <a:ea typeface="+mn-ea"/>
+                      <a:cs typeface="+mn-cs"/>
+                    </a:defRPr>
+                  </a:lvl8pPr>
+                  <a:lvl9pPr marL="3657600" algn="l" defTabSz="914400" rtl="0" eaLnBrk="1" latinLnBrk="0" hangingPunct="1">
+                    <a:defRPr sz="1800" kern="1200">
+                      <a:solidFill>
+                        <a:schemeClr val="tx1"/>
+                      </a:solidFill>
+                      <a:latin typeface="+mn-lt"/>
+                      <a:ea typeface="+mn-ea"/>
+                      <a:cs typeface="+mn-cs"/>
+                    </a:defRPr>
+                  </a:lvl9pPr>
+                </a:lstStyle>
+                <a:p>
+                  <a:r>
+                    <a:rPr lang="en-US" sz="2000" dirty="0"/>
+                    <a:t>0.6</a:t>
+                  </a:r>
+                </a:p>
+              </p:txBody>
+            </p:sp>
+            <p:sp>
+              <p:nvSpPr>
+                <p:cNvPr id="10" name="TextBox 63">
+                  <a:extLst>
+                    <a:ext uri="{FF2B5EF4-FFF2-40B4-BE49-F238E27FC236}">
+                      <a16:creationId xmlns:a16="http://schemas.microsoft.com/office/drawing/2014/main" id="{0300B565-787A-4714-A7C8-3E855C82FB90}"/>
+                    </a:ext>
+                  </a:extLst>
+                </p:cNvPr>
+                <p:cNvSpPr txBox="1"/>
+                <p:nvPr/>
+              </p:nvSpPr>
+              <p:spPr>
+                <a:xfrm rot="5400000">
+                  <a:off x="5760731" y="5177594"/>
+                  <a:ext cx="508473" cy="400110"/>
+                </a:xfrm>
+                <a:prstGeom prst="rect">
+                  <a:avLst/>
+                </a:prstGeom>
+                <a:noFill/>
+              </p:spPr>
+              <p:txBody>
+                <a:bodyPr wrap="none" rtlCol="0">
+                  <a:spAutoFit/>
+                </a:bodyPr>
+                <a:lstStyle>
+                  <a:defPPr>
+                    <a:defRPr lang="en-US"/>
+                  </a:defPPr>
+                  <a:lvl1pPr marL="0" algn="l" defTabSz="914400" rtl="0" eaLnBrk="1" latinLnBrk="0" hangingPunct="1">
+                    <a:defRPr sz="1800" kern="1200">
+                      <a:solidFill>
+                        <a:schemeClr val="tx1"/>
+                      </a:solidFill>
+                      <a:latin typeface="+mn-lt"/>
+                      <a:ea typeface="+mn-ea"/>
+                      <a:cs typeface="+mn-cs"/>
+                    </a:defRPr>
+                  </a:lvl1pPr>
+                  <a:lvl2pPr marL="457200" algn="l" defTabSz="914400" rtl="0" eaLnBrk="1" latinLnBrk="0" hangingPunct="1">
+                    <a:defRPr sz="1800" kern="1200">
+                      <a:solidFill>
+                        <a:schemeClr val="tx1"/>
+                      </a:solidFill>
+                      <a:latin typeface="+mn-lt"/>
+                      <a:ea typeface="+mn-ea"/>
+                      <a:cs typeface="+mn-cs"/>
+                    </a:defRPr>
+                  </a:lvl2pPr>
+                  <a:lvl3pPr marL="914400" algn="l" defTabSz="914400" rtl="0" eaLnBrk="1" latinLnBrk="0" hangingPunct="1">
+                    <a:defRPr sz="1800" kern="1200">
+                      <a:solidFill>
+                        <a:schemeClr val="tx1"/>
+                      </a:solidFill>
+                      <a:latin typeface="+mn-lt"/>
+                      <a:ea typeface="+mn-ea"/>
+                      <a:cs typeface="+mn-cs"/>
+                    </a:defRPr>
+                  </a:lvl3pPr>
+                  <a:lvl4pPr marL="1371600" algn="l" defTabSz="914400" rtl="0" eaLnBrk="1" latinLnBrk="0" hangingPunct="1">
+                    <a:defRPr sz="1800" kern="1200">
+                      <a:solidFill>
+                        <a:schemeClr val="tx1"/>
+                      </a:solidFill>
+                      <a:latin typeface="+mn-lt"/>
+                      <a:ea typeface="+mn-ea"/>
+                      <a:cs typeface="+mn-cs"/>
+                    </a:defRPr>
+                  </a:lvl4pPr>
+                  <a:lvl5pPr marL="1828800" algn="l" defTabSz="914400" rtl="0" eaLnBrk="1" latinLnBrk="0" hangingPunct="1">
+                    <a:defRPr sz="1800" kern="1200">
+                      <a:solidFill>
+                        <a:schemeClr val="tx1"/>
+                      </a:solidFill>
+                      <a:latin typeface="+mn-lt"/>
+                      <a:ea typeface="+mn-ea"/>
+                      <a:cs typeface="+mn-cs"/>
+                    </a:defRPr>
+                  </a:lvl5pPr>
+                  <a:lvl6pPr marL="2286000" algn="l" defTabSz="914400" rtl="0" eaLnBrk="1" latinLnBrk="0" hangingPunct="1">
+                    <a:defRPr sz="1800" kern="1200">
+                      <a:solidFill>
+                        <a:schemeClr val="tx1"/>
+                      </a:solidFill>
+                      <a:latin typeface="+mn-lt"/>
+                      <a:ea typeface="+mn-ea"/>
+                      <a:cs typeface="+mn-cs"/>
+                    </a:defRPr>
+                  </a:lvl6pPr>
+                  <a:lvl7pPr marL="2743200" algn="l" defTabSz="914400" rtl="0" eaLnBrk="1" latinLnBrk="0" hangingPunct="1">
+                    <a:defRPr sz="1800" kern="1200">
+                      <a:solidFill>
+                        <a:schemeClr val="tx1"/>
+                      </a:solidFill>
+                      <a:latin typeface="+mn-lt"/>
+                      <a:ea typeface="+mn-ea"/>
+                      <a:cs typeface="+mn-cs"/>
+                    </a:defRPr>
+                  </a:lvl7pPr>
+                  <a:lvl8pPr marL="3200400" algn="l" defTabSz="914400" rtl="0" eaLnBrk="1" latinLnBrk="0" hangingPunct="1">
+                    <a:defRPr sz="1800" kern="1200">
+                      <a:solidFill>
+                        <a:schemeClr val="tx1"/>
+                      </a:solidFill>
+                      <a:latin typeface="+mn-lt"/>
+                      <a:ea typeface="+mn-ea"/>
+                      <a:cs typeface="+mn-cs"/>
+                    </a:defRPr>
+                  </a:lvl8pPr>
+                  <a:lvl9pPr marL="3657600" algn="l" defTabSz="914400" rtl="0" eaLnBrk="1" latinLnBrk="0" hangingPunct="1">
+                    <a:defRPr sz="1800" kern="1200">
+                      <a:solidFill>
+                        <a:schemeClr val="tx1"/>
+                      </a:solidFill>
+                      <a:latin typeface="+mn-lt"/>
+                      <a:ea typeface="+mn-ea"/>
+                      <a:cs typeface="+mn-cs"/>
+                    </a:defRPr>
+                  </a:lvl9pPr>
+                </a:lstStyle>
+                <a:p>
+                  <a:r>
+                    <a:rPr lang="en-US" sz="2000" dirty="0"/>
+                    <a:t>0.8</a:t>
+                  </a:r>
+                </a:p>
+              </p:txBody>
+            </p:sp>
+            <p:sp>
+              <p:nvSpPr>
+                <p:cNvPr id="11" name="TextBox 64">
+                  <a:extLst>
+                    <a:ext uri="{FF2B5EF4-FFF2-40B4-BE49-F238E27FC236}">
+                      <a16:creationId xmlns:a16="http://schemas.microsoft.com/office/drawing/2014/main" id="{A1711024-7208-464A-8DC8-91F0CA93C7D8}"/>
+                    </a:ext>
+                  </a:extLst>
+                </p:cNvPr>
+                <p:cNvSpPr txBox="1"/>
+                <p:nvPr/>
+              </p:nvSpPr>
+              <p:spPr>
+                <a:xfrm rot="5400000">
+                  <a:off x="6348947" y="5177592"/>
+                  <a:ext cx="508473" cy="400110"/>
+                </a:xfrm>
+                <a:prstGeom prst="rect">
+                  <a:avLst/>
+                </a:prstGeom>
+                <a:noFill/>
+              </p:spPr>
+              <p:txBody>
+                <a:bodyPr wrap="none" rtlCol="0">
+                  <a:spAutoFit/>
+                </a:bodyPr>
+                <a:lstStyle>
+                  <a:defPPr>
+                    <a:defRPr lang="en-US"/>
+                  </a:defPPr>
+                  <a:lvl1pPr marL="0" algn="l" defTabSz="914400" rtl="0" eaLnBrk="1" latinLnBrk="0" hangingPunct="1">
+                    <a:defRPr sz="1800" kern="1200">
+                      <a:solidFill>
+                        <a:schemeClr val="tx1"/>
+                      </a:solidFill>
+                      <a:latin typeface="+mn-lt"/>
+                      <a:ea typeface="+mn-ea"/>
+                      <a:cs typeface="+mn-cs"/>
+                    </a:defRPr>
+                  </a:lvl1pPr>
+                  <a:lvl2pPr marL="457200" algn="l" defTabSz="914400" rtl="0" eaLnBrk="1" latinLnBrk="0" hangingPunct="1">
+                    <a:defRPr sz="1800" kern="1200">
+                      <a:solidFill>
+                        <a:schemeClr val="tx1"/>
+                      </a:solidFill>
+                      <a:latin typeface="+mn-lt"/>
+                      <a:ea typeface="+mn-ea"/>
+                      <a:cs typeface="+mn-cs"/>
+                    </a:defRPr>
+                  </a:lvl2pPr>
+                  <a:lvl3pPr marL="914400" algn="l" defTabSz="914400" rtl="0" eaLnBrk="1" latinLnBrk="0" hangingPunct="1">
+                    <a:defRPr sz="1800" kern="1200">
+                      <a:solidFill>
+                        <a:schemeClr val="tx1"/>
+                      </a:solidFill>
+                      <a:latin typeface="+mn-lt"/>
+                      <a:ea typeface="+mn-ea"/>
+                      <a:cs typeface="+mn-cs"/>
+                    </a:defRPr>
+                  </a:lvl3pPr>
+                  <a:lvl4pPr marL="1371600" algn="l" defTabSz="914400" rtl="0" eaLnBrk="1" latinLnBrk="0" hangingPunct="1">
+                    <a:defRPr sz="1800" kern="1200">
+                      <a:solidFill>
+                        <a:schemeClr val="tx1"/>
+                      </a:solidFill>
+                      <a:latin typeface="+mn-lt"/>
+                      <a:ea typeface="+mn-ea"/>
+                      <a:cs typeface="+mn-cs"/>
+                    </a:defRPr>
+                  </a:lvl4pPr>
+                  <a:lvl5pPr marL="1828800" algn="l" defTabSz="914400" rtl="0" eaLnBrk="1" latinLnBrk="0" hangingPunct="1">
+                    <a:defRPr sz="1800" kern="1200">
+                      <a:solidFill>
+                        <a:schemeClr val="tx1"/>
+                      </a:solidFill>
+                      <a:latin typeface="+mn-lt"/>
+                      <a:ea typeface="+mn-ea"/>
+                      <a:cs typeface="+mn-cs"/>
+                    </a:defRPr>
+                  </a:lvl5pPr>
+                  <a:lvl6pPr marL="2286000" algn="l" defTabSz="914400" rtl="0" eaLnBrk="1" latinLnBrk="0" hangingPunct="1">
+                    <a:defRPr sz="1800" kern="1200">
+                      <a:solidFill>
+                        <a:schemeClr val="tx1"/>
+                      </a:solidFill>
+                      <a:latin typeface="+mn-lt"/>
+                      <a:ea typeface="+mn-ea"/>
+                      <a:cs typeface="+mn-cs"/>
+                    </a:defRPr>
+                  </a:lvl6pPr>
+                  <a:lvl7pPr marL="2743200" algn="l" defTabSz="914400" rtl="0" eaLnBrk="1" latinLnBrk="0" hangingPunct="1">
+                    <a:defRPr sz="1800" kern="1200">
+                      <a:solidFill>
+                        <a:schemeClr val="tx1"/>
+                      </a:solidFill>
+                      <a:latin typeface="+mn-lt"/>
+                      <a:ea typeface="+mn-ea"/>
+                      <a:cs typeface="+mn-cs"/>
+                    </a:defRPr>
+                  </a:lvl7pPr>
+                  <a:lvl8pPr marL="3200400" algn="l" defTabSz="914400" rtl="0" eaLnBrk="1" latinLnBrk="0" hangingPunct="1">
+                    <a:defRPr sz="1800" kern="1200">
+                      <a:solidFill>
+                        <a:schemeClr val="tx1"/>
+                      </a:solidFill>
+                      <a:latin typeface="+mn-lt"/>
+                      <a:ea typeface="+mn-ea"/>
+                      <a:cs typeface="+mn-cs"/>
+                    </a:defRPr>
+                  </a:lvl8pPr>
+                  <a:lvl9pPr marL="3657600" algn="l" defTabSz="914400" rtl="0" eaLnBrk="1" latinLnBrk="0" hangingPunct="1">
+                    <a:defRPr sz="1800" kern="1200">
+                      <a:solidFill>
+                        <a:schemeClr val="tx1"/>
+                      </a:solidFill>
+                      <a:latin typeface="+mn-lt"/>
+                      <a:ea typeface="+mn-ea"/>
+                      <a:cs typeface="+mn-cs"/>
+                    </a:defRPr>
+                  </a:lvl9pPr>
+                </a:lstStyle>
+                <a:p>
+                  <a:r>
+                    <a:rPr lang="en-US" sz="2000" dirty="0"/>
+                    <a:t>1.0</a:t>
+                  </a:r>
+                </a:p>
+              </p:txBody>
+            </p:sp>
+          </p:grpSp>
+          <p:cxnSp>
+            <p:nvCxnSpPr>
+              <p:cNvPr id="5" name="Straight Connector 66">
+                <a:extLst>
+                  <a:ext uri="{FF2B5EF4-FFF2-40B4-BE49-F238E27FC236}">
+                    <a16:creationId xmlns:a16="http://schemas.microsoft.com/office/drawing/2014/main" id="{9B43F679-ACD2-4D7E-8F1C-6E0E9DFA5E08}"/>
+                  </a:ext>
+                </a:extLst>
+              </p:cNvPr>
+              <p:cNvCxnSpPr>
+                <a:cxnSpLocks/>
+              </p:cNvCxnSpPr>
+              <p:nvPr/>
+            </p:nvCxnSpPr>
+            <p:spPr>
+              <a:xfrm flipV="1">
+                <a:off x="4712315" y="1771216"/>
+                <a:ext cx="3095625" cy="3086100"/>
+              </a:xfrm>
+              <a:prstGeom prst="line">
+                <a:avLst/>
+              </a:prstGeom>
+              <a:ln w="9525">
+                <a:solidFill>
+                  <a:schemeClr val="tx1"/>
+                </a:solidFill>
+                <a:prstDash val="dash"/>
+              </a:ln>
+            </p:spPr>
+            <p:style>
+              <a:lnRef idx="1">
+                <a:schemeClr val="accent1"/>
+              </a:lnRef>
+              <a:fillRef idx="0">
+                <a:schemeClr val="accent1"/>
+              </a:fillRef>
+              <a:effectRef idx="0">
+                <a:schemeClr val="accent1"/>
+              </a:effectRef>
+              <a:fontRef idx="minor">
+                <a:schemeClr val="tx1"/>
+              </a:fontRef>
+            </p:style>
+          </p:cxnSp>
+          <p:sp>
+            <p:nvSpPr>
+              <p:cNvPr id="49" name="任意多边形: 形状 48">
+                <a:extLst>
+                  <a:ext uri="{FF2B5EF4-FFF2-40B4-BE49-F238E27FC236}">
+                    <a16:creationId xmlns:a16="http://schemas.microsoft.com/office/drawing/2014/main" id="{9CA89E23-B6F4-4301-9503-98B522C4DC28}"/>
+                  </a:ext>
+                </a:extLst>
+              </p:cNvPr>
+              <p:cNvSpPr/>
+              <p:nvPr/>
+            </p:nvSpPr>
+            <p:spPr>
+              <a:xfrm>
+                <a:off x="4724400" y="1762125"/>
+                <a:ext cx="3076575" cy="3086100"/>
+              </a:xfrm>
+              <a:custGeom>
+                <a:avLst/>
+                <a:gdLst>
+                  <a:gd name="connsiteX0" fmla="*/ 0 w 3076575"/>
+                  <a:gd name="connsiteY0" fmla="*/ 3086100 h 3086100"/>
+                  <a:gd name="connsiteX1" fmla="*/ 1376363 w 3076575"/>
+                  <a:gd name="connsiteY1" fmla="*/ 1152525 h 3086100"/>
+                  <a:gd name="connsiteX2" fmla="*/ 3076575 w 3076575"/>
+                  <a:gd name="connsiteY2" fmla="*/ 0 h 3086100"/>
+                </a:gdLst>
+                <a:ahLst/>
+                <a:cxnLst>
+                  <a:cxn ang="0">
+                    <a:pos x="connsiteX0" y="connsiteY0"/>
+                  </a:cxn>
+                  <a:cxn ang="0">
+                    <a:pos x="connsiteX1" y="connsiteY1"/>
+                  </a:cxn>
+                  <a:cxn ang="0">
+                    <a:pos x="connsiteX2" y="connsiteY2"/>
+                  </a:cxn>
+                </a:cxnLst>
+                <a:rect l="l" t="t" r="r" b="b"/>
+                <a:pathLst>
+                  <a:path w="3076575" h="3086100">
+                    <a:moveTo>
+                      <a:pt x="0" y="3086100"/>
+                    </a:moveTo>
+                    <a:cubicBezTo>
+                      <a:pt x="431800" y="2376487"/>
+                      <a:pt x="863601" y="1666875"/>
+                      <a:pt x="1376363" y="1152525"/>
+                    </a:cubicBezTo>
+                    <a:cubicBezTo>
+                      <a:pt x="1889125" y="638175"/>
+                      <a:pt x="2482850" y="319087"/>
+                      <a:pt x="3076575" y="0"/>
+                    </a:cubicBezTo>
+                  </a:path>
+                </a:pathLst>
+              </a:custGeom>
+              <a:noFill/>
+              <a:ln>
+                <a:solidFill>
+                  <a:srgbClr val="FF0000"/>
+                </a:solidFill>
+              </a:ln>
+            </p:spPr>
+            <p:style>
+              <a:lnRef idx="2">
+                <a:schemeClr val="accent1">
+                  <a:shade val="50000"/>
+                </a:schemeClr>
+              </a:lnRef>
+              <a:fillRef idx="1">
+                <a:schemeClr val="accent1"/>
+              </a:fillRef>
+              <a:effectRef idx="0">
+                <a:schemeClr val="accent1"/>
+              </a:effectRef>
+              <a:fontRef idx="minor">
+                <a:schemeClr val="lt1"/>
+              </a:fontRef>
+            </p:style>
+            <p:txBody>
+              <a:bodyPr rtlCol="0" anchor="ctr"/>
+              <a:lstStyle/>
+              <a:p>
+                <a:pPr algn="ctr"/>
+                <a:endParaRPr lang="en-US" sz="2400"/>
+              </a:p>
+            </p:txBody>
+          </p:sp>
+          <p:sp>
+            <p:nvSpPr>
+              <p:cNvPr id="50" name="任意多边形: 形状 49">
+                <a:extLst>
+                  <a:ext uri="{FF2B5EF4-FFF2-40B4-BE49-F238E27FC236}">
+                    <a16:creationId xmlns:a16="http://schemas.microsoft.com/office/drawing/2014/main" id="{F2B5EDAD-D789-4CDA-A4EA-7953E5DA461B}"/>
+                  </a:ext>
+                </a:extLst>
+              </p:cNvPr>
+              <p:cNvSpPr/>
+              <p:nvPr/>
+            </p:nvSpPr>
+            <p:spPr>
+              <a:xfrm>
+                <a:off x="4729163" y="1757363"/>
+                <a:ext cx="3090862" cy="3100387"/>
+              </a:xfrm>
+              <a:custGeom>
+                <a:avLst/>
+                <a:gdLst>
+                  <a:gd name="connsiteX0" fmla="*/ 0 w 3090862"/>
+                  <a:gd name="connsiteY0" fmla="*/ 3100387 h 3100387"/>
+                  <a:gd name="connsiteX1" fmla="*/ 657225 w 3090862"/>
+                  <a:gd name="connsiteY1" fmla="*/ 881062 h 3100387"/>
+                  <a:gd name="connsiteX2" fmla="*/ 3090862 w 3090862"/>
+                  <a:gd name="connsiteY2" fmla="*/ 0 h 3100387"/>
+                </a:gdLst>
+                <a:ahLst/>
+                <a:cxnLst>
+                  <a:cxn ang="0">
+                    <a:pos x="connsiteX0" y="connsiteY0"/>
+                  </a:cxn>
+                  <a:cxn ang="0">
+                    <a:pos x="connsiteX1" y="connsiteY1"/>
+                  </a:cxn>
+                  <a:cxn ang="0">
+                    <a:pos x="connsiteX2" y="connsiteY2"/>
+                  </a:cxn>
+                </a:cxnLst>
+                <a:rect l="l" t="t" r="r" b="b"/>
+                <a:pathLst>
+                  <a:path w="3090862" h="3100387">
+                    <a:moveTo>
+                      <a:pt x="0" y="3100387"/>
+                    </a:moveTo>
+                    <a:cubicBezTo>
+                      <a:pt x="71040" y="2249090"/>
+                      <a:pt x="142081" y="1397793"/>
+                      <a:pt x="657225" y="881062"/>
+                    </a:cubicBezTo>
+                    <a:cubicBezTo>
+                      <a:pt x="1172369" y="364331"/>
+                      <a:pt x="2131615" y="182165"/>
+                      <a:pt x="3090862" y="0"/>
+                    </a:cubicBezTo>
+                  </a:path>
+                </a:pathLst>
+              </a:custGeom>
+              <a:noFill/>
+              <a:ln>
+                <a:solidFill>
+                  <a:srgbClr val="92D050"/>
+                </a:solidFill>
+              </a:ln>
+            </p:spPr>
+            <p:style>
+              <a:lnRef idx="2">
+                <a:schemeClr val="accent1">
+                  <a:shade val="50000"/>
+                </a:schemeClr>
+              </a:lnRef>
+              <a:fillRef idx="1">
+                <a:schemeClr val="accent1"/>
+              </a:fillRef>
+              <a:effectRef idx="0">
+                <a:schemeClr val="accent1"/>
+              </a:effectRef>
+              <a:fontRef idx="minor">
+                <a:schemeClr val="lt1"/>
+              </a:fontRef>
+            </p:style>
+            <p:txBody>
+              <a:bodyPr rtlCol="0" anchor="ctr"/>
+              <a:lstStyle/>
+              <a:p>
+                <a:pPr algn="ctr"/>
+                <a:endParaRPr lang="en-US" sz="2400"/>
+              </a:p>
+            </p:txBody>
+          </p:sp>
+          <p:sp>
+            <p:nvSpPr>
+              <p:cNvPr id="51" name="文本框 50">
+                <a:extLst>
+                  <a:ext uri="{FF2B5EF4-FFF2-40B4-BE49-F238E27FC236}">
+                    <a16:creationId xmlns:a16="http://schemas.microsoft.com/office/drawing/2014/main" id="{06EDCA9E-EB9B-4149-BBDB-D082AC0503BB}"/>
+                  </a:ext>
+                </a:extLst>
+              </p:cNvPr>
+              <p:cNvSpPr txBox="1"/>
+              <p:nvPr/>
+            </p:nvSpPr>
+            <p:spPr>
+              <a:xfrm>
+                <a:off x="5470831" y="3059668"/>
+                <a:ext cx="362600" cy="461665"/>
+              </a:xfrm>
+              <a:prstGeom prst="rect">
+                <a:avLst/>
+              </a:prstGeom>
+              <a:noFill/>
+            </p:spPr>
+            <p:txBody>
+              <a:bodyPr wrap="none" rtlCol="0">
+                <a:spAutoFit/>
+              </a:bodyPr>
+              <a:lstStyle/>
+              <a:p>
+                <a:r>
+                  <a:rPr lang="en-US" sz="2400" dirty="0"/>
+                  <a:t>A</a:t>
+                </a:r>
+              </a:p>
+            </p:txBody>
+          </p:sp>
+          <p:sp>
+            <p:nvSpPr>
+              <p:cNvPr id="52" name="文本框 51">
+                <a:extLst>
+                  <a:ext uri="{FF2B5EF4-FFF2-40B4-BE49-F238E27FC236}">
+                    <a16:creationId xmlns:a16="http://schemas.microsoft.com/office/drawing/2014/main" id="{B14616BF-D0AF-4012-ADE0-8CAB3C9E8A0C}"/>
+                  </a:ext>
+                </a:extLst>
+              </p:cNvPr>
+              <p:cNvSpPr txBox="1"/>
+              <p:nvPr/>
+            </p:nvSpPr>
+            <p:spPr>
+              <a:xfrm>
+                <a:off x="6073613" y="2112488"/>
+                <a:ext cx="351378" cy="461665"/>
+              </a:xfrm>
+              <a:prstGeom prst="rect">
+                <a:avLst/>
+              </a:prstGeom>
+              <a:noFill/>
+            </p:spPr>
+            <p:txBody>
+              <a:bodyPr wrap="none" rtlCol="0">
+                <a:spAutoFit/>
+              </a:bodyPr>
+              <a:lstStyle/>
+              <a:p>
+                <a:r>
+                  <a:rPr lang="en-US" sz="2400" dirty="0"/>
+                  <a:t>B</a:t>
+                </a:r>
+              </a:p>
+            </p:txBody>
+          </p:sp>
+        </p:grpSp>
+        <p:sp>
+          <p:nvSpPr>
+            <p:cNvPr id="54" name="文本框 53">
+              <a:extLst>
+                <a:ext uri="{FF2B5EF4-FFF2-40B4-BE49-F238E27FC236}">
+                  <a16:creationId xmlns:a16="http://schemas.microsoft.com/office/drawing/2014/main" id="{5E7C68C3-A0EF-4A58-B3F4-27730CE59F91}"/>
+                </a:ext>
+              </a:extLst>
+            </p:cNvPr>
+            <p:cNvSpPr txBox="1"/>
+            <p:nvPr/>
+          </p:nvSpPr>
+          <p:spPr>
+            <a:xfrm>
+              <a:off x="3712211" y="3056369"/>
+              <a:ext cx="582211" cy="400110"/>
+            </a:xfrm>
+            <a:prstGeom prst="rect">
+              <a:avLst/>
+            </a:prstGeom>
+            <a:noFill/>
+          </p:spPr>
+          <p:txBody>
+            <a:bodyPr wrap="none" rtlCol="0">
+              <a:spAutoFit/>
+            </a:bodyPr>
+            <a:lstStyle/>
+            <a:p>
+              <a:r>
+                <a:rPr lang="en-US" sz="2000" dirty="0"/>
+                <a:t>TPR</a:t>
+              </a:r>
+            </a:p>
+          </p:txBody>
+        </p:sp>
+        <p:sp>
+          <p:nvSpPr>
+            <p:cNvPr id="55" name="文本框 54">
+              <a:extLst>
+                <a:ext uri="{FF2B5EF4-FFF2-40B4-BE49-F238E27FC236}">
+                  <a16:creationId xmlns:a16="http://schemas.microsoft.com/office/drawing/2014/main" id="{A24398D9-FFB0-4F80-A14A-FC7F9E0AE755}"/>
+                </a:ext>
+              </a:extLst>
+            </p:cNvPr>
+            <p:cNvSpPr txBox="1"/>
+            <p:nvPr/>
+          </p:nvSpPr>
+          <p:spPr>
+            <a:xfrm>
+              <a:off x="6006180" y="5127651"/>
+              <a:ext cx="534121" cy="369332"/>
+            </a:xfrm>
+            <a:prstGeom prst="rect">
+              <a:avLst/>
+            </a:prstGeom>
+            <a:noFill/>
+          </p:spPr>
+          <p:txBody>
+            <a:bodyPr wrap="none" rtlCol="0">
+              <a:spAutoFit/>
+            </a:bodyPr>
+            <a:lstStyle/>
+            <a:p>
+              <a:r>
+                <a:rPr lang="en-US" dirty="0"/>
+                <a:t>FPR</a:t>
+              </a:r>
+            </a:p>
+          </p:txBody>
+        </p:sp>
+      </p:grpSp>
+    </p:spTree>
+    <p:extLst>
+      <p:ext uri="{BB962C8B-B14F-4D97-AF65-F5344CB8AC3E}">
+        <p14:creationId xmlns:p14="http://schemas.microsoft.com/office/powerpoint/2010/main" val="3299736262"/>
       </p:ext>
     </p:extLst>
   </p:cSld>
